--- a/EARL-Houston-2018/Presentation/EARL_2018_Powerpoint_Final.pptx
+++ b/EARL-Houston-2018/Presentation/EARL_2018_Powerpoint_Final.pptx
@@ -5,27 +5,29 @@
     <p:sldMasterId id="2147483660" r:id="rId1"/>
   </p:sldMasterIdLst>
   <p:notesMasterIdLst>
-    <p:notesMasterId r:id="rId17"/>
+    <p:notesMasterId r:id="rId19"/>
   </p:notesMasterIdLst>
   <p:handoutMasterIdLst>
-    <p:handoutMasterId r:id="rId18"/>
+    <p:handoutMasterId r:id="rId20"/>
   </p:handoutMasterIdLst>
   <p:sldIdLst>
     <p:sldId id="256" r:id="rId2"/>
     <p:sldId id="257" r:id="rId3"/>
     <p:sldId id="258" r:id="rId4"/>
     <p:sldId id="271" r:id="rId5"/>
-    <p:sldId id="266" r:id="rId6"/>
-    <p:sldId id="272" r:id="rId7"/>
-    <p:sldId id="273" r:id="rId8"/>
-    <p:sldId id="274" r:id="rId9"/>
+    <p:sldId id="276" r:id="rId6"/>
+    <p:sldId id="266" r:id="rId7"/>
+    <p:sldId id="277" r:id="rId8"/>
+    <p:sldId id="272" r:id="rId9"/>
     <p:sldId id="262" r:id="rId10"/>
-    <p:sldId id="270" r:id="rId11"/>
-    <p:sldId id="268" r:id="rId12"/>
-    <p:sldId id="259" r:id="rId13"/>
-    <p:sldId id="269" r:id="rId14"/>
-    <p:sldId id="264" r:id="rId15"/>
-    <p:sldId id="265" r:id="rId16"/>
+    <p:sldId id="273" r:id="rId11"/>
+    <p:sldId id="274" r:id="rId12"/>
+    <p:sldId id="270" r:id="rId13"/>
+    <p:sldId id="268" r:id="rId14"/>
+    <p:sldId id="259" r:id="rId15"/>
+    <p:sldId id="269" r:id="rId16"/>
+    <p:sldId id="264" r:id="rId17"/>
+    <p:sldId id="265" r:id="rId18"/>
   </p:sldIdLst>
   <p:sldSz cx="9144000" cy="6858000" type="screen4x3"/>
   <p:notesSz cx="6858000" cy="9144000"/>
@@ -126,10 +128,10 @@
   </p:defaultTextStyle>
   <p:extLst>
     <p:ext uri="{EFAFB233-063F-42B5-8137-9DF3F51BA10A}">
-      <p15:sldGuideLst xmlns:p15="http://schemas.microsoft.com/office/powerpoint/2012/main"/>
+      <p15:sldGuideLst xmlns:p15="http://schemas.microsoft.com/office/powerpoint/2012/main" xmlns=""/>
     </p:ext>
     <p:ext uri="{2D200454-40CA-4A62-9FC3-DE9A4176ACB9}">
-      <p15:notesGuideLst xmlns:p15="http://schemas.microsoft.com/office/powerpoint/2012/main"/>
+      <p15:notesGuideLst xmlns:p15="http://schemas.microsoft.com/office/powerpoint/2012/main" xmlns=""/>
     </p:ext>
   </p:extLst>
 </p:presentation>
@@ -217,6 +219,7 @@
           <a:p>
             <a:fld id="{E850F211-4947-49F8-8A74-3FB924231A51}" type="datetimeFigureOut">
               <a:rPr lang="en-GB" smtClean="0"/>
+              <a:pPr/>
               <a:t>08/11/2018</a:t>
             </a:fld>
             <a:endParaRPr lang="en-GB"/>
@@ -283,6 +286,7 @@
           <a:p>
             <a:fld id="{B7E96317-D0AA-4858-91C4-285ABD482562}" type="slidenum">
               <a:rPr lang="en-GB" smtClean="0"/>
+              <a:pPr/>
               <a:t>‹#›</a:t>
             </a:fld>
             <a:endParaRPr lang="en-GB"/>
@@ -292,7 +296,7 @@
     </p:spTree>
     <p:extLst>
       <p:ext uri="{BB962C8B-B14F-4D97-AF65-F5344CB8AC3E}">
-        <p14:creationId xmlns:p14="http://schemas.microsoft.com/office/powerpoint/2010/main" val="3562447697"/>
+        <p14:creationId xmlns:p14="http://schemas.microsoft.com/office/powerpoint/2010/main" xmlns="" val="3562447697"/>
       </p:ext>
     </p:extLst>
   </p:cSld>
@@ -382,6 +386,7 @@
           <a:p>
             <a:fld id="{97BAC331-CAEB-4F1A-A914-0ED552075572}" type="datetimeFigureOut">
               <a:rPr lang="en-US" smtClean="0"/>
+              <a:pPr/>
               <a:t>11/8/2018</a:t>
             </a:fld>
             <a:endParaRPr lang="en-US"/>
@@ -540,6 +545,7 @@
           <a:p>
             <a:fld id="{15611F66-93F4-4D88-BB0A-8200A9266084}" type="slidenum">
               <a:rPr lang="en-US" smtClean="0"/>
+              <a:pPr/>
               <a:t>‹#›</a:t>
             </a:fld>
             <a:endParaRPr lang="en-US"/>
@@ -549,7 +555,7 @@
     </p:spTree>
     <p:extLst>
       <p:ext uri="{BB962C8B-B14F-4D97-AF65-F5344CB8AC3E}">
-        <p14:creationId xmlns:p14="http://schemas.microsoft.com/office/powerpoint/2010/main" val="3355055061"/>
+        <p14:creationId xmlns:p14="http://schemas.microsoft.com/office/powerpoint/2010/main" xmlns="" val="3355055061"/>
       </p:ext>
     </p:extLst>
   </p:cSld>
@@ -731,6 +737,7 @@
           <a:p>
             <a:fld id="{15611F66-93F4-4D88-BB0A-8200A9266084}" type="slidenum">
               <a:rPr lang="en-US" smtClean="0"/>
+              <a:pPr/>
               <a:t>2</a:t>
             </a:fld>
             <a:endParaRPr lang="en-US"/>
@@ -740,7 +747,7 @@
     </p:spTree>
     <p:extLst>
       <p:ext uri="{BB962C8B-B14F-4D97-AF65-F5344CB8AC3E}">
-        <p14:creationId xmlns:p14="http://schemas.microsoft.com/office/powerpoint/2010/main" val="3616942306"/>
+        <p14:creationId xmlns:p14="http://schemas.microsoft.com/office/powerpoint/2010/main" xmlns="" val="3616942306"/>
       </p:ext>
     </p:extLst>
   </p:cSld>
@@ -799,8 +806,12 @@
               <a:buChar char="-"/>
             </a:pPr>
             <a:r>
-              <a:rPr lang="en-US" dirty="0"/>
-              <a:t>Change in percentage of chronically homeless counts across states</a:t>
+              <a:rPr lang="en-US" dirty="0" smtClean="0"/>
+              <a:t>Plot</a:t>
+            </a:r>
+            <a:r>
+              <a:rPr lang="en-US" baseline="0" dirty="0" smtClean="0"/>
+              <a:t> of # beds vs. total homeless </a:t>
             </a:r>
           </a:p>
           <a:p>
@@ -809,24 +820,8 @@
               <a:buChar char="-"/>
             </a:pPr>
             <a:r>
-              <a:rPr lang="en-US" dirty="0"/>
-              <a:t>Filtered a few where the change (+</a:t>
-            </a:r>
-            <a:r>
-              <a:rPr lang="en-US" dirty="0" err="1"/>
-              <a:t>ve</a:t>
-            </a:r>
-            <a:r>
-              <a:rPr lang="en-US" dirty="0"/>
-              <a:t> or –</a:t>
-            </a:r>
-            <a:r>
-              <a:rPr lang="en-US" dirty="0" err="1"/>
-              <a:t>ve</a:t>
-            </a:r>
-            <a:r>
-              <a:rPr lang="en-US" dirty="0"/>
-              <a:t>) is not very significant</a:t>
+              <a:rPr lang="en-US" baseline="0" dirty="0" smtClean="0"/>
+              <a:t>Florida shows a decreasing trend (correlation) over the years</a:t>
             </a:r>
           </a:p>
           <a:p>
@@ -835,9 +830,10 @@
               <a:buChar char="-"/>
             </a:pPr>
             <a:r>
-              <a:rPr lang="en-US" dirty="0"/>
-              <a:t>Normalized by the median percentage change</a:t>
-            </a:r>
+              <a:rPr lang="en-US" baseline="0" dirty="0" smtClean="0"/>
+              <a:t># bed counts have come down and so has the total homeless</a:t>
+            </a:r>
+            <a:endParaRPr lang="en-US" dirty="0"/>
           </a:p>
           <a:p>
             <a:pPr marL="171450" indent="-171450">
@@ -865,6 +861,7 @@
           <a:p>
             <a:fld id="{15611F66-93F4-4D88-BB0A-8200A9266084}" type="slidenum">
               <a:rPr lang="en-US" smtClean="0"/>
+              <a:pPr/>
               <a:t>11</a:t>
             </a:fld>
             <a:endParaRPr lang="en-US"/>
@@ -874,7 +871,7 @@
     </p:spTree>
     <p:extLst>
       <p:ext uri="{BB962C8B-B14F-4D97-AF65-F5344CB8AC3E}">
-        <p14:creationId xmlns:p14="http://schemas.microsoft.com/office/powerpoint/2010/main" val="2340533204"/>
+        <p14:creationId xmlns:p14="http://schemas.microsoft.com/office/powerpoint/2010/main" xmlns="" val="1567288058"/>
       </p:ext>
     </p:extLst>
   </p:cSld>
@@ -933,12 +930,8 @@
               <a:buChar char="-"/>
             </a:pPr>
             <a:r>
-              <a:rPr lang="en-US" dirty="0" err="1"/>
-              <a:t>Sparkfish</a:t>
-            </a:r>
-            <a:r>
               <a:rPr lang="en-US" dirty="0"/>
-              <a:t> intends to conduct field experiment to see what is really effective among different measures to bring homeless counts down</a:t>
+              <a:t>Percentage of sheltered relative to total homeless</a:t>
             </a:r>
           </a:p>
           <a:p>
@@ -948,8 +941,23 @@
             </a:pPr>
             <a:r>
               <a:rPr lang="en-US" dirty="0"/>
-              <a:t>Goal: build model to predict homeless counts in a region, taking into account various factors such as unemployment, housing, cost of living etc.</a:t>
-            </a:r>
+              <a:t>How it has changed over a decade</a:t>
+            </a:r>
+          </a:p>
+          <a:p>
+            <a:pPr marL="171450" indent="-171450">
+              <a:buFontTx/>
+              <a:buChar char="-"/>
+            </a:pPr>
+            <a:r>
+              <a:rPr lang="en-US" dirty="0" smtClean="0"/>
+              <a:t>Significant increase in % sheltered</a:t>
+            </a:r>
+            <a:r>
+              <a:rPr lang="en-US" baseline="0" dirty="0" smtClean="0"/>
+              <a:t> between 2012 and 2016 for Florida</a:t>
+            </a:r>
+            <a:endParaRPr lang="en-US" dirty="0"/>
           </a:p>
         </p:txBody>
       </p:sp>
@@ -970,6 +978,7 @@
           <a:p>
             <a:fld id="{15611F66-93F4-4D88-BB0A-8200A9266084}" type="slidenum">
               <a:rPr lang="en-US" smtClean="0"/>
+              <a:pPr/>
               <a:t>12</a:t>
             </a:fld>
             <a:endParaRPr lang="en-US"/>
@@ -979,7 +988,7 @@
     </p:spTree>
     <p:extLst>
       <p:ext uri="{BB962C8B-B14F-4D97-AF65-F5344CB8AC3E}">
-        <p14:creationId xmlns:p14="http://schemas.microsoft.com/office/powerpoint/2010/main" val="1457087547"/>
+        <p14:creationId xmlns:p14="http://schemas.microsoft.com/office/powerpoint/2010/main" xmlns="" val="2406726290"/>
       </p:ext>
     </p:extLst>
   </p:cSld>
@@ -1039,7 +1048,7 @@
             </a:pPr>
             <a:r>
               <a:rPr lang="en-US" dirty="0"/>
-              <a:t>Observational inference helps understand correlation on factors that help reduce homelessness</a:t>
+              <a:t>Change in percentage of chronically homeless counts across states</a:t>
             </a:r>
           </a:p>
           <a:p>
@@ -1049,28 +1058,20 @@
             </a:pPr>
             <a:r>
               <a:rPr lang="en-US" dirty="0"/>
-              <a:t>Field Experiment helps validate our hypothesis</a:t>
-            </a:r>
+              <a:t>Filtered a few </a:t>
+            </a:r>
+            <a:r>
+              <a:rPr lang="en-US" dirty="0" smtClean="0"/>
+              <a:t>states</a:t>
+            </a:r>
+            <a:endParaRPr lang="en-US" dirty="0"/>
           </a:p>
           <a:p>
             <a:pPr marL="171450" indent="-171450">
               <a:buFontTx/>
               <a:buChar char="-"/>
             </a:pPr>
-            <a:r>
-              <a:rPr lang="en-US" dirty="0"/>
-              <a:t>Null Hypothesis is that effect is same for shelters vs. affordable housing</a:t>
-            </a:r>
-          </a:p>
-          <a:p>
-            <a:pPr marL="171450" indent="-171450">
-              <a:buFontTx/>
-              <a:buChar char="-"/>
-            </a:pPr>
-            <a:r>
-              <a:rPr lang="en-US" dirty="0"/>
-              <a:t>We can perform a randomized experiment to validate our hypothesis</a:t>
-            </a:r>
+            <a:endParaRPr lang="en-US" dirty="0"/>
           </a:p>
         </p:txBody>
       </p:sp>
@@ -1091,6 +1092,7 @@
           <a:p>
             <a:fld id="{15611F66-93F4-4D88-BB0A-8200A9266084}" type="slidenum">
               <a:rPr lang="en-US" smtClean="0"/>
+              <a:pPr/>
               <a:t>13</a:t>
             </a:fld>
             <a:endParaRPr lang="en-US"/>
@@ -1100,7 +1102,7 @@
     </p:spTree>
     <p:extLst>
       <p:ext uri="{BB962C8B-B14F-4D97-AF65-F5344CB8AC3E}">
-        <p14:creationId xmlns:p14="http://schemas.microsoft.com/office/powerpoint/2010/main" val="2699713768"/>
+        <p14:creationId xmlns:p14="http://schemas.microsoft.com/office/powerpoint/2010/main" xmlns="" val="2340533204"/>
       </p:ext>
     </p:extLst>
   </p:cSld>
@@ -1154,7 +1156,28 @@
           <a:bodyPr/>
           <a:lstStyle/>
           <a:p>
-            <a:endParaRPr lang="en-US" dirty="0"/>
+            <a:pPr marL="171450" indent="-171450">
+              <a:buFontTx/>
+              <a:buChar char="-"/>
+            </a:pPr>
+            <a:r>
+              <a:rPr lang="en-US" dirty="0" err="1"/>
+              <a:t>Sparkfish</a:t>
+            </a:r>
+            <a:r>
+              <a:rPr lang="en-US" dirty="0"/>
+              <a:t> intends to conduct field experiment to see what is really effective among different measures to bring homeless counts down</a:t>
+            </a:r>
+          </a:p>
+          <a:p>
+            <a:pPr marL="171450" indent="-171450">
+              <a:buFontTx/>
+              <a:buChar char="-"/>
+            </a:pPr>
+            <a:r>
+              <a:rPr lang="en-US" dirty="0"/>
+              <a:t>Goal: build model to predict homeless counts in a region, taking into account various factors such as unemployment, housing, cost of living etc.</a:t>
+            </a:r>
           </a:p>
         </p:txBody>
       </p:sp>
@@ -1175,6 +1198,7 @@
           <a:p>
             <a:fld id="{15611F66-93F4-4D88-BB0A-8200A9266084}" type="slidenum">
               <a:rPr lang="en-US" smtClean="0"/>
+              <a:pPr/>
               <a:t>14</a:t>
             </a:fld>
             <a:endParaRPr lang="en-US"/>
@@ -1184,9 +1208,298 @@
     </p:spTree>
     <p:extLst>
       <p:ext uri="{BB962C8B-B14F-4D97-AF65-F5344CB8AC3E}">
-        <p14:creationId xmlns:p14="http://schemas.microsoft.com/office/powerpoint/2010/main" val="2761249351"/>
+        <p14:creationId xmlns:p14="http://schemas.microsoft.com/office/powerpoint/2010/main" xmlns="" val="1457087547"/>
       </p:ext>
     </p:extLst>
+  </p:cSld>
+  <p:clrMapOvr>
+    <a:masterClrMapping/>
+  </p:clrMapOvr>
+</p:notes>
+</file>
+
+<file path=ppt/notesSlides/notesSlide14.xml><?xml version="1.0" encoding="utf-8"?>
+<p:notes xmlns:a="http://schemas.openxmlformats.org/drawingml/2006/main" xmlns:r="http://schemas.openxmlformats.org/officeDocument/2006/relationships" xmlns:p="http://schemas.openxmlformats.org/presentationml/2006/main">
+  <p:cSld>
+    <p:spTree>
+      <p:nvGrpSpPr>
+        <p:cNvPr id="1" name=""/>
+        <p:cNvGrpSpPr/>
+        <p:nvPr/>
+      </p:nvGrpSpPr>
+      <p:grpSpPr>
+        <a:xfrm>
+          <a:off x="0" y="0"/>
+          <a:ext cx="0" cy="0"/>
+          <a:chOff x="0" y="0"/>
+          <a:chExt cx="0" cy="0"/>
+        </a:xfrm>
+      </p:grpSpPr>
+      <p:sp>
+        <p:nvSpPr>
+          <p:cNvPr id="2" name="Slide Image Placeholder 1"/>
+          <p:cNvSpPr>
+            <a:spLocks noGrp="1" noRot="1" noChangeAspect="1"/>
+          </p:cNvSpPr>
+          <p:nvPr>
+            <p:ph type="sldImg"/>
+          </p:nvPr>
+        </p:nvSpPr>
+        <p:spPr/>
+      </p:sp>
+      <p:sp>
+        <p:nvSpPr>
+          <p:cNvPr id="3" name="Notes Placeholder 2"/>
+          <p:cNvSpPr>
+            <a:spLocks noGrp="1"/>
+          </p:cNvSpPr>
+          <p:nvPr>
+            <p:ph type="body" idx="1"/>
+          </p:nvPr>
+        </p:nvSpPr>
+        <p:spPr/>
+        <p:txBody>
+          <a:bodyPr/>
+          <a:lstStyle/>
+          <a:p>
+            <a:pPr marL="171450" indent="-171450">
+              <a:buFontTx/>
+              <a:buChar char="-"/>
+            </a:pPr>
+            <a:r>
+              <a:rPr lang="en-US" dirty="0"/>
+              <a:t>Observational inference helps understand correlation on factors that help reduce homelessness</a:t>
+            </a:r>
+          </a:p>
+          <a:p>
+            <a:pPr marL="171450" indent="-171450">
+              <a:buFontTx/>
+              <a:buChar char="-"/>
+            </a:pPr>
+            <a:r>
+              <a:rPr lang="en-US" dirty="0"/>
+              <a:t>Field Experiment helps validate our hypothesis</a:t>
+            </a:r>
+          </a:p>
+          <a:p>
+            <a:pPr marL="171450" indent="-171450">
+              <a:buFontTx/>
+              <a:buChar char="-"/>
+            </a:pPr>
+            <a:r>
+              <a:rPr lang="en-US" dirty="0"/>
+              <a:t>Null Hypothesis is that effect is same for shelters vs. affordable housing</a:t>
+            </a:r>
+          </a:p>
+          <a:p>
+            <a:pPr marL="171450" indent="-171450">
+              <a:buFontTx/>
+              <a:buChar char="-"/>
+            </a:pPr>
+            <a:r>
+              <a:rPr lang="en-US" dirty="0"/>
+              <a:t>We can perform a randomized experiment to validate our hypothesis</a:t>
+            </a:r>
+          </a:p>
+        </p:txBody>
+      </p:sp>
+      <p:sp>
+        <p:nvSpPr>
+          <p:cNvPr id="4" name="Slide Number Placeholder 3"/>
+          <p:cNvSpPr>
+            <a:spLocks noGrp="1"/>
+          </p:cNvSpPr>
+          <p:nvPr>
+            <p:ph type="sldNum" sz="quarter" idx="10"/>
+          </p:nvPr>
+        </p:nvSpPr>
+        <p:spPr/>
+        <p:txBody>
+          <a:bodyPr/>
+          <a:lstStyle/>
+          <a:p>
+            <a:fld id="{15611F66-93F4-4D88-BB0A-8200A9266084}" type="slidenum">
+              <a:rPr lang="en-US" smtClean="0"/>
+              <a:pPr/>
+              <a:t>15</a:t>
+            </a:fld>
+            <a:endParaRPr lang="en-US"/>
+          </a:p>
+        </p:txBody>
+      </p:sp>
+    </p:spTree>
+    <p:extLst>
+      <p:ext uri="{BB962C8B-B14F-4D97-AF65-F5344CB8AC3E}">
+        <p14:creationId xmlns:p14="http://schemas.microsoft.com/office/powerpoint/2010/main" xmlns="" val="2699713768"/>
+      </p:ext>
+    </p:extLst>
+  </p:cSld>
+  <p:clrMapOvr>
+    <a:masterClrMapping/>
+  </p:clrMapOvr>
+</p:notes>
+</file>
+
+<file path=ppt/notesSlides/notesSlide15.xml><?xml version="1.0" encoding="utf-8"?>
+<p:notes xmlns:a="http://schemas.openxmlformats.org/drawingml/2006/main" xmlns:r="http://schemas.openxmlformats.org/officeDocument/2006/relationships" xmlns:p="http://schemas.openxmlformats.org/presentationml/2006/main">
+  <p:cSld>
+    <p:spTree>
+      <p:nvGrpSpPr>
+        <p:cNvPr id="1" name=""/>
+        <p:cNvGrpSpPr/>
+        <p:nvPr/>
+      </p:nvGrpSpPr>
+      <p:grpSpPr>
+        <a:xfrm>
+          <a:off x="0" y="0"/>
+          <a:ext cx="0" cy="0"/>
+          <a:chOff x="0" y="0"/>
+          <a:chExt cx="0" cy="0"/>
+        </a:xfrm>
+      </p:grpSpPr>
+      <p:sp>
+        <p:nvSpPr>
+          <p:cNvPr id="2" name="Slide Image Placeholder 1"/>
+          <p:cNvSpPr>
+            <a:spLocks noGrp="1" noRot="1" noChangeAspect="1"/>
+          </p:cNvSpPr>
+          <p:nvPr>
+            <p:ph type="sldImg"/>
+          </p:nvPr>
+        </p:nvSpPr>
+        <p:spPr/>
+      </p:sp>
+      <p:sp>
+        <p:nvSpPr>
+          <p:cNvPr id="3" name="Notes Placeholder 2"/>
+          <p:cNvSpPr>
+            <a:spLocks noGrp="1"/>
+          </p:cNvSpPr>
+          <p:nvPr>
+            <p:ph type="body" idx="1"/>
+          </p:nvPr>
+        </p:nvSpPr>
+        <p:spPr/>
+        <p:txBody>
+          <a:bodyPr/>
+          <a:lstStyle/>
+          <a:p>
+            <a:endParaRPr lang="en-US" dirty="0"/>
+          </a:p>
+        </p:txBody>
+      </p:sp>
+      <p:sp>
+        <p:nvSpPr>
+          <p:cNvPr id="4" name="Slide Number Placeholder 3"/>
+          <p:cNvSpPr>
+            <a:spLocks noGrp="1"/>
+          </p:cNvSpPr>
+          <p:nvPr>
+            <p:ph type="sldNum" sz="quarter" idx="10"/>
+          </p:nvPr>
+        </p:nvSpPr>
+        <p:spPr/>
+        <p:txBody>
+          <a:bodyPr/>
+          <a:lstStyle/>
+          <a:p>
+            <a:fld id="{15611F66-93F4-4D88-BB0A-8200A9266084}" type="slidenum">
+              <a:rPr lang="en-US" smtClean="0"/>
+              <a:pPr/>
+              <a:t>16</a:t>
+            </a:fld>
+            <a:endParaRPr lang="en-US"/>
+          </a:p>
+        </p:txBody>
+      </p:sp>
+    </p:spTree>
+    <p:extLst>
+      <p:ext uri="{BB962C8B-B14F-4D97-AF65-F5344CB8AC3E}">
+        <p14:creationId xmlns:p14="http://schemas.microsoft.com/office/powerpoint/2010/main" xmlns="" val="2761249351"/>
+      </p:ext>
+    </p:extLst>
+  </p:cSld>
+  <p:clrMapOvr>
+    <a:masterClrMapping/>
+  </p:clrMapOvr>
+</p:notes>
+</file>
+
+<file path=ppt/notesSlides/notesSlide16.xml><?xml version="1.0" encoding="utf-8"?>
+<p:notes xmlns:a="http://schemas.openxmlformats.org/drawingml/2006/main" xmlns:r="http://schemas.openxmlformats.org/officeDocument/2006/relationships" xmlns:p="http://schemas.openxmlformats.org/presentationml/2006/main">
+  <p:cSld>
+    <p:spTree>
+      <p:nvGrpSpPr>
+        <p:cNvPr id="1" name=""/>
+        <p:cNvGrpSpPr/>
+        <p:nvPr/>
+      </p:nvGrpSpPr>
+      <p:grpSpPr>
+        <a:xfrm>
+          <a:off x="0" y="0"/>
+          <a:ext cx="0" cy="0"/>
+          <a:chOff x="0" y="0"/>
+          <a:chExt cx="0" cy="0"/>
+        </a:xfrm>
+      </p:grpSpPr>
+      <p:sp>
+        <p:nvSpPr>
+          <p:cNvPr id="2" name="Slide Image Placeholder 1"/>
+          <p:cNvSpPr>
+            <a:spLocks noGrp="1" noRot="1" noChangeAspect="1"/>
+          </p:cNvSpPr>
+          <p:nvPr>
+            <p:ph type="sldImg"/>
+          </p:nvPr>
+        </p:nvSpPr>
+        <p:spPr/>
+      </p:sp>
+      <p:sp>
+        <p:nvSpPr>
+          <p:cNvPr id="3" name="Notes Placeholder 2"/>
+          <p:cNvSpPr>
+            <a:spLocks noGrp="1"/>
+          </p:cNvSpPr>
+          <p:nvPr>
+            <p:ph type="body" idx="1"/>
+          </p:nvPr>
+        </p:nvSpPr>
+        <p:spPr/>
+        <p:txBody>
+          <a:bodyPr>
+            <a:normAutofit/>
+          </a:bodyPr>
+          <a:lstStyle/>
+          <a:p>
+            <a:endParaRPr lang="en-US" dirty="0"/>
+          </a:p>
+        </p:txBody>
+      </p:sp>
+      <p:sp>
+        <p:nvSpPr>
+          <p:cNvPr id="4" name="Slide Number Placeholder 3"/>
+          <p:cNvSpPr>
+            <a:spLocks noGrp="1"/>
+          </p:cNvSpPr>
+          <p:nvPr>
+            <p:ph type="sldNum" sz="quarter" idx="10"/>
+          </p:nvPr>
+        </p:nvSpPr>
+        <p:spPr/>
+        <p:txBody>
+          <a:bodyPr/>
+          <a:lstStyle/>
+          <a:p>
+            <a:fld id="{15611F66-93F4-4D88-BB0A-8200A9266084}" type="slidenum">
+              <a:rPr lang="en-US" smtClean="0"/>
+              <a:pPr/>
+              <a:t>17</a:t>
+            </a:fld>
+            <a:endParaRPr lang="en-US"/>
+          </a:p>
+        </p:txBody>
+      </p:sp>
+    </p:spTree>
   </p:cSld>
   <p:clrMapOvr>
     <a:masterClrMapping/>
@@ -1266,6 +1579,7 @@
           <a:p>
             <a:fld id="{15611F66-93F4-4D88-BB0A-8200A9266084}" type="slidenum">
               <a:rPr lang="en-US" smtClean="0"/>
+              <a:pPr/>
               <a:t>3</a:t>
             </a:fld>
             <a:endParaRPr lang="en-US"/>
@@ -1275,7 +1589,7 @@
     </p:spTree>
     <p:extLst>
       <p:ext uri="{BB962C8B-B14F-4D97-AF65-F5344CB8AC3E}">
-        <p14:creationId xmlns:p14="http://schemas.microsoft.com/office/powerpoint/2010/main" val="797566435"/>
+        <p14:creationId xmlns:p14="http://schemas.microsoft.com/office/powerpoint/2010/main" xmlns="" val="797566435"/>
       </p:ext>
     </p:extLst>
   </p:cSld>
@@ -1334,8 +1648,62 @@
               <a:buChar char="-"/>
             </a:pPr>
             <a:r>
+              <a:rPr lang="en-US" dirty="0" smtClean="0"/>
+              <a:t>Visualization </a:t>
+            </a:r>
+            <a:r>
               <a:rPr lang="en-US" dirty="0"/>
-              <a:t>Viz shows the percentage homeless, relative to population in the sate </a:t>
+              <a:t>shows the percentage homeless, relative to population in the </a:t>
+            </a:r>
+            <a:r>
+              <a:rPr lang="en-US" dirty="0" smtClean="0"/>
+              <a:t>sate</a:t>
+            </a:r>
+          </a:p>
+          <a:p>
+            <a:pPr marL="171450" indent="-171450">
+              <a:buFontTx/>
+              <a:buNone/>
+            </a:pPr>
+            <a:r>
+              <a:rPr lang="en-US" dirty="0" smtClean="0"/>
+              <a:t>Key points: </a:t>
+            </a:r>
+            <a:endParaRPr lang="en-US" dirty="0"/>
+          </a:p>
+          <a:p>
+            <a:pPr marL="228600" indent="-228600">
+              <a:buAutoNum type="arabicPeriod"/>
+            </a:pPr>
+            <a:r>
+              <a:rPr lang="en-US" dirty="0" smtClean="0"/>
+              <a:t>Where homelessness occurs &amp; categories of homeless</a:t>
+            </a:r>
+          </a:p>
+          <a:p>
+            <a:pPr marL="228600" indent="-228600">
+              <a:buAutoNum type="arabicPeriod"/>
+            </a:pPr>
+            <a:r>
+              <a:rPr lang="en-US" dirty="0" smtClean="0"/>
+              <a:t>Homeless counts,</a:t>
+            </a:r>
+            <a:r>
+              <a:rPr lang="en-US" baseline="0" dirty="0" smtClean="0"/>
+              <a:t> </a:t>
+            </a:r>
+            <a:r>
+              <a:rPr lang="en-US" dirty="0" smtClean="0"/>
+              <a:t>Bed counts, as seen across those states</a:t>
+            </a:r>
+          </a:p>
+          <a:p>
+            <a:pPr marL="228600" indent="-228600">
+              <a:buAutoNum type="arabicPeriod"/>
+            </a:pPr>
+            <a:r>
+              <a:rPr lang="en-US" dirty="0" smtClean="0"/>
+              <a:t>Does housing first correlate with reduction in homelessness?</a:t>
             </a:r>
           </a:p>
           <a:p>
@@ -1364,6 +1732,7 @@
           <a:p>
             <a:fld id="{15611F66-93F4-4D88-BB0A-8200A9266084}" type="slidenum">
               <a:rPr lang="en-US" smtClean="0"/>
+              <a:pPr/>
               <a:t>4</a:t>
             </a:fld>
             <a:endParaRPr lang="en-US"/>
@@ -1373,7 +1742,7 @@
     </p:spTree>
     <p:extLst>
       <p:ext uri="{BB962C8B-B14F-4D97-AF65-F5344CB8AC3E}">
-        <p14:creationId xmlns:p14="http://schemas.microsoft.com/office/powerpoint/2010/main" val="1843667383"/>
+        <p14:creationId xmlns:p14="http://schemas.microsoft.com/office/powerpoint/2010/main" xmlns="" val="1843667383"/>
       </p:ext>
     </p:extLst>
   </p:cSld>
@@ -1428,39 +1797,24 @@
           <a:lstStyle/>
           <a:p>
             <a:pPr marL="228600" indent="-228600">
-              <a:buAutoNum type="arabicPeriod"/>
+              <a:buFontTx/>
+              <a:buChar char="-"/>
             </a:pPr>
             <a:r>
-              <a:rPr lang="en-US" dirty="0"/>
-              <a:t>Where homelessness occurs</a:t>
+              <a:rPr lang="en-US" baseline="0" dirty="0" smtClean="0"/>
+              <a:t>https://www.npr.org/2015/12/10/459100751/utah-reduced-chronic-homelessness-by-91-percent-heres-how </a:t>
             </a:r>
           </a:p>
           <a:p>
             <a:pPr marL="228600" indent="-228600">
-              <a:buAutoNum type="arabicPeriod"/>
+              <a:buFontTx/>
+              <a:buChar char="-"/>
             </a:pPr>
             <a:r>
-              <a:rPr lang="en-US" dirty="0"/>
-              <a:t>Rise in homeless counts in 4 states</a:t>
-            </a:r>
-          </a:p>
-          <a:p>
-            <a:pPr marL="228600" indent="-228600">
-              <a:buAutoNum type="arabicPeriod"/>
-            </a:pPr>
-            <a:r>
-              <a:rPr lang="en-US" dirty="0"/>
-              <a:t>Rise in bed counts, as seen across those states</a:t>
-            </a:r>
-          </a:p>
-          <a:p>
-            <a:pPr marL="228600" indent="-228600">
-              <a:buAutoNum type="arabicPeriod"/>
-            </a:pPr>
-            <a:r>
-              <a:rPr lang="en-US" dirty="0"/>
-              <a:t>Does housing first correlate with reduction in homelessness?</a:t>
-            </a:r>
+              <a:rPr lang="en-US" baseline="0" dirty="0" smtClean="0"/>
+              <a:t>A few other examples: Salt Lake City brought down its chronically homeless counts from 2500 (2005) to 400 (2013)</a:t>
+            </a:r>
+            <a:endParaRPr lang="en-US" dirty="0"/>
           </a:p>
         </p:txBody>
       </p:sp>
@@ -1481,6 +1835,7 @@
           <a:p>
             <a:fld id="{15611F66-93F4-4D88-BB0A-8200A9266084}" type="slidenum">
               <a:rPr lang="en-US" smtClean="0"/>
+              <a:pPr/>
               <a:t>5</a:t>
             </a:fld>
             <a:endParaRPr lang="en-US"/>
@@ -1490,7 +1845,7 @@
     </p:spTree>
     <p:extLst>
       <p:ext uri="{BB962C8B-B14F-4D97-AF65-F5344CB8AC3E}">
-        <p14:creationId xmlns:p14="http://schemas.microsoft.com/office/powerpoint/2010/main" val="1684348932"/>
+        <p14:creationId xmlns:p14="http://schemas.microsoft.com/office/powerpoint/2010/main" xmlns="" val="1684348932"/>
       </p:ext>
     </p:extLst>
   </p:cSld>
@@ -1544,41 +1899,13 @@
           <a:bodyPr/>
           <a:lstStyle/>
           <a:p>
-            <a:pPr marL="171450" indent="-171450">
-              <a:buFontTx/>
-              <a:buChar char="-"/>
+            <a:pPr marL="228600" indent="-228600">
+              <a:buAutoNum type="arabicPeriod"/>
             </a:pPr>
             <a:r>
-              <a:rPr lang="en-US" dirty="0"/>
-              <a:t>A simple way to show how bed counts compare to homeless counts</a:t>
-            </a:r>
-          </a:p>
-          <a:p>
-            <a:pPr marL="171450" indent="-171450">
-              <a:buFontTx/>
-              <a:buChar char="-"/>
-            </a:pPr>
-            <a:r>
-              <a:rPr lang="en-US" dirty="0"/>
-              <a:t>Beds – sheltered homeless counts </a:t>
-            </a:r>
-          </a:p>
-          <a:p>
-            <a:pPr marL="171450" indent="-171450">
-              <a:buFontTx/>
-              <a:buChar char="-"/>
-            </a:pPr>
-            <a:r>
-              <a:rPr lang="en-US" dirty="0"/>
-              <a:t>Homeless counts: Sheltered + Unsheltered</a:t>
-            </a:r>
-          </a:p>
-          <a:p>
-            <a:pPr marL="171450" indent="-171450">
-              <a:buFontTx/>
-              <a:buChar char="-"/>
-            </a:pPr>
-            <a:endParaRPr lang="en-US" dirty="0"/>
+              <a:rPr lang="en-US" dirty="0" smtClean="0"/>
+              <a:t>https://www.seattletimes.com/seattle-news/homeless/houstons-solution-to-the-homeless-crisis-housing-and-lots-of-it/ </a:t>
+            </a:r>
           </a:p>
         </p:txBody>
       </p:sp>
@@ -1599,6 +1926,7 @@
           <a:p>
             <a:fld id="{15611F66-93F4-4D88-BB0A-8200A9266084}" type="slidenum">
               <a:rPr lang="en-US" smtClean="0"/>
+              <a:pPr/>
               <a:t>6</a:t>
             </a:fld>
             <a:endParaRPr lang="en-US"/>
@@ -1608,7 +1936,7 @@
     </p:spTree>
     <p:extLst>
       <p:ext uri="{BB962C8B-B14F-4D97-AF65-F5344CB8AC3E}">
-        <p14:creationId xmlns:p14="http://schemas.microsoft.com/office/powerpoint/2010/main" val="3053554314"/>
+        <p14:creationId xmlns:p14="http://schemas.microsoft.com/office/powerpoint/2010/main" xmlns="" val="1684348932"/>
       </p:ext>
     </p:extLst>
   </p:cSld>
@@ -1662,21 +1990,27 @@
           <a:bodyPr/>
           <a:lstStyle/>
           <a:p>
-            <a:pPr marL="171450" indent="-171450">
-              <a:buFontTx/>
-              <a:buChar char="-"/>
+            <a:pPr marL="228600" indent="-228600">
+              <a:buAutoNum type="arabicPeriod"/>
             </a:pPr>
             <a:r>
-              <a:rPr lang="en-US" dirty="0"/>
-              <a:t>Plot across states – shows very different structure across states</a:t>
-            </a:r>
-          </a:p>
-          <a:p>
-            <a:pPr marL="171450" indent="-171450">
-              <a:buFontTx/>
-              <a:buChar char="-"/>
+              <a:rPr lang="en-US" dirty="0" smtClean="0"/>
+              <a:t>http://www.cityoforlando.net/mayor/housing-first/ </a:t>
+            </a:r>
+          </a:p>
+          <a:p>
+            <a:pPr marL="228600" indent="-228600">
+              <a:buAutoNum type="arabicPeriod"/>
             </a:pPr>
-            <a:endParaRPr lang="en-US" dirty="0"/>
+            <a:r>
+              <a:rPr lang="en-US" dirty="0" smtClean="0"/>
+              <a:t>Chronically</a:t>
+            </a:r>
+            <a:r>
+              <a:rPr lang="en-US" baseline="0" dirty="0" smtClean="0"/>
+              <a:t> homeless – Been homeless for over a year / in emergency shelter for long</a:t>
+            </a:r>
+            <a:endParaRPr lang="en-US" dirty="0" smtClean="0"/>
           </a:p>
         </p:txBody>
       </p:sp>
@@ -1697,6 +2031,7 @@
           <a:p>
             <a:fld id="{15611F66-93F4-4D88-BB0A-8200A9266084}" type="slidenum">
               <a:rPr lang="en-US" smtClean="0"/>
+              <a:pPr/>
               <a:t>7</a:t>
             </a:fld>
             <a:endParaRPr lang="en-US"/>
@@ -1706,7 +2041,7 @@
     </p:spTree>
     <p:extLst>
       <p:ext uri="{BB962C8B-B14F-4D97-AF65-F5344CB8AC3E}">
-        <p14:creationId xmlns:p14="http://schemas.microsoft.com/office/powerpoint/2010/main" val="140320294"/>
+        <p14:creationId xmlns:p14="http://schemas.microsoft.com/office/powerpoint/2010/main" xmlns="" val="1684348932"/>
       </p:ext>
     </p:extLst>
   </p:cSld>
@@ -1815,6 +2150,7 @@
           <a:p>
             <a:fld id="{15611F66-93F4-4D88-BB0A-8200A9266084}" type="slidenum">
               <a:rPr lang="en-US" smtClean="0"/>
+              <a:pPr/>
               <a:t>8</a:t>
             </a:fld>
             <a:endParaRPr lang="en-US"/>
@@ -1824,7 +2160,7 @@
     </p:spTree>
     <p:extLst>
       <p:ext uri="{BB962C8B-B14F-4D97-AF65-F5344CB8AC3E}">
-        <p14:creationId xmlns:p14="http://schemas.microsoft.com/office/powerpoint/2010/main" val="1567288058"/>
+        <p14:creationId xmlns:p14="http://schemas.microsoft.com/office/powerpoint/2010/main" xmlns="" val="3053554314"/>
       </p:ext>
     </p:extLst>
   </p:cSld>
@@ -1926,6 +2262,7 @@
           <a:p>
             <a:fld id="{15611F66-93F4-4D88-BB0A-8200A9266084}" type="slidenum">
               <a:rPr lang="en-US" smtClean="0"/>
+              <a:pPr/>
               <a:t>9</a:t>
             </a:fld>
             <a:endParaRPr lang="en-US"/>
@@ -1935,7 +2272,7 @@
     </p:spTree>
     <p:extLst>
       <p:ext uri="{BB962C8B-B14F-4D97-AF65-F5344CB8AC3E}">
-        <p14:creationId xmlns:p14="http://schemas.microsoft.com/office/powerpoint/2010/main" val="3626407098"/>
+        <p14:creationId xmlns:p14="http://schemas.microsoft.com/office/powerpoint/2010/main" xmlns="" val="3626407098"/>
       </p:ext>
     </p:extLst>
   </p:cSld>
@@ -1995,7 +2332,7 @@
             </a:pPr>
             <a:r>
               <a:rPr lang="en-US" dirty="0"/>
-              <a:t>Percentage of sheltered relative to total homeless</a:t>
+              <a:t>Plot across states – shows very different structure across states</a:t>
             </a:r>
           </a:p>
           <a:p>
@@ -2003,20 +2340,7 @@
               <a:buFontTx/>
               <a:buChar char="-"/>
             </a:pPr>
-            <a:r>
-              <a:rPr lang="en-US" dirty="0"/>
-              <a:t>How it has changed over a decade</a:t>
-            </a:r>
-          </a:p>
-          <a:p>
-            <a:pPr marL="171450" indent="-171450">
-              <a:buFontTx/>
-              <a:buChar char="-"/>
-            </a:pPr>
-            <a:r>
-              <a:rPr lang="en-US" dirty="0"/>
-              <a:t>Utah – decrease since 2010 due to adoption of ‘housing first’</a:t>
-            </a:r>
+            <a:endParaRPr lang="en-US" dirty="0"/>
           </a:p>
         </p:txBody>
       </p:sp>
@@ -2037,6 +2361,7 @@
           <a:p>
             <a:fld id="{15611F66-93F4-4D88-BB0A-8200A9266084}" type="slidenum">
               <a:rPr lang="en-US" smtClean="0"/>
+              <a:pPr/>
               <a:t>10</a:t>
             </a:fld>
             <a:endParaRPr lang="en-US"/>
@@ -2046,7 +2371,7 @@
     </p:spTree>
     <p:extLst>
       <p:ext uri="{BB962C8B-B14F-4D97-AF65-F5344CB8AC3E}">
-        <p14:creationId xmlns:p14="http://schemas.microsoft.com/office/powerpoint/2010/main" val="2406726290"/>
+        <p14:creationId xmlns:p14="http://schemas.microsoft.com/office/powerpoint/2010/main" xmlns="" val="140320294"/>
       </p:ext>
     </p:extLst>
   </p:cSld>
@@ -2119,10 +2444,10 @@
           <p:nvPr userDrawn="1"/>
         </p:nvPicPr>
         <p:blipFill>
-          <a:blip r:embed="rId2">
+          <a:blip r:embed="rId2" cstate="print">
             <a:extLst>
               <a:ext uri="{28A0092B-C50C-407E-A947-70E740481C1C}">
-                <a14:useLocalDpi xmlns:a14="http://schemas.microsoft.com/office/drawing/2010/main" val="0"/>
+                <a14:useLocalDpi xmlns:a14="http://schemas.microsoft.com/office/drawing/2010/main" xmlns="" val="0"/>
               </a:ext>
             </a:extLst>
           </a:blip>
@@ -2212,7 +2537,7 @@
             <a:blip r:embed="rId3" cstate="print">
               <a:extLst>
                 <a:ext uri="{28A0092B-C50C-407E-A947-70E740481C1C}">
-                  <a14:useLocalDpi xmlns:a14="http://schemas.microsoft.com/office/drawing/2010/main" val="0"/>
+                  <a14:useLocalDpi xmlns:a14="http://schemas.microsoft.com/office/drawing/2010/main" xmlns="" val="0"/>
                 </a:ext>
               </a:extLst>
             </a:blip>
@@ -2465,7 +2790,7 @@
           <p:cNvPr id="15" name="Picture 14">
             <a:extLst>
               <a:ext uri="{FF2B5EF4-FFF2-40B4-BE49-F238E27FC236}">
-                <a16:creationId xmlns:a16="http://schemas.microsoft.com/office/drawing/2014/main" id="{25632F72-6A96-4286-983D-D3F94797BB92}"/>
+                <a16:creationId xmlns:a16="http://schemas.microsoft.com/office/drawing/2014/main" xmlns="" id="{25632F72-6A96-4286-983D-D3F94797BB92}"/>
               </a:ext>
             </a:extLst>
           </p:cNvPr>
@@ -2475,7 +2800,7 @@
           <p:nvPr userDrawn="1"/>
         </p:nvPicPr>
         <p:blipFill rotWithShape="1">
-          <a:blip r:embed="rId4"/>
+          <a:blip r:embed="rId4" cstate="print"/>
           <a:srcRect l="831" r="1095"/>
           <a:stretch/>
         </p:blipFill>
@@ -2492,7 +2817,7 @@
     </p:spTree>
     <p:extLst>
       <p:ext uri="{BB962C8B-B14F-4D97-AF65-F5344CB8AC3E}">
-        <p14:creationId xmlns:p14="http://schemas.microsoft.com/office/powerpoint/2010/main" val="3877211273"/>
+        <p14:creationId xmlns:p14="http://schemas.microsoft.com/office/powerpoint/2010/main" xmlns="" val="3877211273"/>
       </p:ext>
     </p:extLst>
   </p:cSld>
@@ -2616,6 +2941,7 @@
           <a:p>
             <a:fld id="{1316D2D9-141E-425D-98EC-1AC95521887E}" type="datetime1">
               <a:rPr lang="en-GB" smtClean="0"/>
+              <a:pPr/>
               <a:t>08/11/2018</a:t>
             </a:fld>
             <a:endParaRPr lang="en-GB"/>
@@ -2658,6 +2984,7 @@
           <a:p>
             <a:fld id="{639C7060-0A1E-4265-8BBE-17D58E27BD54}" type="slidenum">
               <a:rPr lang="en-GB" smtClean="0"/>
+              <a:pPr/>
               <a:t>‹#›</a:t>
             </a:fld>
             <a:endParaRPr lang="en-GB"/>
@@ -2667,7 +2994,7 @@
     </p:spTree>
     <p:extLst>
       <p:ext uri="{BB962C8B-B14F-4D97-AF65-F5344CB8AC3E}">
-        <p14:creationId xmlns:p14="http://schemas.microsoft.com/office/powerpoint/2010/main" val="634535167"/>
+        <p14:creationId xmlns:p14="http://schemas.microsoft.com/office/powerpoint/2010/main" xmlns="" val="634535167"/>
       </p:ext>
     </p:extLst>
   </p:cSld>
@@ -2795,6 +3122,7 @@
           <a:p>
             <a:fld id="{17BF47F0-E7D9-4B09-975D-0A1F585B71DF}" type="datetime1">
               <a:rPr lang="en-GB" smtClean="0"/>
+              <a:pPr/>
               <a:t>08/11/2018</a:t>
             </a:fld>
             <a:endParaRPr lang="en-GB"/>
@@ -2837,6 +3165,7 @@
           <a:p>
             <a:fld id="{639C7060-0A1E-4265-8BBE-17D58E27BD54}" type="slidenum">
               <a:rPr lang="en-GB" smtClean="0"/>
+              <a:pPr/>
               <a:t>‹#›</a:t>
             </a:fld>
             <a:endParaRPr lang="en-GB"/>
@@ -2846,7 +3175,7 @@
     </p:spTree>
     <p:extLst>
       <p:ext uri="{BB962C8B-B14F-4D97-AF65-F5344CB8AC3E}">
-        <p14:creationId xmlns:p14="http://schemas.microsoft.com/office/powerpoint/2010/main" val="1574932370"/>
+        <p14:creationId xmlns:p14="http://schemas.microsoft.com/office/powerpoint/2010/main" xmlns="" val="1574932370"/>
       </p:ext>
     </p:extLst>
   </p:cSld>
@@ -2973,6 +3302,7 @@
           <a:p>
             <a:fld id="{0811279B-8F8C-4175-BDC6-F68BBD87A731}" type="datetime1">
               <a:rPr lang="en-GB" smtClean="0"/>
+              <a:pPr/>
               <a:t>08/11/2018</a:t>
             </a:fld>
             <a:endParaRPr lang="en-GB"/>
@@ -3024,7 +3354,7 @@
           <p:cNvPr id="8" name="Picture 7">
             <a:extLst>
               <a:ext uri="{FF2B5EF4-FFF2-40B4-BE49-F238E27FC236}">
-                <a16:creationId xmlns:a16="http://schemas.microsoft.com/office/drawing/2014/main" id="{5C1508A5-D10D-411D-96B5-F7B98992C007}"/>
+                <a16:creationId xmlns:a16="http://schemas.microsoft.com/office/drawing/2014/main" xmlns="" id="{5C1508A5-D10D-411D-96B5-F7B98992C007}"/>
               </a:ext>
             </a:extLst>
           </p:cNvPr>
@@ -3037,7 +3367,7 @@
           <a:blip r:embed="rId2" cstate="print">
             <a:extLst>
               <a:ext uri="{BEBA8EAE-BF5A-486C-A8C5-ECC9F3942E4B}">
-                <a14:imgProps xmlns:a14="http://schemas.microsoft.com/office/drawing/2010/main">
+                <a14:imgProps xmlns:a14="http://schemas.microsoft.com/office/drawing/2010/main" xmlns="">
                   <a14:imgLayer r:embed="rId3">
                     <a14:imgEffect>
                       <a14:brightnessContrast bright="-40000"/>
@@ -3046,7 +3376,7 @@
                 </a14:imgProps>
               </a:ext>
               <a:ext uri="{28A0092B-C50C-407E-A947-70E740481C1C}">
-                <a14:useLocalDpi xmlns:a14="http://schemas.microsoft.com/office/drawing/2010/main" val="0"/>
+                <a14:useLocalDpi xmlns:a14="http://schemas.microsoft.com/office/drawing/2010/main" xmlns="" val="0"/>
               </a:ext>
             </a:extLst>
           </a:blip>
@@ -3067,7 +3397,7 @@
     </p:spTree>
     <p:extLst>
       <p:ext uri="{BB962C8B-B14F-4D97-AF65-F5344CB8AC3E}">
-        <p14:creationId xmlns:p14="http://schemas.microsoft.com/office/powerpoint/2010/main" val="1399632217"/>
+        <p14:creationId xmlns:p14="http://schemas.microsoft.com/office/powerpoint/2010/main" xmlns="" val="1399632217"/>
       </p:ext>
     </p:extLst>
   </p:cSld>
@@ -3259,6 +3589,7 @@
           <a:p>
             <a:fld id="{ECF8CD9D-0EB2-4138-81A5-1F83A36B98A8}" type="datetime1">
               <a:rPr lang="en-GB" smtClean="0"/>
+              <a:pPr/>
               <a:t>08/11/2018</a:t>
             </a:fld>
             <a:endParaRPr lang="en-GB"/>
@@ -3301,6 +3632,7 @@
           <a:p>
             <a:fld id="{639C7060-0A1E-4265-8BBE-17D58E27BD54}" type="slidenum">
               <a:rPr lang="en-GB" smtClean="0"/>
+              <a:pPr/>
               <a:t>‹#›</a:t>
             </a:fld>
             <a:endParaRPr lang="en-GB"/>
@@ -3312,7 +3644,7 @@
           <p:cNvPr id="7" name="Picture 6">
             <a:extLst>
               <a:ext uri="{FF2B5EF4-FFF2-40B4-BE49-F238E27FC236}">
-                <a16:creationId xmlns:a16="http://schemas.microsoft.com/office/drawing/2014/main" id="{B7ACE9B2-4AE1-47F9-A037-09C72EDCA270}"/>
+                <a16:creationId xmlns:a16="http://schemas.microsoft.com/office/drawing/2014/main" xmlns="" id="{B7ACE9B2-4AE1-47F9-A037-09C72EDCA270}"/>
               </a:ext>
             </a:extLst>
           </p:cNvPr>
@@ -3325,7 +3657,7 @@
           <a:blip r:embed="rId2" cstate="print">
             <a:extLst>
               <a:ext uri="{BEBA8EAE-BF5A-486C-A8C5-ECC9F3942E4B}">
-                <a14:imgProps xmlns:a14="http://schemas.microsoft.com/office/drawing/2010/main">
+                <a14:imgProps xmlns:a14="http://schemas.microsoft.com/office/drawing/2010/main" xmlns="">
                   <a14:imgLayer r:embed="rId3">
                     <a14:imgEffect>
                       <a14:brightnessContrast bright="-40000"/>
@@ -3334,7 +3666,7 @@
                 </a14:imgProps>
               </a:ext>
               <a:ext uri="{28A0092B-C50C-407E-A947-70E740481C1C}">
-                <a14:useLocalDpi xmlns:a14="http://schemas.microsoft.com/office/drawing/2010/main" val="0"/>
+                <a14:useLocalDpi xmlns:a14="http://schemas.microsoft.com/office/drawing/2010/main" xmlns="" val="0"/>
               </a:ext>
             </a:extLst>
           </a:blip>
@@ -3355,7 +3687,7 @@
     </p:spTree>
     <p:extLst>
       <p:ext uri="{BB962C8B-B14F-4D97-AF65-F5344CB8AC3E}">
-        <p14:creationId xmlns:p14="http://schemas.microsoft.com/office/powerpoint/2010/main" val="2979373131"/>
+        <p14:creationId xmlns:p14="http://schemas.microsoft.com/office/powerpoint/2010/main" xmlns="" val="2979373131"/>
       </p:ext>
     </p:extLst>
   </p:cSld>
@@ -3536,6 +3868,7 @@
           <a:p>
             <a:fld id="{5D50E957-A364-4227-B05D-77649BEEDD15}" type="datetime1">
               <a:rPr lang="en-GB" smtClean="0"/>
+              <a:pPr/>
               <a:t>08/11/2018</a:t>
             </a:fld>
             <a:endParaRPr lang="en-GB"/>
@@ -3578,6 +3911,7 @@
           <a:p>
             <a:fld id="{639C7060-0A1E-4265-8BBE-17D58E27BD54}" type="slidenum">
               <a:rPr lang="en-GB" smtClean="0"/>
+              <a:pPr/>
               <a:t>‹#›</a:t>
             </a:fld>
             <a:endParaRPr lang="en-GB"/>
@@ -3587,7 +3921,7 @@
     </p:spTree>
     <p:extLst>
       <p:ext uri="{BB962C8B-B14F-4D97-AF65-F5344CB8AC3E}">
-        <p14:creationId xmlns:p14="http://schemas.microsoft.com/office/powerpoint/2010/main" val="3672302539"/>
+        <p14:creationId xmlns:p14="http://schemas.microsoft.com/office/powerpoint/2010/main" xmlns="" val="3672302539"/>
       </p:ext>
     </p:extLst>
   </p:cSld>
@@ -3903,6 +4237,7 @@
           <a:p>
             <a:fld id="{0D49E9FF-AB8B-4BC9-9295-BB2CDFF3E9B6}" type="datetime1">
               <a:rPr lang="en-GB" smtClean="0"/>
+              <a:pPr/>
               <a:t>08/11/2018</a:t>
             </a:fld>
             <a:endParaRPr lang="en-GB"/>
@@ -3945,6 +4280,7 @@
           <a:p>
             <a:fld id="{639C7060-0A1E-4265-8BBE-17D58E27BD54}" type="slidenum">
               <a:rPr lang="en-GB" smtClean="0"/>
+              <a:pPr/>
               <a:t>‹#›</a:t>
             </a:fld>
             <a:endParaRPr lang="en-GB"/>
@@ -3954,7 +4290,7 @@
     </p:spTree>
     <p:extLst>
       <p:ext uri="{BB962C8B-B14F-4D97-AF65-F5344CB8AC3E}">
-        <p14:creationId xmlns:p14="http://schemas.microsoft.com/office/powerpoint/2010/main" val="1596262255"/>
+        <p14:creationId xmlns:p14="http://schemas.microsoft.com/office/powerpoint/2010/main" xmlns="" val="1596262255"/>
       </p:ext>
     </p:extLst>
   </p:cSld>
@@ -4021,6 +4357,7 @@
           <a:p>
             <a:fld id="{5CBCF46D-A46F-4530-AA13-770119F98A5E}" type="datetime1">
               <a:rPr lang="en-GB" smtClean="0"/>
+              <a:pPr/>
               <a:t>08/11/2018</a:t>
             </a:fld>
             <a:endParaRPr lang="en-GB"/>
@@ -4072,7 +4409,7 @@
           <p:cNvPr id="6" name="Picture 5">
             <a:extLst>
               <a:ext uri="{FF2B5EF4-FFF2-40B4-BE49-F238E27FC236}">
-                <a16:creationId xmlns:a16="http://schemas.microsoft.com/office/drawing/2014/main" id="{AB2DD149-7468-4FC6-B2B7-2CE52460916C}"/>
+                <a16:creationId xmlns:a16="http://schemas.microsoft.com/office/drawing/2014/main" xmlns="" id="{AB2DD149-7468-4FC6-B2B7-2CE52460916C}"/>
               </a:ext>
             </a:extLst>
           </p:cNvPr>
@@ -4085,7 +4422,7 @@
           <a:blip r:embed="rId2" cstate="print">
             <a:extLst>
               <a:ext uri="{BEBA8EAE-BF5A-486C-A8C5-ECC9F3942E4B}">
-                <a14:imgProps xmlns:a14="http://schemas.microsoft.com/office/drawing/2010/main">
+                <a14:imgProps xmlns:a14="http://schemas.microsoft.com/office/drawing/2010/main" xmlns="">
                   <a14:imgLayer r:embed="rId3">
                     <a14:imgEffect>
                       <a14:brightnessContrast bright="-40000"/>
@@ -4094,7 +4431,7 @@
                 </a14:imgProps>
               </a:ext>
               <a:ext uri="{28A0092B-C50C-407E-A947-70E740481C1C}">
-                <a14:useLocalDpi xmlns:a14="http://schemas.microsoft.com/office/drawing/2010/main" val="0"/>
+                <a14:useLocalDpi xmlns:a14="http://schemas.microsoft.com/office/drawing/2010/main" xmlns="" val="0"/>
               </a:ext>
             </a:extLst>
           </a:blip>
@@ -4115,7 +4452,7 @@
     </p:spTree>
     <p:extLst>
       <p:ext uri="{BB962C8B-B14F-4D97-AF65-F5344CB8AC3E}">
-        <p14:creationId xmlns:p14="http://schemas.microsoft.com/office/powerpoint/2010/main" val="871065919"/>
+        <p14:creationId xmlns:p14="http://schemas.microsoft.com/office/powerpoint/2010/main" xmlns="" val="871065919"/>
       </p:ext>
     </p:extLst>
   </p:cSld>
@@ -4159,6 +4496,7 @@
           <a:p>
             <a:fld id="{803A3C8A-4F20-4BC2-9516-791E7E203807}" type="datetime1">
               <a:rPr lang="en-GB" smtClean="0"/>
+              <a:pPr/>
               <a:t>08/11/2018</a:t>
             </a:fld>
             <a:endParaRPr lang="en-GB"/>
@@ -4210,7 +4548,7 @@
           <p:cNvPr id="5" name="Picture 4">
             <a:extLst>
               <a:ext uri="{FF2B5EF4-FFF2-40B4-BE49-F238E27FC236}">
-                <a16:creationId xmlns:a16="http://schemas.microsoft.com/office/drawing/2014/main" id="{B1E3A6A7-2AC6-45BD-9535-C5522E8840D5}"/>
+                <a16:creationId xmlns:a16="http://schemas.microsoft.com/office/drawing/2014/main" xmlns="" id="{B1E3A6A7-2AC6-45BD-9535-C5522E8840D5}"/>
               </a:ext>
             </a:extLst>
           </p:cNvPr>
@@ -4223,7 +4561,7 @@
           <a:blip r:embed="rId2" cstate="print">
             <a:extLst>
               <a:ext uri="{BEBA8EAE-BF5A-486C-A8C5-ECC9F3942E4B}">
-                <a14:imgProps xmlns:a14="http://schemas.microsoft.com/office/drawing/2010/main">
+                <a14:imgProps xmlns:a14="http://schemas.microsoft.com/office/drawing/2010/main" xmlns="">
                   <a14:imgLayer r:embed="rId3">
                     <a14:imgEffect>
                       <a14:brightnessContrast bright="-40000"/>
@@ -4232,7 +4570,7 @@
                 </a14:imgProps>
               </a:ext>
               <a:ext uri="{28A0092B-C50C-407E-A947-70E740481C1C}">
-                <a14:useLocalDpi xmlns:a14="http://schemas.microsoft.com/office/drawing/2010/main" val="0"/>
+                <a14:useLocalDpi xmlns:a14="http://schemas.microsoft.com/office/drawing/2010/main" xmlns="" val="0"/>
               </a:ext>
             </a:extLst>
           </a:blip>
@@ -4253,7 +4591,7 @@
     </p:spTree>
     <p:extLst>
       <p:ext uri="{BB962C8B-B14F-4D97-AF65-F5344CB8AC3E}">
-        <p14:creationId xmlns:p14="http://schemas.microsoft.com/office/powerpoint/2010/main" val="3480161014"/>
+        <p14:creationId xmlns:p14="http://schemas.microsoft.com/office/powerpoint/2010/main" xmlns="" val="3480161014"/>
       </p:ext>
     </p:extLst>
   </p:cSld>
@@ -4479,6 +4817,7 @@
           <a:p>
             <a:fld id="{64CD2B82-EE5F-4C1C-AD10-6E09094A8F56}" type="datetime1">
               <a:rPr lang="en-GB" smtClean="0"/>
+              <a:pPr/>
               <a:t>08/11/2018</a:t>
             </a:fld>
             <a:endParaRPr lang="en-GB"/>
@@ -4521,6 +4860,7 @@
           <a:p>
             <a:fld id="{639C7060-0A1E-4265-8BBE-17D58E27BD54}" type="slidenum">
               <a:rPr lang="en-GB" smtClean="0"/>
+              <a:pPr/>
               <a:t>‹#›</a:t>
             </a:fld>
             <a:endParaRPr lang="en-GB"/>
@@ -4530,7 +4870,7 @@
     </p:spTree>
     <p:extLst>
       <p:ext uri="{BB962C8B-B14F-4D97-AF65-F5344CB8AC3E}">
-        <p14:creationId xmlns:p14="http://schemas.microsoft.com/office/powerpoint/2010/main" val="2071077207"/>
+        <p14:creationId xmlns:p14="http://schemas.microsoft.com/office/powerpoint/2010/main" xmlns="" val="2071077207"/>
       </p:ext>
     </p:extLst>
   </p:cSld>
@@ -4736,6 +5076,7 @@
           <a:p>
             <a:fld id="{CDFAB600-A2E0-40E3-99E9-3FB363D6D06C}" type="datetime1">
               <a:rPr lang="en-GB" smtClean="0"/>
+              <a:pPr/>
               <a:t>08/11/2018</a:t>
             </a:fld>
             <a:endParaRPr lang="en-GB"/>
@@ -4778,6 +5119,7 @@
           <a:p>
             <a:fld id="{639C7060-0A1E-4265-8BBE-17D58E27BD54}" type="slidenum">
               <a:rPr lang="en-GB" smtClean="0"/>
+              <a:pPr/>
               <a:t>‹#›</a:t>
             </a:fld>
             <a:endParaRPr lang="en-GB"/>
@@ -4787,7 +5129,7 @@
     </p:spTree>
     <p:extLst>
       <p:ext uri="{BB962C8B-B14F-4D97-AF65-F5344CB8AC3E}">
-        <p14:creationId xmlns:p14="http://schemas.microsoft.com/office/powerpoint/2010/main" val="1635885090"/>
+        <p14:creationId xmlns:p14="http://schemas.microsoft.com/office/powerpoint/2010/main" xmlns="" val="1635885090"/>
       </p:ext>
     </p:extLst>
   </p:cSld>
@@ -4947,6 +5289,7 @@
           <a:p>
             <a:fld id="{D4CA85B6-1FA1-4ACF-A696-58C635CE4F52}" type="datetime1">
               <a:rPr lang="en-GB" smtClean="0"/>
+              <a:pPr/>
               <a:t>08/11/2018</a:t>
             </a:fld>
             <a:endParaRPr lang="en-GB"/>
@@ -5025,6 +5368,7 @@
           <a:p>
             <a:fld id="{639C7060-0A1E-4265-8BBE-17D58E27BD54}" type="slidenum">
               <a:rPr lang="en-GB" smtClean="0"/>
+              <a:pPr/>
               <a:t>‹#›</a:t>
             </a:fld>
             <a:endParaRPr lang="en-GB"/>
@@ -5057,7 +5401,7 @@
             <a:blip r:embed="rId13" cstate="print">
               <a:extLst>
                 <a:ext uri="{28A0092B-C50C-407E-A947-70E740481C1C}">
-                  <a14:useLocalDpi xmlns:a14="http://schemas.microsoft.com/office/drawing/2010/main" val="0"/>
+                  <a14:useLocalDpi xmlns:a14="http://schemas.microsoft.com/office/drawing/2010/main" xmlns="" val="0"/>
                 </a:ext>
               </a:extLst>
             </a:blip>
@@ -5162,7 +5506,7 @@
     </p:spTree>
     <p:extLst>
       <p:ext uri="{BB962C8B-B14F-4D97-AF65-F5344CB8AC3E}">
-        <p14:creationId xmlns:p14="http://schemas.microsoft.com/office/powerpoint/2010/main" val="2220107921"/>
+        <p14:creationId xmlns:p14="http://schemas.microsoft.com/office/powerpoint/2010/main" xmlns="" val="2220107921"/>
       </p:ext>
     </p:extLst>
   </p:cSld>
@@ -5486,7 +5830,7 @@
           <p:cNvPr id="4" name="Subtitle 2">
             <a:extLst>
               <a:ext uri="{FF2B5EF4-FFF2-40B4-BE49-F238E27FC236}">
-                <a16:creationId xmlns:a16="http://schemas.microsoft.com/office/drawing/2014/main" id="{70DC0E23-CEEB-4380-9845-830DB52F9740}"/>
+                <a16:creationId xmlns:a16="http://schemas.microsoft.com/office/drawing/2014/main" xmlns="" id="{70DC0E23-CEEB-4380-9845-830DB52F9740}"/>
               </a:ext>
             </a:extLst>
           </p:cNvPr>
@@ -5552,7 +5896,7 @@
           <p:cNvPr id="5" name="Shape 57">
             <a:extLst>
               <a:ext uri="{FF2B5EF4-FFF2-40B4-BE49-F238E27FC236}">
-                <a16:creationId xmlns:a16="http://schemas.microsoft.com/office/drawing/2014/main" id="{5534E6A5-DAA5-48B1-80A6-0B44A34B8D6B}"/>
+                <a16:creationId xmlns:a16="http://schemas.microsoft.com/office/drawing/2014/main" xmlns="" id="{5534E6A5-DAA5-48B1-80A6-0B44A34B8D6B}"/>
               </a:ext>
             </a:extLst>
           </p:cNvPr>
@@ -5702,7 +6046,7 @@
           <p:cNvPr id="6" name="Shape 59">
             <a:extLst>
               <a:ext uri="{FF2B5EF4-FFF2-40B4-BE49-F238E27FC236}">
-                <a16:creationId xmlns:a16="http://schemas.microsoft.com/office/drawing/2014/main" id="{7BFFFC4C-F3C6-4BEF-A513-8A4EA14A8FBB}"/>
+                <a16:creationId xmlns:a16="http://schemas.microsoft.com/office/drawing/2014/main" xmlns="" id="{7BFFFC4C-F3C6-4BEF-A513-8A4EA14A8FBB}"/>
               </a:ext>
             </a:extLst>
           </p:cNvPr>
@@ -5780,7 +6124,7 @@
           <p:cNvPr id="7" name="Shape 60">
             <a:extLst>
               <a:ext uri="{FF2B5EF4-FFF2-40B4-BE49-F238E27FC236}">
-                <a16:creationId xmlns:a16="http://schemas.microsoft.com/office/drawing/2014/main" id="{FE3C3E82-E7BD-4F0C-BD66-F5A8A183615E}"/>
+                <a16:creationId xmlns:a16="http://schemas.microsoft.com/office/drawing/2014/main" xmlns="" id="{FE3C3E82-E7BD-4F0C-BD66-F5A8A183615E}"/>
               </a:ext>
             </a:extLst>
           </p:cNvPr>
@@ -5887,13 +6231,20 @@
     </p:spTree>
     <p:extLst>
       <p:ext uri="{BB962C8B-B14F-4D97-AF65-F5344CB8AC3E}">
-        <p14:creationId xmlns:p14="http://schemas.microsoft.com/office/powerpoint/2010/main" val="2885248521"/>
+        <p14:creationId xmlns:p14="http://schemas.microsoft.com/office/powerpoint/2010/main" xmlns="" val="2885248521"/>
       </p:ext>
     </p:extLst>
   </p:cSld>
   <p:clrMapOvr>
     <a:masterClrMapping/>
   </p:clrMapOvr>
+  <p:timing>
+    <p:tnLst>
+      <p:par>
+        <p:cTn id="1" dur="indefinite" restart="never" nodeType="tmRoot"/>
+      </p:par>
+    </p:tnLst>
+  </p:timing>
 </p:sld>
 </file>
 
@@ -5919,7 +6270,7 @@
           <p:cNvPr id="2" name="Slide Number Placeholder 1">
             <a:extLst>
               <a:ext uri="{FF2B5EF4-FFF2-40B4-BE49-F238E27FC236}">
-                <a16:creationId xmlns:a16="http://schemas.microsoft.com/office/drawing/2014/main" id="{1B15144E-FC2F-48B2-816C-9AD7A3CE941F}"/>
+                <a16:creationId xmlns:a16="http://schemas.microsoft.com/office/drawing/2014/main" xmlns="" id="{1B15144E-FC2F-48B2-816C-9AD7A3CE941F}"/>
               </a:ext>
             </a:extLst>
           </p:cNvPr>
@@ -5973,7 +6324,627 @@
           <p:cNvPr id="11" name="Title 1">
             <a:extLst>
               <a:ext uri="{FF2B5EF4-FFF2-40B4-BE49-F238E27FC236}">
-                <a16:creationId xmlns:a16="http://schemas.microsoft.com/office/drawing/2014/main" id="{740BCBA7-717A-47A2-8477-5DFA1EB7879C}"/>
+                <a16:creationId xmlns:a16="http://schemas.microsoft.com/office/drawing/2014/main" xmlns="" id="{740BCBA7-717A-47A2-8477-5DFA1EB7879C}"/>
+              </a:ext>
+            </a:extLst>
+          </p:cNvPr>
+          <p:cNvSpPr txBox="1">
+            <a:spLocks/>
+          </p:cNvSpPr>
+          <p:nvPr/>
+        </p:nvSpPr>
+        <p:spPr>
+          <a:xfrm>
+            <a:off x="507998" y="294320"/>
+            <a:ext cx="7886700" cy="703366"/>
+          </a:xfrm>
+          <a:prstGeom prst="rect">
+            <a:avLst/>
+          </a:prstGeom>
+        </p:spPr>
+        <p:txBody>
+          <a:bodyPr>
+            <a:normAutofit/>
+          </a:bodyPr>
+          <a:lstStyle>
+            <a:lvl1pPr algn="l" defTabSz="914400" rtl="0" eaLnBrk="1" latinLnBrk="0" hangingPunct="1">
+              <a:lnSpc>
+                <a:spcPct val="90000"/>
+              </a:lnSpc>
+              <a:spcBef>
+                <a:spcPct val="0"/>
+              </a:spcBef>
+              <a:buNone/>
+              <a:defRPr sz="4400" kern="1200">
+                <a:solidFill>
+                  <a:schemeClr val="tx1"/>
+                </a:solidFill>
+                <a:latin typeface="Open Sans" panose="020B0606030504020204" pitchFamily="34" charset="0"/>
+                <a:ea typeface="Open Sans" panose="020B0606030504020204" pitchFamily="34" charset="0"/>
+                <a:cs typeface="Open Sans" panose="020B0606030504020204" pitchFamily="34" charset="0"/>
+              </a:defRPr>
+            </a:lvl1pPr>
+          </a:lstStyle>
+          <a:p>
+            <a:r>
+              <a:rPr lang="en-US" sz="3000" b="1" spc="200" dirty="0">
+                <a:solidFill>
+                  <a:srgbClr val="00B0F0"/>
+                </a:solidFill>
+                <a:latin typeface="Raleway SemiBold" panose="020B0703030101060003" pitchFamily="34" charset="0"/>
+              </a:rPr>
+              <a:t>Total Homeless vs. Bed Counts </a:t>
+            </a:r>
+          </a:p>
+          <a:p>
+            <a:r>
+              <a:rPr lang="en-US" sz="1400" b="1" spc="200" dirty="0">
+                <a:solidFill>
+                  <a:srgbClr val="00B0F0"/>
+                </a:solidFill>
+                <a:latin typeface="Raleway SemiBold" panose="020B0703030101060003" pitchFamily="34" charset="0"/>
+              </a:rPr>
+              <a:t>(2013 to 2017)</a:t>
+            </a:r>
+            <a:endParaRPr lang="en-US" sz="1400" spc="200" dirty="0">
+              <a:latin typeface="Raleway SemiBold" panose="020B0703030101060003" pitchFamily="34" charset="0"/>
+            </a:endParaRPr>
+          </a:p>
+        </p:txBody>
+      </p:sp>
+      <p:pic>
+        <p:nvPicPr>
+          <p:cNvPr id="4" name="Picture 3">
+            <a:extLst>
+              <a:ext uri="{FF2B5EF4-FFF2-40B4-BE49-F238E27FC236}">
+                <a16:creationId xmlns:a16="http://schemas.microsoft.com/office/drawing/2014/main" xmlns="" id="{79AD64B7-4D07-4BF6-83E8-58468B4C7F75}"/>
+              </a:ext>
+            </a:extLst>
+          </p:cNvPr>
+          <p:cNvPicPr>
+            <a:picLocks noChangeAspect="1"/>
+          </p:cNvPicPr>
+          <p:nvPr/>
+        </p:nvPicPr>
+        <p:blipFill>
+          <a:blip r:embed="rId3" cstate="print"/>
+          <a:stretch>
+            <a:fillRect/>
+          </a:stretch>
+        </p:blipFill>
+        <p:spPr>
+          <a:xfrm>
+            <a:off x="1071074" y="1299865"/>
+            <a:ext cx="7001852" cy="4258269"/>
+          </a:xfrm>
+          <a:prstGeom prst="rect">
+            <a:avLst/>
+          </a:prstGeom>
+        </p:spPr>
+      </p:pic>
+    </p:spTree>
+    <p:extLst>
+      <p:ext uri="{BB962C8B-B14F-4D97-AF65-F5344CB8AC3E}">
+        <p14:creationId xmlns:p14="http://schemas.microsoft.com/office/powerpoint/2010/main" xmlns="" val="1081123762"/>
+      </p:ext>
+    </p:extLst>
+  </p:cSld>
+  <p:clrMapOvr>
+    <a:masterClrMapping/>
+  </p:clrMapOvr>
+  <p:timing>
+    <p:tnLst>
+      <p:par>
+        <p:cTn id="1" dur="indefinite" restart="never" nodeType="tmRoot"/>
+      </p:par>
+    </p:tnLst>
+  </p:timing>
+</p:sld>
+</file>
+
+<file path=ppt/slides/slide11.xml><?xml version="1.0" encoding="utf-8"?>
+<p:sld xmlns:a="http://schemas.openxmlformats.org/drawingml/2006/main" xmlns:r="http://schemas.openxmlformats.org/officeDocument/2006/relationships" xmlns:p="http://schemas.openxmlformats.org/presentationml/2006/main">
+  <p:cSld>
+    <p:spTree>
+      <p:nvGrpSpPr>
+        <p:cNvPr id="1" name=""/>
+        <p:cNvGrpSpPr/>
+        <p:nvPr/>
+      </p:nvGrpSpPr>
+      <p:grpSpPr>
+        <a:xfrm>
+          <a:off x="0" y="0"/>
+          <a:ext cx="0" cy="0"/>
+          <a:chOff x="0" y="0"/>
+          <a:chExt cx="0" cy="0"/>
+        </a:xfrm>
+      </p:grpSpPr>
+      <p:pic>
+        <p:nvPicPr>
+          <p:cNvPr id="10" name="Picture 9">
+            <a:extLst>
+              <a:ext uri="{FF2B5EF4-FFF2-40B4-BE49-F238E27FC236}">
+                <a16:creationId xmlns:a16="http://schemas.microsoft.com/office/drawing/2014/main" xmlns="" id="{9707C8E5-4A42-42CA-AE38-CD56648D413D}"/>
+              </a:ext>
+            </a:extLst>
+          </p:cNvPr>
+          <p:cNvPicPr>
+            <a:picLocks noChangeAspect="1"/>
+          </p:cNvPicPr>
+          <p:nvPr/>
+        </p:nvPicPr>
+        <p:blipFill>
+          <a:blip r:embed="rId3" cstate="print"/>
+          <a:stretch>
+            <a:fillRect/>
+          </a:stretch>
+        </p:blipFill>
+        <p:spPr>
+          <a:xfrm>
+            <a:off x="4572000" y="3487369"/>
+            <a:ext cx="3466853" cy="2375436"/>
+          </a:xfrm>
+          <a:prstGeom prst="rect">
+            <a:avLst/>
+          </a:prstGeom>
+        </p:spPr>
+      </p:pic>
+      <p:pic>
+        <p:nvPicPr>
+          <p:cNvPr id="3" name="Picture 2">
+            <a:extLst>
+              <a:ext uri="{FF2B5EF4-FFF2-40B4-BE49-F238E27FC236}">
+                <a16:creationId xmlns:a16="http://schemas.microsoft.com/office/drawing/2014/main" xmlns="" id="{5AF08603-7FEB-4AFC-82F6-4E8A0A93818E}"/>
+              </a:ext>
+            </a:extLst>
+          </p:cNvPr>
+          <p:cNvPicPr>
+            <a:picLocks noChangeAspect="1"/>
+          </p:cNvPicPr>
+          <p:nvPr/>
+        </p:nvPicPr>
+        <p:blipFill rotWithShape="1">
+          <a:blip r:embed="rId4" cstate="print"/>
+          <a:srcRect t="2969"/>
+          <a:stretch/>
+        </p:blipFill>
+        <p:spPr>
+          <a:xfrm>
+            <a:off x="555870" y="1104899"/>
+            <a:ext cx="3466853" cy="2304922"/>
+          </a:xfrm>
+          <a:prstGeom prst="rect">
+            <a:avLst/>
+          </a:prstGeom>
+        </p:spPr>
+      </p:pic>
+      <p:pic>
+        <p:nvPicPr>
+          <p:cNvPr id="8" name="Picture 7">
+            <a:extLst>
+              <a:ext uri="{FF2B5EF4-FFF2-40B4-BE49-F238E27FC236}">
+                <a16:creationId xmlns:a16="http://schemas.microsoft.com/office/drawing/2014/main" xmlns="" id="{B3E14265-E850-4A4A-A8A6-959D96A3336A}"/>
+              </a:ext>
+            </a:extLst>
+          </p:cNvPr>
+          <p:cNvPicPr>
+            <a:picLocks noChangeAspect="1"/>
+          </p:cNvPicPr>
+          <p:nvPr/>
+        </p:nvPicPr>
+        <p:blipFill>
+          <a:blip r:embed="rId5" cstate="print"/>
+          <a:stretch>
+            <a:fillRect/>
+          </a:stretch>
+        </p:blipFill>
+        <p:spPr>
+          <a:xfrm>
+            <a:off x="600322" y="3539479"/>
+            <a:ext cx="3466853" cy="2375436"/>
+          </a:xfrm>
+          <a:prstGeom prst="rect">
+            <a:avLst/>
+          </a:prstGeom>
+        </p:spPr>
+      </p:pic>
+      <p:sp>
+        <p:nvSpPr>
+          <p:cNvPr id="2" name="Slide Number Placeholder 1">
+            <a:extLst>
+              <a:ext uri="{FF2B5EF4-FFF2-40B4-BE49-F238E27FC236}">
+                <a16:creationId xmlns:a16="http://schemas.microsoft.com/office/drawing/2014/main" xmlns="" id="{1B15144E-FC2F-48B2-816C-9AD7A3CE941F}"/>
+              </a:ext>
+            </a:extLst>
+          </p:cNvPr>
+          <p:cNvSpPr>
+            <a:spLocks noGrp="1"/>
+          </p:cNvSpPr>
+          <p:nvPr>
+            <p:ph type="sldNum" sz="quarter" idx="12"/>
+          </p:nvPr>
+        </p:nvSpPr>
+        <p:spPr>
+          <a:xfrm>
+            <a:off x="3543300" y="6128104"/>
+            <a:ext cx="2057400" cy="365125"/>
+          </a:xfrm>
+        </p:spPr>
+        <p:txBody>
+          <a:bodyPr/>
+          <a:lstStyle/>
+          <a:p>
+            <a:r>
+              <a:rPr lang="en-GB" dirty="0">
+                <a:solidFill>
+                  <a:schemeClr val="tx1"/>
+                </a:solidFill>
+              </a:rPr>
+              <a:t>-</a:t>
+            </a:r>
+            <a:fld id="{639C7060-0A1E-4265-8BBE-17D58E27BD54}" type="slidenum">
+              <a:rPr lang="en-GB" smtClean="0">
+                <a:solidFill>
+                  <a:schemeClr val="tx1"/>
+                </a:solidFill>
+              </a:rPr>
+              <a:pPr/>
+              <a:t>11</a:t>
+            </a:fld>
+            <a:r>
+              <a:rPr lang="en-GB" dirty="0">
+                <a:solidFill>
+                  <a:schemeClr val="tx1"/>
+                </a:solidFill>
+              </a:rPr>
+              <a:t>-</a:t>
+            </a:r>
+          </a:p>
+        </p:txBody>
+      </p:sp>
+      <p:sp>
+        <p:nvSpPr>
+          <p:cNvPr id="11" name="Title 1">
+            <a:extLst>
+              <a:ext uri="{FF2B5EF4-FFF2-40B4-BE49-F238E27FC236}">
+                <a16:creationId xmlns:a16="http://schemas.microsoft.com/office/drawing/2014/main" xmlns="" id="{740BCBA7-717A-47A2-8477-5DFA1EB7879C}"/>
+              </a:ext>
+            </a:extLst>
+          </p:cNvPr>
+          <p:cNvSpPr txBox="1">
+            <a:spLocks/>
+          </p:cNvSpPr>
+          <p:nvPr/>
+        </p:nvSpPr>
+        <p:spPr>
+          <a:xfrm>
+            <a:off x="507998" y="294320"/>
+            <a:ext cx="7886700" cy="703366"/>
+          </a:xfrm>
+          <a:prstGeom prst="rect">
+            <a:avLst/>
+          </a:prstGeom>
+        </p:spPr>
+        <p:txBody>
+          <a:bodyPr>
+            <a:normAutofit fontScale="92500" lnSpcReduction="10000"/>
+          </a:bodyPr>
+          <a:lstStyle>
+            <a:lvl1pPr algn="l" defTabSz="914400" rtl="0" eaLnBrk="1" latinLnBrk="0" hangingPunct="1">
+              <a:lnSpc>
+                <a:spcPct val="90000"/>
+              </a:lnSpc>
+              <a:spcBef>
+                <a:spcPct val="0"/>
+              </a:spcBef>
+              <a:buNone/>
+              <a:defRPr sz="4400" kern="1200">
+                <a:solidFill>
+                  <a:schemeClr val="tx1"/>
+                </a:solidFill>
+                <a:latin typeface="Open Sans" panose="020B0606030504020204" pitchFamily="34" charset="0"/>
+                <a:ea typeface="Open Sans" panose="020B0606030504020204" pitchFamily="34" charset="0"/>
+                <a:cs typeface="Open Sans" panose="020B0606030504020204" pitchFamily="34" charset="0"/>
+              </a:defRPr>
+            </a:lvl1pPr>
+          </a:lstStyle>
+          <a:p>
+            <a:r>
+              <a:rPr lang="en-US" sz="3000" b="1" spc="200" dirty="0">
+                <a:solidFill>
+                  <a:srgbClr val="00B0F0"/>
+                </a:solidFill>
+                <a:latin typeface="Raleway SemiBold" panose="020B0703030101060003" pitchFamily="34" charset="0"/>
+              </a:rPr>
+              <a:t>Homeless vs. Bed Counts </a:t>
+            </a:r>
+          </a:p>
+          <a:p>
+            <a:r>
+              <a:rPr lang="en-US" sz="1900" b="1" spc="200" dirty="0">
+                <a:solidFill>
+                  <a:srgbClr val="00B0F0"/>
+                </a:solidFill>
+                <a:latin typeface="Raleway SemiBold" panose="020B0703030101060003" pitchFamily="34" charset="0"/>
+              </a:rPr>
+              <a:t>(2013 to 2016):</a:t>
+            </a:r>
+            <a:endParaRPr lang="en-US" sz="3000" spc="200" dirty="0">
+              <a:latin typeface="Raleway SemiBold" panose="020B0703030101060003" pitchFamily="34" charset="0"/>
+            </a:endParaRPr>
+          </a:p>
+        </p:txBody>
+      </p:sp>
+      <p:sp>
+        <p:nvSpPr>
+          <p:cNvPr id="5" name="TextBox 4">
+            <a:extLst>
+              <a:ext uri="{FF2B5EF4-FFF2-40B4-BE49-F238E27FC236}">
+                <a16:creationId xmlns:a16="http://schemas.microsoft.com/office/drawing/2014/main" xmlns="" id="{86153F4A-D657-4078-AA55-DB57F370FD95}"/>
+              </a:ext>
+            </a:extLst>
+          </p:cNvPr>
+          <p:cNvSpPr txBox="1"/>
+          <p:nvPr/>
+        </p:nvSpPr>
+        <p:spPr>
+          <a:xfrm>
+            <a:off x="1219200" y="961253"/>
+            <a:ext cx="1819275" cy="369332"/>
+          </a:xfrm>
+          <a:prstGeom prst="rect">
+            <a:avLst/>
+          </a:prstGeom>
+          <a:noFill/>
+        </p:spPr>
+        <p:txBody>
+          <a:bodyPr wrap="square" rtlCol="0">
+            <a:spAutoFit/>
+          </a:bodyPr>
+          <a:lstStyle/>
+          <a:p>
+            <a:pPr algn="ctr"/>
+            <a:r>
+              <a:rPr lang="en-US" dirty="0"/>
+              <a:t>California</a:t>
+            </a:r>
+          </a:p>
+        </p:txBody>
+      </p:sp>
+      <p:sp>
+        <p:nvSpPr>
+          <p:cNvPr id="12" name="TextBox 11">
+            <a:extLst>
+              <a:ext uri="{FF2B5EF4-FFF2-40B4-BE49-F238E27FC236}">
+                <a16:creationId xmlns:a16="http://schemas.microsoft.com/office/drawing/2014/main" xmlns="" id="{845D8CFA-0B65-4CB0-B5D3-AB3DEAFD5174}"/>
+              </a:ext>
+            </a:extLst>
+          </p:cNvPr>
+          <p:cNvSpPr txBox="1"/>
+          <p:nvPr/>
+        </p:nvSpPr>
+        <p:spPr>
+          <a:xfrm>
+            <a:off x="1379658" y="3516132"/>
+            <a:ext cx="1819275" cy="369332"/>
+          </a:xfrm>
+          <a:prstGeom prst="rect">
+            <a:avLst/>
+          </a:prstGeom>
+          <a:noFill/>
+        </p:spPr>
+        <p:txBody>
+          <a:bodyPr wrap="square" rtlCol="0">
+            <a:spAutoFit/>
+          </a:bodyPr>
+          <a:lstStyle/>
+          <a:p>
+            <a:pPr algn="ctr"/>
+            <a:r>
+              <a:rPr lang="en-US" dirty="0"/>
+              <a:t>Washington</a:t>
+            </a:r>
+          </a:p>
+        </p:txBody>
+      </p:sp>
+      <p:sp>
+        <p:nvSpPr>
+          <p:cNvPr id="13" name="TextBox 12">
+            <a:extLst>
+              <a:ext uri="{FF2B5EF4-FFF2-40B4-BE49-F238E27FC236}">
+                <a16:creationId xmlns:a16="http://schemas.microsoft.com/office/drawing/2014/main" xmlns="" id="{EAB763F2-2520-4E25-9927-67FE857F4CEC}"/>
+              </a:ext>
+            </a:extLst>
+          </p:cNvPr>
+          <p:cNvSpPr txBox="1"/>
+          <p:nvPr/>
+        </p:nvSpPr>
+        <p:spPr>
+          <a:xfrm>
+            <a:off x="5362572" y="3475759"/>
+            <a:ext cx="1819275" cy="369332"/>
+          </a:xfrm>
+          <a:prstGeom prst="rect">
+            <a:avLst/>
+          </a:prstGeom>
+          <a:noFill/>
+        </p:spPr>
+        <p:txBody>
+          <a:bodyPr wrap="square" rtlCol="0">
+            <a:spAutoFit/>
+          </a:bodyPr>
+          <a:lstStyle/>
+          <a:p>
+            <a:pPr algn="ctr"/>
+            <a:r>
+              <a:rPr lang="en-US" dirty="0"/>
+              <a:t>Florida</a:t>
+            </a:r>
+          </a:p>
+        </p:txBody>
+      </p:sp>
+      <p:pic>
+        <p:nvPicPr>
+          <p:cNvPr id="4" name="Picture 3">
+            <a:extLst>
+              <a:ext uri="{FF2B5EF4-FFF2-40B4-BE49-F238E27FC236}">
+                <a16:creationId xmlns:a16="http://schemas.microsoft.com/office/drawing/2014/main" xmlns="" id="{C9EBCE02-82BB-4C9C-8013-6508FE7C5226}"/>
+              </a:ext>
+            </a:extLst>
+          </p:cNvPr>
+          <p:cNvPicPr>
+            <a:picLocks noChangeAspect="1"/>
+          </p:cNvPicPr>
+          <p:nvPr/>
+        </p:nvPicPr>
+        <p:blipFill rotWithShape="1">
+          <a:blip r:embed="rId6" cstate="print"/>
+          <a:srcRect t="2969"/>
+          <a:stretch/>
+        </p:blipFill>
+        <p:spPr>
+          <a:xfrm>
+            <a:off x="4572000" y="1104899"/>
+            <a:ext cx="3466853" cy="2304921"/>
+          </a:xfrm>
+          <a:prstGeom prst="rect">
+            <a:avLst/>
+          </a:prstGeom>
+        </p:spPr>
+      </p:pic>
+      <p:sp>
+        <p:nvSpPr>
+          <p:cNvPr id="9" name="TextBox 8">
+            <a:extLst>
+              <a:ext uri="{FF2B5EF4-FFF2-40B4-BE49-F238E27FC236}">
+                <a16:creationId xmlns:a16="http://schemas.microsoft.com/office/drawing/2014/main" xmlns="" id="{C3B665B4-E852-406A-A720-1C16493677DF}"/>
+              </a:ext>
+            </a:extLst>
+          </p:cNvPr>
+          <p:cNvSpPr txBox="1"/>
+          <p:nvPr/>
+        </p:nvSpPr>
+        <p:spPr>
+          <a:xfrm>
+            <a:off x="5362573" y="961253"/>
+            <a:ext cx="1819275" cy="369332"/>
+          </a:xfrm>
+          <a:prstGeom prst="rect">
+            <a:avLst/>
+          </a:prstGeom>
+          <a:noFill/>
+        </p:spPr>
+        <p:txBody>
+          <a:bodyPr wrap="square" rtlCol="0">
+            <a:spAutoFit/>
+          </a:bodyPr>
+          <a:lstStyle/>
+          <a:p>
+            <a:pPr algn="ctr"/>
+            <a:r>
+              <a:rPr lang="en-US" dirty="0"/>
+              <a:t>New York</a:t>
+            </a:r>
+          </a:p>
+        </p:txBody>
+      </p:sp>
+    </p:spTree>
+    <p:extLst>
+      <p:ext uri="{BB962C8B-B14F-4D97-AF65-F5344CB8AC3E}">
+        <p14:creationId xmlns:p14="http://schemas.microsoft.com/office/powerpoint/2010/main" xmlns="" val="1583683054"/>
+      </p:ext>
+    </p:extLst>
+  </p:cSld>
+  <p:clrMapOvr>
+    <a:masterClrMapping/>
+  </p:clrMapOvr>
+  <p:timing>
+    <p:tnLst>
+      <p:par>
+        <p:cTn id="1" dur="indefinite" restart="never" nodeType="tmRoot"/>
+      </p:par>
+    </p:tnLst>
+  </p:timing>
+</p:sld>
+</file>
+
+<file path=ppt/slides/slide12.xml><?xml version="1.0" encoding="utf-8"?>
+<p:sld xmlns:a="http://schemas.openxmlformats.org/drawingml/2006/main" xmlns:r="http://schemas.openxmlformats.org/officeDocument/2006/relationships" xmlns:p="http://schemas.openxmlformats.org/presentationml/2006/main">
+  <p:cSld>
+    <p:spTree>
+      <p:nvGrpSpPr>
+        <p:cNvPr id="1" name=""/>
+        <p:cNvGrpSpPr/>
+        <p:nvPr/>
+      </p:nvGrpSpPr>
+      <p:grpSpPr>
+        <a:xfrm>
+          <a:off x="0" y="0"/>
+          <a:ext cx="0" cy="0"/>
+          <a:chOff x="0" y="0"/>
+          <a:chExt cx="0" cy="0"/>
+        </a:xfrm>
+      </p:grpSpPr>
+      <p:sp>
+        <p:nvSpPr>
+          <p:cNvPr id="2" name="Slide Number Placeholder 1">
+            <a:extLst>
+              <a:ext uri="{FF2B5EF4-FFF2-40B4-BE49-F238E27FC236}">
+                <a16:creationId xmlns:a16="http://schemas.microsoft.com/office/drawing/2014/main" xmlns="" id="{1B15144E-FC2F-48B2-816C-9AD7A3CE941F}"/>
+              </a:ext>
+            </a:extLst>
+          </p:cNvPr>
+          <p:cNvSpPr>
+            <a:spLocks noGrp="1"/>
+          </p:cNvSpPr>
+          <p:nvPr>
+            <p:ph type="sldNum" sz="quarter" idx="12"/>
+          </p:nvPr>
+        </p:nvSpPr>
+        <p:spPr>
+          <a:xfrm>
+            <a:off x="3543300" y="6128104"/>
+            <a:ext cx="2057400" cy="365125"/>
+          </a:xfrm>
+        </p:spPr>
+        <p:txBody>
+          <a:bodyPr/>
+          <a:lstStyle/>
+          <a:p>
+            <a:r>
+              <a:rPr lang="en-GB" dirty="0">
+                <a:solidFill>
+                  <a:schemeClr val="tx1"/>
+                </a:solidFill>
+              </a:rPr>
+              <a:t>-</a:t>
+            </a:r>
+            <a:fld id="{639C7060-0A1E-4265-8BBE-17D58E27BD54}" type="slidenum">
+              <a:rPr lang="en-GB" smtClean="0">
+                <a:solidFill>
+                  <a:schemeClr val="tx1"/>
+                </a:solidFill>
+              </a:rPr>
+              <a:pPr/>
+              <a:t>12</a:t>
+            </a:fld>
+            <a:r>
+              <a:rPr lang="en-GB" dirty="0">
+                <a:solidFill>
+                  <a:schemeClr val="tx1"/>
+                </a:solidFill>
+              </a:rPr>
+              <a:t>-</a:t>
+            </a:r>
+          </a:p>
+        </p:txBody>
+      </p:sp>
+      <p:sp>
+        <p:nvSpPr>
+          <p:cNvPr id="11" name="Title 1">
+            <a:extLst>
+              <a:ext uri="{FF2B5EF4-FFF2-40B4-BE49-F238E27FC236}">
+                <a16:creationId xmlns:a16="http://schemas.microsoft.com/office/drawing/2014/main" xmlns="" id="{740BCBA7-717A-47A2-8477-5DFA1EB7879C}"/>
               </a:ext>
             </a:extLst>
           </p:cNvPr>
@@ -6046,7 +7017,7 @@
           <p:cNvPr id="13" name="Rectangle 12">
             <a:extLst>
               <a:ext uri="{FF2B5EF4-FFF2-40B4-BE49-F238E27FC236}">
-                <a16:creationId xmlns:a16="http://schemas.microsoft.com/office/drawing/2014/main" id="{DC25072F-66AE-41AF-83C6-3C1AC1F7DAFF}"/>
+                <a16:creationId xmlns:a16="http://schemas.microsoft.com/office/drawing/2014/main" xmlns="" id="{DC25072F-66AE-41AF-83C6-3C1AC1F7DAFF}"/>
               </a:ext>
             </a:extLst>
           </p:cNvPr>
@@ -6085,7 +7056,7 @@
           <p:cNvPr id="3" name="Picture 2">
             <a:extLst>
               <a:ext uri="{FF2B5EF4-FFF2-40B4-BE49-F238E27FC236}">
-                <a16:creationId xmlns:a16="http://schemas.microsoft.com/office/drawing/2014/main" id="{8E12D322-E9FE-40D7-AEFF-85ADECBFE617}"/>
+                <a16:creationId xmlns:a16="http://schemas.microsoft.com/office/drawing/2014/main" xmlns="" id="{8E12D322-E9FE-40D7-AEFF-85ADECBFE617}"/>
               </a:ext>
             </a:extLst>
           </p:cNvPr>
@@ -6095,7 +7066,7 @@
           <p:nvPr/>
         </p:nvPicPr>
         <p:blipFill>
-          <a:blip r:embed="rId3"/>
+          <a:blip r:embed="rId3" cstate="print"/>
           <a:stretch>
             <a:fillRect/>
           </a:stretch>
@@ -6113,17 +7084,24 @@
     </p:spTree>
     <p:extLst>
       <p:ext uri="{BB962C8B-B14F-4D97-AF65-F5344CB8AC3E}">
-        <p14:creationId xmlns:p14="http://schemas.microsoft.com/office/powerpoint/2010/main" val="850306420"/>
+        <p14:creationId xmlns:p14="http://schemas.microsoft.com/office/powerpoint/2010/main" xmlns="" val="850306420"/>
       </p:ext>
     </p:extLst>
   </p:cSld>
   <p:clrMapOvr>
     <a:masterClrMapping/>
   </p:clrMapOvr>
+  <p:timing>
+    <p:tnLst>
+      <p:par>
+        <p:cTn id="1" dur="indefinite" restart="never" nodeType="tmRoot"/>
+      </p:par>
+    </p:tnLst>
+  </p:timing>
 </p:sld>
 </file>
 
-<file path=ppt/slides/slide11.xml><?xml version="1.0" encoding="utf-8"?>
+<file path=ppt/slides/slide13.xml><?xml version="1.0" encoding="utf-8"?>
 <p:sld xmlns:a="http://schemas.openxmlformats.org/drawingml/2006/main" xmlns:r="http://schemas.openxmlformats.org/officeDocument/2006/relationships" xmlns:p="http://schemas.openxmlformats.org/presentationml/2006/main">
   <p:cSld>
     <p:spTree>
@@ -6145,7 +7123,7 @@
           <p:cNvPr id="2" name="Slide Number Placeholder 1">
             <a:extLst>
               <a:ext uri="{FF2B5EF4-FFF2-40B4-BE49-F238E27FC236}">
-                <a16:creationId xmlns:a16="http://schemas.microsoft.com/office/drawing/2014/main" id="{1B15144E-FC2F-48B2-816C-9AD7A3CE941F}"/>
+                <a16:creationId xmlns:a16="http://schemas.microsoft.com/office/drawing/2014/main" xmlns="" id="{1B15144E-FC2F-48B2-816C-9AD7A3CE941F}"/>
               </a:ext>
             </a:extLst>
           </p:cNvPr>
@@ -6181,7 +7159,7 @@
                 </a:solidFill>
               </a:rPr>
               <a:pPr/>
-              <a:t>11</a:t>
+              <a:t>13</a:t>
             </a:fld>
             <a:r>
               <a:rPr lang="en-GB" dirty="0">
@@ -6199,7 +7177,7 @@
           <p:cNvPr id="11" name="Title 1">
             <a:extLst>
               <a:ext uri="{FF2B5EF4-FFF2-40B4-BE49-F238E27FC236}">
-                <a16:creationId xmlns:a16="http://schemas.microsoft.com/office/drawing/2014/main" id="{740BCBA7-717A-47A2-8477-5DFA1EB7879C}"/>
+                <a16:creationId xmlns:a16="http://schemas.microsoft.com/office/drawing/2014/main" xmlns="" id="{740BCBA7-717A-47A2-8477-5DFA1EB7879C}"/>
               </a:ext>
             </a:extLst>
           </p:cNvPr>
@@ -6272,7 +7250,7 @@
           <p:cNvPr id="3" name="Picture 2">
             <a:extLst>
               <a:ext uri="{FF2B5EF4-FFF2-40B4-BE49-F238E27FC236}">
-                <a16:creationId xmlns:a16="http://schemas.microsoft.com/office/drawing/2014/main" id="{56583448-655C-46C3-A0FF-9CB78D05354E}"/>
+                <a16:creationId xmlns:a16="http://schemas.microsoft.com/office/drawing/2014/main" xmlns="" id="{56583448-655C-46C3-A0FF-9CB78D05354E}"/>
               </a:ext>
             </a:extLst>
           </p:cNvPr>
@@ -6282,7 +7260,7 @@
           <p:nvPr/>
         </p:nvPicPr>
         <p:blipFill>
-          <a:blip r:embed="rId3"/>
+          <a:blip r:embed="rId3" cstate="print"/>
           <a:stretch>
             <a:fillRect/>
           </a:stretch>
@@ -6300,17 +7278,24 @@
     </p:spTree>
     <p:extLst>
       <p:ext uri="{BB962C8B-B14F-4D97-AF65-F5344CB8AC3E}">
-        <p14:creationId xmlns:p14="http://schemas.microsoft.com/office/powerpoint/2010/main" val="922380567"/>
+        <p14:creationId xmlns:p14="http://schemas.microsoft.com/office/powerpoint/2010/main" xmlns="" val="922380567"/>
       </p:ext>
     </p:extLst>
   </p:cSld>
   <p:clrMapOvr>
     <a:masterClrMapping/>
   </p:clrMapOvr>
+  <p:timing>
+    <p:tnLst>
+      <p:par>
+        <p:cTn id="1" dur="indefinite" restart="never" nodeType="tmRoot"/>
+      </p:par>
+    </p:tnLst>
+  </p:timing>
 </p:sld>
 </file>
 
-<file path=ppt/slides/slide12.xml><?xml version="1.0" encoding="utf-8"?>
+<file path=ppt/slides/slide14.xml><?xml version="1.0" encoding="utf-8"?>
 <p:sld xmlns:a="http://schemas.openxmlformats.org/drawingml/2006/main" xmlns:r="http://schemas.openxmlformats.org/officeDocument/2006/relationships" xmlns:p="http://schemas.openxmlformats.org/presentationml/2006/main">
   <p:cSld>
     <p:spTree>
@@ -6332,7 +7317,7 @@
           <p:cNvPr id="9" name="Shape 313">
             <a:extLst>
               <a:ext uri="{FF2B5EF4-FFF2-40B4-BE49-F238E27FC236}">
-                <a16:creationId xmlns:a16="http://schemas.microsoft.com/office/drawing/2014/main" id="{F86FFDC2-B06E-4559-AE72-B608C2F88A5A}"/>
+                <a16:creationId xmlns:a16="http://schemas.microsoft.com/office/drawing/2014/main" xmlns="" id="{F86FFDC2-B06E-4559-AE72-B608C2F88A5A}"/>
               </a:ext>
             </a:extLst>
           </p:cNvPr>
@@ -6417,7 +7402,7 @@
           <p:cNvPr id="10" name="Title 1">
             <a:extLst>
               <a:ext uri="{FF2B5EF4-FFF2-40B4-BE49-F238E27FC236}">
-                <a16:creationId xmlns:a16="http://schemas.microsoft.com/office/drawing/2014/main" id="{A6487A8E-7CD7-4D31-80E4-8B021027B414}"/>
+                <a16:creationId xmlns:a16="http://schemas.microsoft.com/office/drawing/2014/main" xmlns="" id="{A6487A8E-7CD7-4D31-80E4-8B021027B414}"/>
               </a:ext>
             </a:extLst>
           </p:cNvPr>
@@ -6460,7 +7445,7 @@
           <p:cNvPr id="12" name="Picture 11">
             <a:extLst>
               <a:ext uri="{FF2B5EF4-FFF2-40B4-BE49-F238E27FC236}">
-                <a16:creationId xmlns:a16="http://schemas.microsoft.com/office/drawing/2014/main" id="{2286465A-051D-4BD0-BEA6-2443C926FA24}"/>
+                <a16:creationId xmlns:a16="http://schemas.microsoft.com/office/drawing/2014/main" xmlns="" id="{2286465A-051D-4BD0-BEA6-2443C926FA24}"/>
               </a:ext>
             </a:extLst>
           </p:cNvPr>
@@ -6470,7 +7455,7 @@
           <p:nvPr/>
         </p:nvPicPr>
         <p:blipFill rotWithShape="1">
-          <a:blip r:embed="rId3"/>
+          <a:blip r:embed="rId3" cstate="print"/>
           <a:srcRect t="2155"/>
           <a:stretch/>
         </p:blipFill>
@@ -6489,7 +7474,7 @@
           <p:cNvPr id="7" name="Rectangle 6">
             <a:extLst>
               <a:ext uri="{FF2B5EF4-FFF2-40B4-BE49-F238E27FC236}">
-                <a16:creationId xmlns:a16="http://schemas.microsoft.com/office/drawing/2014/main" id="{AFA3B0FE-3A00-4F21-B992-9F15041B9AC4}"/>
+                <a16:creationId xmlns:a16="http://schemas.microsoft.com/office/drawing/2014/main" xmlns="" id="{AFA3B0FE-3A00-4F21-B992-9F15041B9AC4}"/>
               </a:ext>
             </a:extLst>
           </p:cNvPr>
@@ -6531,17 +7516,24 @@
     </p:spTree>
     <p:extLst>
       <p:ext uri="{BB962C8B-B14F-4D97-AF65-F5344CB8AC3E}">
-        <p14:creationId xmlns:p14="http://schemas.microsoft.com/office/powerpoint/2010/main" val="3480325797"/>
+        <p14:creationId xmlns:p14="http://schemas.microsoft.com/office/powerpoint/2010/main" xmlns="" val="3480325797"/>
       </p:ext>
     </p:extLst>
   </p:cSld>
   <p:clrMapOvr>
     <a:masterClrMapping/>
   </p:clrMapOvr>
+  <p:timing>
+    <p:tnLst>
+      <p:par>
+        <p:cTn id="1" dur="indefinite" restart="never" nodeType="tmRoot"/>
+      </p:par>
+    </p:tnLst>
+  </p:timing>
 </p:sld>
 </file>
 
-<file path=ppt/slides/slide13.xml><?xml version="1.0" encoding="utf-8"?>
+<file path=ppt/slides/slide15.xml><?xml version="1.0" encoding="utf-8"?>
 <p:sld xmlns:a="http://schemas.openxmlformats.org/drawingml/2006/main" xmlns:r="http://schemas.openxmlformats.org/officeDocument/2006/relationships" xmlns:p="http://schemas.openxmlformats.org/presentationml/2006/main">
   <p:cSld>
     <p:spTree>
@@ -6563,7 +7555,7 @@
           <p:cNvPr id="2" name="Slide Number Placeholder 1">
             <a:extLst>
               <a:ext uri="{FF2B5EF4-FFF2-40B4-BE49-F238E27FC236}">
-                <a16:creationId xmlns:a16="http://schemas.microsoft.com/office/drawing/2014/main" id="{1B15144E-FC2F-48B2-816C-9AD7A3CE941F}"/>
+                <a16:creationId xmlns:a16="http://schemas.microsoft.com/office/drawing/2014/main" xmlns="" id="{1B15144E-FC2F-48B2-816C-9AD7A3CE941F}"/>
               </a:ext>
             </a:extLst>
           </p:cNvPr>
@@ -6599,7 +7591,7 @@
                 </a:solidFill>
               </a:rPr>
               <a:pPr/>
-              <a:t>13</a:t>
+              <a:t>15</a:t>
             </a:fld>
             <a:r>
               <a:rPr lang="en-GB" dirty="0">
@@ -6617,7 +7609,7 @@
           <p:cNvPr id="11" name="Title 1">
             <a:extLst>
               <a:ext uri="{FF2B5EF4-FFF2-40B4-BE49-F238E27FC236}">
-                <a16:creationId xmlns:a16="http://schemas.microsoft.com/office/drawing/2014/main" id="{740BCBA7-717A-47A2-8477-5DFA1EB7879C}"/>
+                <a16:creationId xmlns:a16="http://schemas.microsoft.com/office/drawing/2014/main" xmlns="" id="{740BCBA7-717A-47A2-8477-5DFA1EB7879C}"/>
               </a:ext>
             </a:extLst>
           </p:cNvPr>
@@ -6679,7 +7671,7 @@
           <p:cNvPr id="5" name="Group 4">
             <a:extLst>
               <a:ext uri="{FF2B5EF4-FFF2-40B4-BE49-F238E27FC236}">
-                <a16:creationId xmlns:a16="http://schemas.microsoft.com/office/drawing/2014/main" id="{89EE5C3C-1F39-4384-B1E0-453012FBCBA4}"/>
+                <a16:creationId xmlns:a16="http://schemas.microsoft.com/office/drawing/2014/main" xmlns="" id="{89EE5C3C-1F39-4384-B1E0-453012FBCBA4}"/>
               </a:ext>
             </a:extLst>
           </p:cNvPr>
@@ -6699,7 +7691,7 @@
             <p:cNvPr id="6" name="Group 5">
               <a:extLst>
                 <a:ext uri="{FF2B5EF4-FFF2-40B4-BE49-F238E27FC236}">
-                  <a16:creationId xmlns:a16="http://schemas.microsoft.com/office/drawing/2014/main" id="{C21044FB-8486-482B-AD33-A23DBA541F68}"/>
+                  <a16:creationId xmlns:a16="http://schemas.microsoft.com/office/drawing/2014/main" xmlns="" id="{C21044FB-8486-482B-AD33-A23DBA541F68}"/>
                 </a:ext>
               </a:extLst>
             </p:cNvPr>
@@ -6719,7 +7711,7 @@
               <p:cNvPr id="20" name="Shape 313">
                 <a:extLst>
                   <a:ext uri="{FF2B5EF4-FFF2-40B4-BE49-F238E27FC236}">
-                    <a16:creationId xmlns:a16="http://schemas.microsoft.com/office/drawing/2014/main" id="{7231F093-14D4-4C5F-9892-FC891C0CACBD}"/>
+                    <a16:creationId xmlns:a16="http://schemas.microsoft.com/office/drawing/2014/main" xmlns="" id="{7231F093-14D4-4C5F-9892-FC891C0CACBD}"/>
                   </a:ext>
                 </a:extLst>
               </p:cNvPr>
@@ -6801,7 +7793,7 @@
               <p:cNvPr id="21" name="Shape 317">
                 <a:extLst>
                   <a:ext uri="{FF2B5EF4-FFF2-40B4-BE49-F238E27FC236}">
-                    <a16:creationId xmlns:a16="http://schemas.microsoft.com/office/drawing/2014/main" id="{AD0C470D-0DD0-4844-95BE-674C66203599}"/>
+                    <a16:creationId xmlns:a16="http://schemas.microsoft.com/office/drawing/2014/main" xmlns="" id="{AD0C470D-0DD0-4844-95BE-674C66203599}"/>
                   </a:ext>
                 </a:extLst>
               </p:cNvPr>
@@ -6883,7 +7875,7 @@
               <p:cNvPr id="22" name="Shape 321">
                 <a:extLst>
                   <a:ext uri="{FF2B5EF4-FFF2-40B4-BE49-F238E27FC236}">
-                    <a16:creationId xmlns:a16="http://schemas.microsoft.com/office/drawing/2014/main" id="{43D2FBEC-3A77-46AC-8057-1BDAC1F48CFC}"/>
+                    <a16:creationId xmlns:a16="http://schemas.microsoft.com/office/drawing/2014/main" xmlns="" id="{43D2FBEC-3A77-46AC-8057-1BDAC1F48CFC}"/>
                   </a:ext>
                 </a:extLst>
               </p:cNvPr>
@@ -6965,7 +7957,7 @@
               <p:cNvPr id="23" name="Shape 325">
                 <a:extLst>
                   <a:ext uri="{FF2B5EF4-FFF2-40B4-BE49-F238E27FC236}">
-                    <a16:creationId xmlns:a16="http://schemas.microsoft.com/office/drawing/2014/main" id="{AA78763D-6D85-4CFF-BA2F-1EAC183CFB18}"/>
+                    <a16:creationId xmlns:a16="http://schemas.microsoft.com/office/drawing/2014/main" xmlns="" id="{AA78763D-6D85-4CFF-BA2F-1EAC183CFB18}"/>
                   </a:ext>
                 </a:extLst>
               </p:cNvPr>
@@ -7048,7 +8040,7 @@
             <p:cNvPr id="8" name="Rectangle: Rounded Corners 7">
               <a:extLst>
                 <a:ext uri="{FF2B5EF4-FFF2-40B4-BE49-F238E27FC236}">
-                  <a16:creationId xmlns:a16="http://schemas.microsoft.com/office/drawing/2014/main" id="{C7C3052C-4547-421C-94FE-776156F489DF}"/>
+                  <a16:creationId xmlns:a16="http://schemas.microsoft.com/office/drawing/2014/main" xmlns="" id="{C7C3052C-4547-421C-94FE-776156F489DF}"/>
                 </a:ext>
               </a:extLst>
             </p:cNvPr>
@@ -7136,7 +8128,7 @@
             <p:cNvPr id="9" name="Rectangle: Rounded Corners 8">
               <a:extLst>
                 <a:ext uri="{FF2B5EF4-FFF2-40B4-BE49-F238E27FC236}">
-                  <a16:creationId xmlns:a16="http://schemas.microsoft.com/office/drawing/2014/main" id="{DD586DAA-D0BD-4C53-837E-041AB7E874B2}"/>
+                  <a16:creationId xmlns:a16="http://schemas.microsoft.com/office/drawing/2014/main" xmlns="" id="{DD586DAA-D0BD-4C53-837E-041AB7E874B2}"/>
                 </a:ext>
               </a:extLst>
             </p:cNvPr>
@@ -7224,7 +8216,7 @@
             <p:cNvPr id="13" name="Shape 320">
               <a:extLst>
                 <a:ext uri="{FF2B5EF4-FFF2-40B4-BE49-F238E27FC236}">
-                  <a16:creationId xmlns:a16="http://schemas.microsoft.com/office/drawing/2014/main" id="{F620058F-26BE-42C1-8150-A348CAE979BC}"/>
+                  <a16:creationId xmlns:a16="http://schemas.microsoft.com/office/drawing/2014/main" xmlns="" id="{F620058F-26BE-42C1-8150-A348CAE979BC}"/>
                 </a:ext>
               </a:extLst>
             </p:cNvPr>
@@ -7331,7 +8323,7 @@
             <p:cNvPr id="14" name="Shape 324">
               <a:extLst>
                 <a:ext uri="{FF2B5EF4-FFF2-40B4-BE49-F238E27FC236}">
-                  <a16:creationId xmlns:a16="http://schemas.microsoft.com/office/drawing/2014/main" id="{9241850F-0705-41A4-8D4F-BCAA636B8FFB}"/>
+                  <a16:creationId xmlns:a16="http://schemas.microsoft.com/office/drawing/2014/main" xmlns="" id="{9241850F-0705-41A4-8D4F-BCAA636B8FFB}"/>
                 </a:ext>
               </a:extLst>
             </p:cNvPr>
@@ -7357,75 +8349,45 @@
             </a:bodyPr>
             <a:lstStyle/>
             <a:p>
-              <a:pPr marL="0" marR="0" lvl="0" indent="0" algn="ctr" defTabSz="914400" eaLnBrk="1" fontAlgn="auto" latinLnBrk="0" hangingPunct="1">
+              <a:pPr lvl="0" algn="ctr">
                 <a:lnSpc>
                   <a:spcPct val="90000"/>
                 </a:lnSpc>
-                <a:spcBef>
-                  <a:spcPts val="0"/>
-                </a:spcBef>
-                <a:spcAft>
-                  <a:spcPts val="0"/>
-                </a:spcAft>
                 <a:buClr>
                   <a:srgbClr val="FFFFFF"/>
                 </a:buClr>
                 <a:buSzPct val="25000"/>
-                <a:buFont typeface="Architects Daughter"/>
-                <a:buNone/>
-                <a:tabLst/>
                 <a:defRPr/>
               </a:pPr>
               <a:r>
-                <a:rPr lang="en-US" sz="1500" b="1" kern="0" spc="100" dirty="0">
+                <a:rPr lang="en-US" sz="1500" b="1" kern="0" spc="100" dirty="0" smtClean="0">
                   <a:ea typeface="Architects Daughter"/>
                   <a:cs typeface="Architects Daughter"/>
                   <a:sym typeface="Architects Daughter"/>
                 </a:rPr>
-                <a:t>Proposed</a:t>
+                <a:t>Field</a:t>
               </a:r>
             </a:p>
             <a:p>
-              <a:pPr marL="0" marR="0" lvl="0" indent="0" algn="ctr" defTabSz="914400" eaLnBrk="1" fontAlgn="auto" latinLnBrk="0" hangingPunct="1">
+              <a:pPr lvl="0" algn="ctr">
                 <a:lnSpc>
                   <a:spcPct val="90000"/>
                 </a:lnSpc>
-                <a:spcBef>
-                  <a:spcPts val="0"/>
-                </a:spcBef>
-                <a:spcAft>
-                  <a:spcPts val="0"/>
-                </a:spcAft>
                 <a:buClr>
                   <a:srgbClr val="FFFFFF"/>
                 </a:buClr>
                 <a:buSzPct val="25000"/>
-                <a:buFont typeface="Architects Daughter"/>
-                <a:buNone/>
-                <a:tabLst/>
                 <a:defRPr/>
               </a:pPr>
               <a:r>
-                <a:rPr kumimoji="0" lang="en-US" sz="1500" b="1" i="0" u="none" strike="noStrike" kern="0" cap="none" spc="100" normalizeH="0" noProof="0" dirty="0">
-                  <a:ln>
-                    <a:noFill/>
-                  </a:ln>
-                  <a:effectLst/>
-                  <a:uLnTx/>
-                  <a:uFillTx/>
+                <a:rPr lang="en-US" sz="1500" b="1" kern="0" spc="100" dirty="0" smtClean="0">
                   <a:ea typeface="Architects Daughter"/>
                   <a:cs typeface="Architects Daughter"/>
                   <a:sym typeface="Architects Daughter"/>
                 </a:rPr>
-                <a:t>Approach</a:t>
+                <a:t>Experiment</a:t>
               </a:r>
-              <a:endParaRPr kumimoji="0" lang="en" sz="1500" b="1" i="0" u="none" strike="noStrike" kern="0" cap="none" spc="100" normalizeH="0" noProof="0" dirty="0">
-                <a:ln>
-                  <a:noFill/>
-                </a:ln>
-                <a:effectLst/>
-                <a:uLnTx/>
-                <a:uFillTx/>
+              <a:endParaRPr lang="en" sz="1500" b="1" kern="0" spc="100" dirty="0">
                 <a:ea typeface="Architects Daughter"/>
                 <a:cs typeface="Architects Daughter"/>
                 <a:sym typeface="Architects Daughter"/>
@@ -7438,7 +8400,7 @@
             <p:cNvPr id="16" name="Rectangle 15">
               <a:extLst>
                 <a:ext uri="{FF2B5EF4-FFF2-40B4-BE49-F238E27FC236}">
-                  <a16:creationId xmlns:a16="http://schemas.microsoft.com/office/drawing/2014/main" id="{113E4927-F72E-46B9-AF08-12B530DBADCE}"/>
+                  <a16:creationId xmlns:a16="http://schemas.microsoft.com/office/drawing/2014/main" xmlns="" id="{113E4927-F72E-46B9-AF08-12B530DBADCE}"/>
                 </a:ext>
               </a:extLst>
             </p:cNvPr>
@@ -7494,7 +8456,7 @@
             <p:cNvPr id="17" name="Rectangle 16">
               <a:extLst>
                 <a:ext uri="{FF2B5EF4-FFF2-40B4-BE49-F238E27FC236}">
-                  <a16:creationId xmlns:a16="http://schemas.microsoft.com/office/drawing/2014/main" id="{F6B5CFF3-54E6-45E3-8EBC-850F8C99CBB8}"/>
+                  <a16:creationId xmlns:a16="http://schemas.microsoft.com/office/drawing/2014/main" xmlns="" id="{F6B5CFF3-54E6-45E3-8EBC-850F8C99CBB8}"/>
                 </a:ext>
               </a:extLst>
             </p:cNvPr>
@@ -7525,16 +8487,16 @@
                 <a:buChar char="§"/>
               </a:pPr>
               <a:r>
-                <a:rPr lang="en-US" spc="90" dirty="0"/>
-                <a:t>UT – 1</a:t>
-              </a:r>
-              <a:r>
-                <a:rPr lang="en-US" spc="90" baseline="30000" dirty="0"/>
-                <a:t>st</a:t>
+                <a:rPr lang="en-US" spc="90" dirty="0" smtClean="0"/>
+                <a:t>Housing </a:t>
               </a:r>
               <a:r>
                 <a:rPr lang="en-US" spc="90" dirty="0"/>
-                <a:t> to take Housing First model statewide</a:t>
+                <a:t>First model </a:t>
+              </a:r>
+              <a:r>
+                <a:rPr lang="en-US" spc="90" dirty="0" smtClean="0"/>
+                <a:t> - Houston</a:t>
               </a:r>
             </a:p>
             <a:p>
@@ -7547,9 +8509,10 @@
                 <a:buChar char="§"/>
               </a:pPr>
               <a:r>
-                <a:rPr lang="en-US" spc="90" dirty="0"/>
-                <a:t>91% drop in Chronically homeless counts</a:t>
+                <a:rPr lang="en-US" spc="90" dirty="0" smtClean="0"/>
+                <a:t>Reduction in Unsheltered homeless by 75%</a:t>
               </a:r>
+              <a:endParaRPr lang="en-US" spc="90" dirty="0"/>
             </a:p>
           </p:txBody>
         </p:sp>
@@ -7558,7 +8521,7 @@
             <p:cNvPr id="18" name="Rectangle 17">
               <a:extLst>
                 <a:ext uri="{FF2B5EF4-FFF2-40B4-BE49-F238E27FC236}">
-                  <a16:creationId xmlns:a16="http://schemas.microsoft.com/office/drawing/2014/main" id="{66A6A2DB-CC85-4C8F-A05B-97E4DA67BB5F}"/>
+                  <a16:creationId xmlns:a16="http://schemas.microsoft.com/office/drawing/2014/main" xmlns="" id="{66A6A2DB-CC85-4C8F-A05B-97E4DA67BB5F}"/>
                 </a:ext>
               </a:extLst>
             </p:cNvPr>
@@ -7568,7 +8531,7 @@
           <p:spPr>
             <a:xfrm>
               <a:off x="3157745" y="3670779"/>
-              <a:ext cx="5107622" cy="646331"/>
+              <a:ext cx="5259308" cy="646331"/>
             </a:xfrm>
             <a:prstGeom prst="rect">
               <a:avLst/>
@@ -7589,9 +8552,10 @@
                 <a:buChar char="§"/>
               </a:pPr>
               <a:r>
-                <a:rPr lang="en-US" spc="90" dirty="0"/>
-                <a:t>Shelters vs. Affordable Housing</a:t>
+                <a:rPr lang="en-US" spc="90" dirty="0" smtClean="0"/>
+                <a:t>Homeless counts decline in Florida</a:t>
               </a:r>
+              <a:endParaRPr lang="en-US" spc="90" dirty="0"/>
             </a:p>
             <a:p>
               <a:pPr marL="285750" indent="-285750">
@@ -7603,9 +8567,10 @@
                 <a:buChar char="§"/>
               </a:pPr>
               <a:r>
-                <a:rPr lang="en-US" spc="90" dirty="0"/>
-                <a:t>Can we find which works better?</a:t>
+                <a:rPr lang="en-US" spc="90" dirty="0" smtClean="0"/>
+                <a:t>Reduction in chronically homelessness counts</a:t>
               </a:r>
+              <a:endParaRPr lang="en-US" spc="90" dirty="0"/>
             </a:p>
           </p:txBody>
         </p:sp>
@@ -7614,7 +8579,7 @@
             <p:cNvPr id="19" name="Rectangle 18">
               <a:extLst>
                 <a:ext uri="{FF2B5EF4-FFF2-40B4-BE49-F238E27FC236}">
-                  <a16:creationId xmlns:a16="http://schemas.microsoft.com/office/drawing/2014/main" id="{46631439-14E2-4984-8489-575F895D4BFF}"/>
+                  <a16:creationId xmlns:a16="http://schemas.microsoft.com/office/drawing/2014/main" xmlns="" id="{46631439-14E2-4984-8489-575F895D4BFF}"/>
                 </a:ext>
               </a:extLst>
             </p:cNvPr>
@@ -7645,8 +8610,8 @@
                 <a:buChar char="§"/>
               </a:pPr>
               <a:r>
-                <a:rPr lang="en-US" spc="90" dirty="0"/>
-                <a:t>Perform a randomized experiment</a:t>
+                <a:rPr lang="en-US" spc="90" dirty="0" smtClean="0"/>
+                <a:t>Shelters vs. Affordable Housing</a:t>
               </a:r>
             </a:p>
             <a:p>
@@ -7659,9 +8624,10 @@
                 <a:buChar char="§"/>
               </a:pPr>
               <a:r>
-                <a:rPr lang="en-US" spc="90" dirty="0"/>
-                <a:t>Validate our hypothesis</a:t>
+                <a:rPr lang="en-US" spc="90" dirty="0" smtClean="0"/>
+                <a:t>Can we find which works better?</a:t>
               </a:r>
+              <a:endParaRPr lang="en-US" spc="90" dirty="0"/>
             </a:p>
           </p:txBody>
         </p:sp>
@@ -7671,7 +8637,7 @@
           <p:cNvPr id="24" name="Rectangle: Rounded Corners 23">
             <a:extLst>
               <a:ext uri="{FF2B5EF4-FFF2-40B4-BE49-F238E27FC236}">
-                <a16:creationId xmlns:a16="http://schemas.microsoft.com/office/drawing/2014/main" id="{92D60B20-C613-4BBA-B344-0A6A4A76463C}"/>
+                <a16:creationId xmlns:a16="http://schemas.microsoft.com/office/drawing/2014/main" xmlns="" id="{92D60B20-C613-4BBA-B344-0A6A4A76463C}"/>
               </a:ext>
             </a:extLst>
           </p:cNvPr>
@@ -7759,7 +8725,7 @@
           <p:cNvPr id="25" name="Shape 328">
             <a:extLst>
               <a:ext uri="{FF2B5EF4-FFF2-40B4-BE49-F238E27FC236}">
-                <a16:creationId xmlns:a16="http://schemas.microsoft.com/office/drawing/2014/main" id="{C73E0AB3-0BF6-4F05-8D54-2DBB73152050}"/>
+                <a16:creationId xmlns:a16="http://schemas.microsoft.com/office/drawing/2014/main" xmlns="" id="{C73E0AB3-0BF6-4F05-8D54-2DBB73152050}"/>
               </a:ext>
             </a:extLst>
           </p:cNvPr>
@@ -7805,13 +8771,18 @@
               <a:defRPr/>
             </a:pPr>
             <a:r>
-              <a:rPr lang="en-US" sz="1500" b="1" kern="0" spc="100" dirty="0">
+              <a:rPr lang="en-US" sz="1500" b="1" kern="0" spc="100" dirty="0" smtClean="0">
                 <a:ea typeface="Architects Daughter"/>
                 <a:cs typeface="Architects Daughter"/>
                 <a:sym typeface="Architects Daughter"/>
               </a:rPr>
-              <a:t>Observational</a:t>
-            </a:r>
+              <a:t>Recorded</a:t>
+            </a:r>
+            <a:endParaRPr lang="en-US" sz="1500" b="1" kern="0" spc="100" dirty="0">
+              <a:ea typeface="Architects Daughter"/>
+              <a:cs typeface="Architects Daughter"/>
+              <a:sym typeface="Architects Daughter"/>
+            </a:endParaRPr>
           </a:p>
           <a:p>
             <a:pPr marL="0" marR="0" lvl="0" indent="0" algn="ctr" defTabSz="914400" eaLnBrk="1" fontAlgn="auto" latinLnBrk="0" hangingPunct="1">
@@ -7834,7 +8805,7 @@
               <a:defRPr/>
             </a:pPr>
             <a:r>
-              <a:rPr kumimoji="0" lang="en-US" sz="1500" b="1" i="0" u="none" strike="noStrike" kern="0" cap="none" spc="100" normalizeH="0" noProof="0" dirty="0">
+              <a:rPr kumimoji="0" lang="en-US" sz="1500" b="1" i="0" u="none" strike="noStrike" kern="0" cap="none" spc="100" normalizeH="0" noProof="0" dirty="0" smtClean="0">
                 <a:ln>
                   <a:noFill/>
                 </a:ln>
@@ -7845,7 +8816,7 @@
                 <a:cs typeface="Architects Daughter"/>
                 <a:sym typeface="Architects Daughter"/>
               </a:rPr>
-              <a:t>Inference</a:t>
+              <a:t>Goals</a:t>
             </a:r>
             <a:endParaRPr kumimoji="0" lang="en" sz="1500" b="1" i="0" u="none" strike="noStrike" kern="0" cap="none" spc="100" normalizeH="0" noProof="0" dirty="0">
               <a:ln>
@@ -7866,7 +8837,7 @@
           <p:cNvPr id="26" name="Rectangle: Rounded Corners 25">
             <a:extLst>
               <a:ext uri="{FF2B5EF4-FFF2-40B4-BE49-F238E27FC236}">
-                <a16:creationId xmlns:a16="http://schemas.microsoft.com/office/drawing/2014/main" id="{0822473A-DFF8-4BAD-B636-64F0809E983C}"/>
+                <a16:creationId xmlns:a16="http://schemas.microsoft.com/office/drawing/2014/main" xmlns="" id="{0822473A-DFF8-4BAD-B636-64F0809E983C}"/>
               </a:ext>
             </a:extLst>
           </p:cNvPr>
@@ -7954,7 +8925,7 @@
           <p:cNvPr id="27" name="Shape 324">
             <a:extLst>
               <a:ext uri="{FF2B5EF4-FFF2-40B4-BE49-F238E27FC236}">
-                <a16:creationId xmlns:a16="http://schemas.microsoft.com/office/drawing/2014/main" id="{4F069865-20FE-420E-A260-6DF4A9CD725D}"/>
+                <a16:creationId xmlns:a16="http://schemas.microsoft.com/office/drawing/2014/main" xmlns="" id="{4F069865-20FE-420E-A260-6DF4A9CD725D}"/>
               </a:ext>
             </a:extLst>
           </p:cNvPr>
@@ -8000,12 +8971,18 @@
               <a:defRPr/>
             </a:pPr>
             <a:r>
-              <a:rPr lang="en-US" sz="1500" b="1" kern="0" spc="100" dirty="0">
+              <a:rPr kumimoji="0" lang="en" sz="1500" b="1" i="0" u="none" strike="noStrike" kern="0" cap="none" spc="100" normalizeH="0" noProof="0" dirty="0" smtClean="0">
+                <a:ln>
+                  <a:noFill/>
+                </a:ln>
+                <a:effectLst/>
+                <a:uLnTx/>
+                <a:uFillTx/>
                 <a:ea typeface="Architects Daughter"/>
                 <a:cs typeface="Architects Daughter"/>
                 <a:sym typeface="Architects Daughter"/>
               </a:rPr>
-              <a:t>Field</a:t>
+              <a:t>Observational</a:t>
             </a:r>
           </a:p>
           <a:p>
@@ -8029,18 +9006,12 @@
               <a:defRPr/>
             </a:pPr>
             <a:r>
-              <a:rPr kumimoji="0" lang="en-US" sz="1500" b="1" i="0" u="none" strike="noStrike" kern="0" cap="none" spc="100" normalizeH="0" noProof="0" dirty="0">
-                <a:ln>
-                  <a:noFill/>
-                </a:ln>
-                <a:effectLst/>
-                <a:uLnTx/>
-                <a:uFillTx/>
+              <a:rPr lang="en" sz="1500" b="1" kern="0" spc="100" dirty="0" smtClean="0">
                 <a:ea typeface="Architects Daughter"/>
                 <a:cs typeface="Architects Daughter"/>
                 <a:sym typeface="Architects Daughter"/>
               </a:rPr>
-              <a:t>Experiment</a:t>
+              <a:t>Inference</a:t>
             </a:r>
             <a:endParaRPr kumimoji="0" lang="en" sz="1500" b="1" i="0" u="none" strike="noStrike" kern="0" cap="none" spc="100" normalizeH="0" noProof="0" dirty="0">
               <a:ln>
@@ -8059,17 +9030,24 @@
     </p:spTree>
     <p:extLst>
       <p:ext uri="{BB962C8B-B14F-4D97-AF65-F5344CB8AC3E}">
-        <p14:creationId xmlns:p14="http://schemas.microsoft.com/office/powerpoint/2010/main" val="1751926216"/>
+        <p14:creationId xmlns:p14="http://schemas.microsoft.com/office/powerpoint/2010/main" xmlns="" val="1751926216"/>
       </p:ext>
     </p:extLst>
   </p:cSld>
   <p:clrMapOvr>
     <a:masterClrMapping/>
   </p:clrMapOvr>
+  <p:timing>
+    <p:tnLst>
+      <p:par>
+        <p:cTn id="1" dur="indefinite" restart="never" nodeType="tmRoot"/>
+      </p:par>
+    </p:tnLst>
+  </p:timing>
 </p:sld>
 </file>
 
-<file path=ppt/slides/slide14.xml><?xml version="1.0" encoding="utf-8"?>
+<file path=ppt/slides/slide16.xml><?xml version="1.0" encoding="utf-8"?>
 <p:sld xmlns:a="http://schemas.openxmlformats.org/drawingml/2006/main" xmlns:r="http://schemas.openxmlformats.org/officeDocument/2006/relationships" xmlns:p="http://schemas.openxmlformats.org/presentationml/2006/main">
   <p:cSld>
     <p:spTree>
@@ -8091,7 +9069,7 @@
           <p:cNvPr id="2" name="Slide Number Placeholder 1">
             <a:extLst>
               <a:ext uri="{FF2B5EF4-FFF2-40B4-BE49-F238E27FC236}">
-                <a16:creationId xmlns:a16="http://schemas.microsoft.com/office/drawing/2014/main" id="{1B15144E-FC2F-48B2-816C-9AD7A3CE941F}"/>
+                <a16:creationId xmlns:a16="http://schemas.microsoft.com/office/drawing/2014/main" xmlns="" id="{1B15144E-FC2F-48B2-816C-9AD7A3CE941F}"/>
               </a:ext>
             </a:extLst>
           </p:cNvPr>
@@ -8127,7 +9105,7 @@
                 </a:solidFill>
               </a:rPr>
               <a:pPr/>
-              <a:t>14</a:t>
+              <a:t>16</a:t>
             </a:fld>
             <a:r>
               <a:rPr lang="en-GB" dirty="0">
@@ -8145,7 +9123,7 @@
           <p:cNvPr id="11" name="Title 1">
             <a:extLst>
               <a:ext uri="{FF2B5EF4-FFF2-40B4-BE49-F238E27FC236}">
-                <a16:creationId xmlns:a16="http://schemas.microsoft.com/office/drawing/2014/main" id="{740BCBA7-717A-47A2-8477-5DFA1EB7879C}"/>
+                <a16:creationId xmlns:a16="http://schemas.microsoft.com/office/drawing/2014/main" xmlns="" id="{740BCBA7-717A-47A2-8477-5DFA1EB7879C}"/>
               </a:ext>
             </a:extLst>
           </p:cNvPr>
@@ -8207,7 +9185,7 @@
           <p:cNvPr id="3" name="TextBox 2">
             <a:extLst>
               <a:ext uri="{FF2B5EF4-FFF2-40B4-BE49-F238E27FC236}">
-                <a16:creationId xmlns:a16="http://schemas.microsoft.com/office/drawing/2014/main" id="{B1D9A3B6-C7A8-4A72-BDBB-52F805F347B3}"/>
+                <a16:creationId xmlns:a16="http://schemas.microsoft.com/office/drawing/2014/main" xmlns="" id="{B1D9A3B6-C7A8-4A72-BDBB-52F805F347B3}"/>
               </a:ext>
             </a:extLst>
           </p:cNvPr>
@@ -8216,8 +9194,8 @@
         </p:nvSpPr>
         <p:spPr>
           <a:xfrm>
-            <a:off x="656948" y="1136342"/>
-            <a:ext cx="7119891" cy="4247317"/>
+            <a:off x="656948" y="852554"/>
+            <a:ext cx="7730307" cy="5078313"/>
           </a:xfrm>
           <a:prstGeom prst="rect">
             <a:avLst/>
@@ -8287,6 +9265,33 @@
               <a:rPr lang="en-US" spc="90" dirty="0"/>
               <a:t> </a:t>
             </a:r>
+            <a:endParaRPr lang="en-US" spc="90" dirty="0" smtClean="0"/>
+          </a:p>
+          <a:p>
+            <a:pPr marL="285750" indent="-285750">
+              <a:buFontTx/>
+              <a:buChar char="-"/>
+            </a:pPr>
+            <a:endParaRPr lang="en-US" spc="90" dirty="0" smtClean="0"/>
+          </a:p>
+          <a:p>
+            <a:pPr marL="285750" indent="-285750">
+              <a:buFontTx/>
+              <a:buChar char="-"/>
+            </a:pPr>
+            <a:r>
+              <a:rPr lang="en-US" dirty="0" smtClean="0">
+                <a:hlinkClick r:id="rId6"/>
+              </a:rPr>
+              <a:t>https://www.seattletimes.com/seattle-news/homeless/houstons-solution-to-the-homeless-crisis-housing-and-lots-of-it/ </a:t>
+            </a:r>
+            <a:r>
+              <a:rPr lang="en-US" dirty="0" smtClean="0">
+                <a:hlinkClick r:id="rId6"/>
+              </a:rPr>
+              <a:t> </a:t>
+            </a:r>
+            <a:endParaRPr lang="en-US" spc="90" dirty="0"/>
           </a:p>
           <a:p>
             <a:pPr marL="285750" indent="-285750">
@@ -8301,10 +9306,41 @@
               <a:buChar char="-"/>
             </a:pPr>
             <a:r>
+              <a:rPr lang="en-US" dirty="0" smtClean="0">
+                <a:hlinkClick r:id="rId7"/>
+              </a:rPr>
+              <a:t>http://www.cityoforlando.net/mayor/housing-first/ </a:t>
+            </a:r>
+            <a:r>
+              <a:rPr lang="en-US" dirty="0" smtClean="0">
+                <a:hlinkClick r:id="rId7"/>
+              </a:rPr>
+              <a:t> </a:t>
+            </a:r>
+            <a:endParaRPr lang="en-US" dirty="0" smtClean="0"/>
+          </a:p>
+          <a:p>
+            <a:pPr marL="285750" indent="-285750"/>
+            <a:endParaRPr lang="en-US" dirty="0" smtClean="0">
+              <a:hlinkClick r:id="rId8"/>
+            </a:endParaRPr>
+          </a:p>
+          <a:p>
+            <a:pPr marL="285750" indent="-285750">
+              <a:buFontTx/>
+              <a:buChar char="-"/>
+            </a:pPr>
+            <a:r>
+              <a:rPr lang="en-US" dirty="0" smtClean="0">
+                <a:hlinkClick r:id="rId8"/>
+              </a:rPr>
+              <a:t>https</a:t>
+            </a:r>
+            <a:r>
               <a:rPr lang="en-US" dirty="0">
-                <a:hlinkClick r:id="rId6"/>
+                <a:hlinkClick r:id="rId8"/>
               </a:rPr>
-              <a:t>https://www.npr.org/2015/12/10/459100751/utah-reduced-chronic-homelessness-by-91-percent-heres-how</a:t>
+              <a:t>://www.npr.org/2015/12/10/459100751/utah-reduced-chronic-homelessness-by-91-percent-heres-how</a:t>
             </a:r>
             <a:endParaRPr lang="en-US" dirty="0"/>
           </a:p>
@@ -8322,17 +9358,16 @@
             </a:pPr>
             <a:r>
               <a:rPr lang="en-US" dirty="0">
-                <a:hlinkClick r:id="rId7"/>
+                <a:hlinkClick r:id="rId9"/>
               </a:rPr>
-              <a:t>https://www.businessinsider.com/new-york-homeless-crisis-deblasio-solutions-2018-2</a:t>
-            </a:r>
-            <a:endParaRPr lang="en-US" dirty="0"/>
-          </a:p>
-          <a:p>
-            <a:pPr marL="285750" indent="-285750">
-              <a:buFontTx/>
-              <a:buChar char="-"/>
-            </a:pPr>
+              <a:t>https://</a:t>
+            </a:r>
+            <a:r>
+              <a:rPr lang="en-US" dirty="0" smtClean="0">
+                <a:hlinkClick r:id="rId9"/>
+              </a:rPr>
+              <a:t>www.businessinsider.com/new-york-homeless-crisis-deblasio-solutions-2018-2</a:t>
+            </a:r>
             <a:endParaRPr lang="en-US" dirty="0"/>
           </a:p>
         </p:txBody>
@@ -8340,17 +9375,24 @@
     </p:spTree>
     <p:extLst>
       <p:ext uri="{BB962C8B-B14F-4D97-AF65-F5344CB8AC3E}">
-        <p14:creationId xmlns:p14="http://schemas.microsoft.com/office/powerpoint/2010/main" val="2872154205"/>
+        <p14:creationId xmlns:p14="http://schemas.microsoft.com/office/powerpoint/2010/main" xmlns="" val="2872154205"/>
       </p:ext>
     </p:extLst>
   </p:cSld>
   <p:clrMapOvr>
     <a:masterClrMapping/>
   </p:clrMapOvr>
+  <p:timing>
+    <p:tnLst>
+      <p:par>
+        <p:cTn id="1" dur="indefinite" restart="never" nodeType="tmRoot"/>
+      </p:par>
+    </p:tnLst>
+  </p:timing>
 </p:sld>
 </file>
 
-<file path=ppt/slides/slide15.xml><?xml version="1.0" encoding="utf-8"?>
+<file path=ppt/slides/slide17.xml><?xml version="1.0" encoding="utf-8"?>
 <p:sld xmlns:a="http://schemas.openxmlformats.org/drawingml/2006/main" xmlns:r="http://schemas.openxmlformats.org/officeDocument/2006/relationships" xmlns:p="http://schemas.openxmlformats.org/presentationml/2006/main">
   <p:cSld>
     <p:spTree>
@@ -8372,7 +9414,7 @@
           <p:cNvPr id="2" name="Slide Number Placeholder 1">
             <a:extLst>
               <a:ext uri="{FF2B5EF4-FFF2-40B4-BE49-F238E27FC236}">
-                <a16:creationId xmlns:a16="http://schemas.microsoft.com/office/drawing/2014/main" id="{1B15144E-FC2F-48B2-816C-9AD7A3CE941F}"/>
+                <a16:creationId xmlns:a16="http://schemas.microsoft.com/office/drawing/2014/main" xmlns="" id="{1B15144E-FC2F-48B2-816C-9AD7A3CE941F}"/>
               </a:ext>
             </a:extLst>
           </p:cNvPr>
@@ -8408,7 +9450,7 @@
                 </a:solidFill>
               </a:rPr>
               <a:pPr/>
-              <a:t>15</a:t>
+              <a:t>17</a:t>
             </a:fld>
             <a:r>
               <a:rPr lang="en-GB" dirty="0">
@@ -8426,7 +9468,7 @@
           <p:cNvPr id="5" name="Shape 174" descr="mark steelblue@4x.png">
             <a:extLst>
               <a:ext uri="{FF2B5EF4-FFF2-40B4-BE49-F238E27FC236}">
-                <a16:creationId xmlns:a16="http://schemas.microsoft.com/office/drawing/2014/main" id="{EDA4688E-962A-4E61-AD83-ECF78F096E0C}"/>
+                <a16:creationId xmlns:a16="http://schemas.microsoft.com/office/drawing/2014/main" xmlns="" id="{EDA4688E-962A-4E61-AD83-ECF78F096E0C}"/>
               </a:ext>
             </a:extLst>
           </p:cNvPr>
@@ -8434,7 +9476,7 @@
           <p:nvPr/>
         </p:nvPicPr>
         <p:blipFill rotWithShape="1">
-          <a:blip r:embed="rId2">
+          <a:blip r:embed="rId3" cstate="print">
             <a:alphaModFix/>
           </a:blip>
           <a:srcRect l="23740" t="35663" r="24094" b="35241"/>
@@ -8459,7 +9501,7 @@
           <p:cNvPr id="6" name="Rectangle 5">
             <a:extLst>
               <a:ext uri="{FF2B5EF4-FFF2-40B4-BE49-F238E27FC236}">
-                <a16:creationId xmlns:a16="http://schemas.microsoft.com/office/drawing/2014/main" id="{4649FFC1-04A8-46E1-B9A1-547382B2552F}"/>
+                <a16:creationId xmlns:a16="http://schemas.microsoft.com/office/drawing/2014/main" xmlns="" id="{4649FFC1-04A8-46E1-B9A1-547382B2552F}"/>
               </a:ext>
             </a:extLst>
           </p:cNvPr>
@@ -8526,7 +9568,7 @@
           <p:cNvPr id="7" name="Rectangle 6">
             <a:extLst>
               <a:ext uri="{FF2B5EF4-FFF2-40B4-BE49-F238E27FC236}">
-                <a16:creationId xmlns:a16="http://schemas.microsoft.com/office/drawing/2014/main" id="{AE32342D-3CB0-4A59-893A-54C244B2CAB9}"/>
+                <a16:creationId xmlns:a16="http://schemas.microsoft.com/office/drawing/2014/main" xmlns="" id="{AE32342D-3CB0-4A59-893A-54C244B2CAB9}"/>
               </a:ext>
             </a:extLst>
           </p:cNvPr>
@@ -8597,7 +9639,7 @@
           <p:cNvPr id="8" name="Rectangle 7">
             <a:extLst>
               <a:ext uri="{FF2B5EF4-FFF2-40B4-BE49-F238E27FC236}">
-                <a16:creationId xmlns:a16="http://schemas.microsoft.com/office/drawing/2014/main" id="{AB83E1E8-3852-42B8-9746-CCFAD2CB9727}"/>
+                <a16:creationId xmlns:a16="http://schemas.microsoft.com/office/drawing/2014/main" xmlns="" id="{AB83E1E8-3852-42B8-9746-CCFAD2CB9727}"/>
               </a:ext>
             </a:extLst>
           </p:cNvPr>
@@ -8641,6 +9683,15 @@
               </a:rPr>
               <a:t>SUDHA SUBRAMANIAN</a:t>
             </a:r>
+            <a:r>
+              <a:rPr lang="en" sz="3200" b="1" kern="0" dirty="0">
+                <a:solidFill>
+                  <a:srgbClr val="FFFFFF"/>
+                </a:solidFill>
+                <a:sym typeface="Roboto"/>
+              </a:rPr>
+              <a:t/>
+            </a:r>
             <a:br>
               <a:rPr lang="en" sz="3200" b="1" kern="0" dirty="0">
                 <a:solidFill>
@@ -8702,7 +9753,7 @@
           <p:cNvPr id="9" name="Group 4">
             <a:extLst>
               <a:ext uri="{FF2B5EF4-FFF2-40B4-BE49-F238E27FC236}">
-                <a16:creationId xmlns:a16="http://schemas.microsoft.com/office/drawing/2014/main" id="{67274713-20B1-46C1-B2E1-AACE87202E7E}"/>
+                <a16:creationId xmlns:a16="http://schemas.microsoft.com/office/drawing/2014/main" xmlns="" id="{67274713-20B1-46C1-B2E1-AACE87202E7E}"/>
               </a:ext>
             </a:extLst>
           </p:cNvPr>
@@ -8727,7 +9778,7 @@
             <p:cNvPr id="10" name="Freeform 6">
               <a:extLst>
                 <a:ext uri="{FF2B5EF4-FFF2-40B4-BE49-F238E27FC236}">
-                  <a16:creationId xmlns:a16="http://schemas.microsoft.com/office/drawing/2014/main" id="{D8D2A57F-9C62-4AD7-A6CB-059AB329E135}"/>
+                  <a16:creationId xmlns:a16="http://schemas.microsoft.com/office/drawing/2014/main" xmlns="" id="{D8D2A57F-9C62-4AD7-A6CB-059AB329E135}"/>
                 </a:ext>
               </a:extLst>
             </p:cNvPr>
@@ -9624,7 +10675,7 @@
             <p:cNvPr id="12" name="Freeform 7">
               <a:extLst>
                 <a:ext uri="{FF2B5EF4-FFF2-40B4-BE49-F238E27FC236}">
-                  <a16:creationId xmlns:a16="http://schemas.microsoft.com/office/drawing/2014/main" id="{F68EE47F-F742-4E6B-B782-A8B3D2A31468}"/>
+                  <a16:creationId xmlns:a16="http://schemas.microsoft.com/office/drawing/2014/main" xmlns="" id="{F68EE47F-F742-4E6B-B782-A8B3D2A31468}"/>
                 </a:ext>
               </a:extLst>
             </p:cNvPr>
@@ -9763,7 +10814,7 @@
             <p:cNvPr id="13" name="Rectangle 8">
               <a:extLst>
                 <a:ext uri="{FF2B5EF4-FFF2-40B4-BE49-F238E27FC236}">
-                  <a16:creationId xmlns:a16="http://schemas.microsoft.com/office/drawing/2014/main" id="{BCD04EC4-55F1-4FEC-A4F5-B6B90793F002}"/>
+                  <a16:creationId xmlns:a16="http://schemas.microsoft.com/office/drawing/2014/main" xmlns="" id="{BCD04EC4-55F1-4FEC-A4F5-B6B90793F002}"/>
                 </a:ext>
               </a:extLst>
             </p:cNvPr>
@@ -9810,7 +10861,7 @@
             <p:cNvPr id="14" name="Rectangle 9">
               <a:extLst>
                 <a:ext uri="{FF2B5EF4-FFF2-40B4-BE49-F238E27FC236}">
-                  <a16:creationId xmlns:a16="http://schemas.microsoft.com/office/drawing/2014/main" id="{000F52AF-1253-45DC-99DE-07CF9621ABC4}"/>
+                  <a16:creationId xmlns:a16="http://schemas.microsoft.com/office/drawing/2014/main" xmlns="" id="{000F52AF-1253-45DC-99DE-07CF9621ABC4}"/>
                 </a:ext>
               </a:extLst>
             </p:cNvPr>
@@ -9857,7 +10908,7 @@
             <p:cNvPr id="15" name="Rectangle 10">
               <a:extLst>
                 <a:ext uri="{FF2B5EF4-FFF2-40B4-BE49-F238E27FC236}">
-                  <a16:creationId xmlns:a16="http://schemas.microsoft.com/office/drawing/2014/main" id="{B7547AE5-7A86-407B-AB7C-D472FB9C0956}"/>
+                  <a16:creationId xmlns:a16="http://schemas.microsoft.com/office/drawing/2014/main" xmlns="" id="{B7547AE5-7A86-407B-AB7C-D472FB9C0956}"/>
                 </a:ext>
               </a:extLst>
             </p:cNvPr>
@@ -9904,7 +10955,7 @@
             <p:cNvPr id="16" name="Rectangle 11">
               <a:extLst>
                 <a:ext uri="{FF2B5EF4-FFF2-40B4-BE49-F238E27FC236}">
-                  <a16:creationId xmlns:a16="http://schemas.microsoft.com/office/drawing/2014/main" id="{49C0787C-6DC6-4365-BEE8-52CBBF3D6396}"/>
+                  <a16:creationId xmlns:a16="http://schemas.microsoft.com/office/drawing/2014/main" xmlns="" id="{49C0787C-6DC6-4365-BEE8-52CBBF3D6396}"/>
                 </a:ext>
               </a:extLst>
             </p:cNvPr>
@@ -9951,7 +11002,7 @@
             <p:cNvPr id="17" name="Rectangle 12">
               <a:extLst>
                 <a:ext uri="{FF2B5EF4-FFF2-40B4-BE49-F238E27FC236}">
-                  <a16:creationId xmlns:a16="http://schemas.microsoft.com/office/drawing/2014/main" id="{6A524830-13AE-4376-ABE1-F64319483DF6}"/>
+                  <a16:creationId xmlns:a16="http://schemas.microsoft.com/office/drawing/2014/main" xmlns="" id="{6A524830-13AE-4376-ABE1-F64319483DF6}"/>
                 </a:ext>
               </a:extLst>
             </p:cNvPr>
@@ -9999,7 +11050,7 @@
           <p:cNvPr id="18" name="Group 17">
             <a:extLst>
               <a:ext uri="{FF2B5EF4-FFF2-40B4-BE49-F238E27FC236}">
-                <a16:creationId xmlns:a16="http://schemas.microsoft.com/office/drawing/2014/main" id="{E088D8AC-E854-4B4F-BC9A-43689E46E0F2}"/>
+                <a16:creationId xmlns:a16="http://schemas.microsoft.com/office/drawing/2014/main" xmlns="" id="{E088D8AC-E854-4B4F-BC9A-43689E46E0F2}"/>
               </a:ext>
             </a:extLst>
           </p:cNvPr>
@@ -10019,7 +11070,7 @@
             <p:cNvPr id="19" name="Rectangle 18">
               <a:extLst>
                 <a:ext uri="{FF2B5EF4-FFF2-40B4-BE49-F238E27FC236}">
-                  <a16:creationId xmlns:a16="http://schemas.microsoft.com/office/drawing/2014/main" id="{7518573D-D06E-4ECB-AB96-EBE0798C748A}"/>
+                  <a16:creationId xmlns:a16="http://schemas.microsoft.com/office/drawing/2014/main" xmlns="" id="{7518573D-D06E-4ECB-AB96-EBE0798C748A}"/>
                 </a:ext>
               </a:extLst>
             </p:cNvPr>
@@ -10079,7 +11130,7 @@
             <p:cNvPr id="20" name="Rectangle 19">
               <a:extLst>
                 <a:ext uri="{FF2B5EF4-FFF2-40B4-BE49-F238E27FC236}">
-                  <a16:creationId xmlns:a16="http://schemas.microsoft.com/office/drawing/2014/main" id="{FBC29BF5-11E9-479D-9E18-95765037E18D}"/>
+                  <a16:creationId xmlns:a16="http://schemas.microsoft.com/office/drawing/2014/main" xmlns="" id="{FBC29BF5-11E9-479D-9E18-95765037E18D}"/>
                 </a:ext>
               </a:extLst>
             </p:cNvPr>
@@ -10120,7 +11171,7 @@
             <p:cNvPr id="21" name="Rectangle 20">
               <a:extLst>
                 <a:ext uri="{FF2B5EF4-FFF2-40B4-BE49-F238E27FC236}">
-                  <a16:creationId xmlns:a16="http://schemas.microsoft.com/office/drawing/2014/main" id="{9B5B5859-E0BF-4083-8D24-950F947066EB}"/>
+                  <a16:creationId xmlns:a16="http://schemas.microsoft.com/office/drawing/2014/main" xmlns="" id="{9B5B5859-E0BF-4083-8D24-950F947066EB}"/>
                 </a:ext>
               </a:extLst>
             </p:cNvPr>
@@ -10160,13 +11211,20 @@
     </p:spTree>
     <p:extLst>
       <p:ext uri="{BB962C8B-B14F-4D97-AF65-F5344CB8AC3E}">
-        <p14:creationId xmlns:p14="http://schemas.microsoft.com/office/powerpoint/2010/main" val="1076127983"/>
+        <p14:creationId xmlns:p14="http://schemas.microsoft.com/office/powerpoint/2010/main" xmlns="" val="1076127983"/>
       </p:ext>
     </p:extLst>
   </p:cSld>
   <p:clrMapOvr>
     <a:masterClrMapping/>
   </p:clrMapOvr>
+  <p:timing>
+    <p:tnLst>
+      <p:par>
+        <p:cTn id="1" dur="indefinite" restart="never" nodeType="tmRoot"/>
+      </p:par>
+    </p:tnLst>
+  </p:timing>
 </p:sld>
 </file>
 
@@ -10192,7 +11250,7 @@
           <p:cNvPr id="4" name="Slide Number Placeholder 3">
             <a:extLst>
               <a:ext uri="{FF2B5EF4-FFF2-40B4-BE49-F238E27FC236}">
-                <a16:creationId xmlns:a16="http://schemas.microsoft.com/office/drawing/2014/main" id="{C636350C-F8BD-46D8-8FE6-8EAEDCD3BCA3}"/>
+                <a16:creationId xmlns:a16="http://schemas.microsoft.com/office/drawing/2014/main" xmlns="" id="{C636350C-F8BD-46D8-8FE6-8EAEDCD3BCA3}"/>
               </a:ext>
             </a:extLst>
           </p:cNvPr>
@@ -10241,7 +11299,7 @@
           <p:cNvPr id="5" name="Shape 313">
             <a:extLst>
               <a:ext uri="{FF2B5EF4-FFF2-40B4-BE49-F238E27FC236}">
-                <a16:creationId xmlns:a16="http://schemas.microsoft.com/office/drawing/2014/main" id="{947EE283-B843-4E80-97F8-15E12E617081}"/>
+                <a16:creationId xmlns:a16="http://schemas.microsoft.com/office/drawing/2014/main" xmlns="" id="{947EE283-B843-4E80-97F8-15E12E617081}"/>
               </a:ext>
             </a:extLst>
           </p:cNvPr>
@@ -10326,7 +11384,7 @@
           <p:cNvPr id="6" name="Title 1">
             <a:extLst>
               <a:ext uri="{FF2B5EF4-FFF2-40B4-BE49-F238E27FC236}">
-                <a16:creationId xmlns:a16="http://schemas.microsoft.com/office/drawing/2014/main" id="{131A09C5-413B-4A57-9892-2F5946264610}"/>
+                <a16:creationId xmlns:a16="http://schemas.microsoft.com/office/drawing/2014/main" xmlns="" id="{131A09C5-413B-4A57-9892-2F5946264610}"/>
               </a:ext>
             </a:extLst>
           </p:cNvPr>
@@ -10369,7 +11427,7 @@
           <p:cNvPr id="7" name="Rectangle 6">
             <a:extLst>
               <a:ext uri="{FF2B5EF4-FFF2-40B4-BE49-F238E27FC236}">
-                <a16:creationId xmlns:a16="http://schemas.microsoft.com/office/drawing/2014/main" id="{16A3167B-8E0B-42E2-9C5E-B252E303E834}"/>
+                <a16:creationId xmlns:a16="http://schemas.microsoft.com/office/drawing/2014/main" xmlns="" id="{16A3167B-8E0B-42E2-9C5E-B252E303E834}"/>
               </a:ext>
             </a:extLst>
           </p:cNvPr>
@@ -10413,7 +11471,7 @@
           <p:cNvPr id="8" name="Picture 7">
             <a:extLst>
               <a:ext uri="{FF2B5EF4-FFF2-40B4-BE49-F238E27FC236}">
-                <a16:creationId xmlns:a16="http://schemas.microsoft.com/office/drawing/2014/main" id="{D3DCE1B4-D50F-45CC-9858-9D2ADAC2591C}"/>
+                <a16:creationId xmlns:a16="http://schemas.microsoft.com/office/drawing/2014/main" xmlns="" id="{D3DCE1B4-D50F-45CC-9858-9D2ADAC2591C}"/>
               </a:ext>
             </a:extLst>
           </p:cNvPr>
@@ -10423,7 +11481,7 @@
           <p:nvPr/>
         </p:nvPicPr>
         <p:blipFill>
-          <a:blip r:embed="rId3"/>
+          <a:blip r:embed="rId3" cstate="print"/>
           <a:stretch>
             <a:fillRect/>
           </a:stretch>
@@ -10441,13 +11499,20 @@
     </p:spTree>
     <p:extLst>
       <p:ext uri="{BB962C8B-B14F-4D97-AF65-F5344CB8AC3E}">
-        <p14:creationId xmlns:p14="http://schemas.microsoft.com/office/powerpoint/2010/main" val="1795288748"/>
+        <p14:creationId xmlns:p14="http://schemas.microsoft.com/office/powerpoint/2010/main" xmlns="" val="1795288748"/>
       </p:ext>
     </p:extLst>
   </p:cSld>
   <p:clrMapOvr>
     <a:masterClrMapping/>
   </p:clrMapOvr>
+  <p:timing>
+    <p:tnLst>
+      <p:par>
+        <p:cTn id="1" dur="indefinite" restart="never" nodeType="tmRoot"/>
+      </p:par>
+    </p:tnLst>
+  </p:timing>
 </p:sld>
 </file>
 
@@ -10473,7 +11538,7 @@
           <p:cNvPr id="2" name="Slide Number Placeholder 1">
             <a:extLst>
               <a:ext uri="{FF2B5EF4-FFF2-40B4-BE49-F238E27FC236}">
-                <a16:creationId xmlns:a16="http://schemas.microsoft.com/office/drawing/2014/main" id="{1B15144E-FC2F-48B2-816C-9AD7A3CE941F}"/>
+                <a16:creationId xmlns:a16="http://schemas.microsoft.com/office/drawing/2014/main" xmlns="" id="{1B15144E-FC2F-48B2-816C-9AD7A3CE941F}"/>
               </a:ext>
             </a:extLst>
           </p:cNvPr>
@@ -10527,7 +11592,7 @@
           <p:cNvPr id="11" name="Title 1">
             <a:extLst>
               <a:ext uri="{FF2B5EF4-FFF2-40B4-BE49-F238E27FC236}">
-                <a16:creationId xmlns:a16="http://schemas.microsoft.com/office/drawing/2014/main" id="{740BCBA7-717A-47A2-8477-5DFA1EB7879C}"/>
+                <a16:creationId xmlns:a16="http://schemas.microsoft.com/office/drawing/2014/main" xmlns="" id="{740BCBA7-717A-47A2-8477-5DFA1EB7879C}"/>
               </a:ext>
             </a:extLst>
           </p:cNvPr>
@@ -10600,7 +11665,7 @@
           <p:cNvPr id="1026" name="Picture 2" descr="https://lh3.googleusercontent.com/5KVztxgF7drDRYILeVgB-Ipo_s46w2YOZid0lNi0rIHwLq4MYsIsMpZ6a_7_uWEDY4N67pFiDsOFDIkwia10Rh16Vk9j1tu4U00402-aV8UvfrOZNSc7eT4gWX_GA3y_pGw7DGjmpIPMtjLm8w">
             <a:extLst>
               <a:ext uri="{FF2B5EF4-FFF2-40B4-BE49-F238E27FC236}">
-                <a16:creationId xmlns:a16="http://schemas.microsoft.com/office/drawing/2014/main" id="{C073786E-4E4C-47A7-81DA-DD171F14E0F6}"/>
+                <a16:creationId xmlns:a16="http://schemas.microsoft.com/office/drawing/2014/main" xmlns="" id="{C073786E-4E4C-47A7-81DA-DD171F14E0F6}"/>
               </a:ext>
             </a:extLst>
           </p:cNvPr>
@@ -10610,10 +11675,10 @@
           <p:nvPr/>
         </p:nvPicPr>
         <p:blipFill>
-          <a:blip r:embed="rId3">
+          <a:blip r:embed="rId3" cstate="print">
             <a:extLst>
               <a:ext uri="{28A0092B-C50C-407E-A947-70E740481C1C}">
-                <a14:useLocalDpi xmlns:a14="http://schemas.microsoft.com/office/drawing/2010/main" val="0"/>
+                <a14:useLocalDpi xmlns:a14="http://schemas.microsoft.com/office/drawing/2010/main" xmlns="" val="0"/>
               </a:ext>
             </a:extLst>
           </a:blip>
@@ -10633,7 +11698,7 @@
           <a:noFill/>
           <a:extLst>
             <a:ext uri="{909E8E84-426E-40DD-AFC4-6F175D3DCCD1}">
-              <a14:hiddenFill xmlns:a14="http://schemas.microsoft.com/office/drawing/2010/main">
+              <a14:hiddenFill xmlns:a14="http://schemas.microsoft.com/office/drawing/2010/main" xmlns="">
                 <a:solidFill>
                   <a:srgbClr val="FFFFFF"/>
                 </a:solidFill>
@@ -10645,13 +11710,20 @@
     </p:spTree>
     <p:extLst>
       <p:ext uri="{BB962C8B-B14F-4D97-AF65-F5344CB8AC3E}">
-        <p14:creationId xmlns:p14="http://schemas.microsoft.com/office/powerpoint/2010/main" val="3891661788"/>
+        <p14:creationId xmlns:p14="http://schemas.microsoft.com/office/powerpoint/2010/main" xmlns="" val="3891661788"/>
       </p:ext>
     </p:extLst>
   </p:cSld>
   <p:clrMapOvr>
     <a:masterClrMapping/>
   </p:clrMapOvr>
+  <p:timing>
+    <p:tnLst>
+      <p:par>
+        <p:cTn id="1" dur="indefinite" restart="never" nodeType="tmRoot"/>
+      </p:par>
+    </p:tnLst>
+  </p:timing>
 </p:sld>
 </file>
 
@@ -10677,7 +11749,7 @@
           <p:cNvPr id="2" name="Slide Number Placeholder 1">
             <a:extLst>
               <a:ext uri="{FF2B5EF4-FFF2-40B4-BE49-F238E27FC236}">
-                <a16:creationId xmlns:a16="http://schemas.microsoft.com/office/drawing/2014/main" id="{1B15144E-FC2F-48B2-816C-9AD7A3CE941F}"/>
+                <a16:creationId xmlns:a16="http://schemas.microsoft.com/office/drawing/2014/main" xmlns="" id="{1B15144E-FC2F-48B2-816C-9AD7A3CE941F}"/>
               </a:ext>
             </a:extLst>
           </p:cNvPr>
@@ -10731,7 +11803,7 @@
           <p:cNvPr id="11" name="Title 1">
             <a:extLst>
               <a:ext uri="{FF2B5EF4-FFF2-40B4-BE49-F238E27FC236}">
-                <a16:creationId xmlns:a16="http://schemas.microsoft.com/office/drawing/2014/main" id="{740BCBA7-717A-47A2-8477-5DFA1EB7879C}"/>
+                <a16:creationId xmlns:a16="http://schemas.microsoft.com/office/drawing/2014/main" xmlns="" id="{740BCBA7-717A-47A2-8477-5DFA1EB7879C}"/>
               </a:ext>
             </a:extLst>
           </p:cNvPr>
@@ -10804,7 +11876,7 @@
           <p:cNvPr id="3" name="Picture 2">
             <a:extLst>
               <a:ext uri="{FF2B5EF4-FFF2-40B4-BE49-F238E27FC236}">
-                <a16:creationId xmlns:a16="http://schemas.microsoft.com/office/drawing/2014/main" id="{981A7895-432E-4EA9-A19D-65C6D04AF091}"/>
+                <a16:creationId xmlns:a16="http://schemas.microsoft.com/office/drawing/2014/main" xmlns="" id="{981A7895-432E-4EA9-A19D-65C6D04AF091}"/>
               </a:ext>
             </a:extLst>
           </p:cNvPr>
@@ -10814,7 +11886,7 @@
           <p:nvPr/>
         </p:nvPicPr>
         <p:blipFill>
-          <a:blip r:embed="rId3"/>
+          <a:blip r:embed="rId3" cstate="print"/>
           <a:stretch>
             <a:fillRect/>
           </a:stretch>
@@ -10832,13 +11904,20 @@
     </p:spTree>
     <p:extLst>
       <p:ext uri="{BB962C8B-B14F-4D97-AF65-F5344CB8AC3E}">
-        <p14:creationId xmlns:p14="http://schemas.microsoft.com/office/powerpoint/2010/main" val="3865177409"/>
+        <p14:creationId xmlns:p14="http://schemas.microsoft.com/office/powerpoint/2010/main" xmlns="" val="3865177409"/>
       </p:ext>
     </p:extLst>
   </p:cSld>
   <p:clrMapOvr>
     <a:masterClrMapping/>
   </p:clrMapOvr>
+  <p:timing>
+    <p:tnLst>
+      <p:par>
+        <p:cTn id="1" dur="indefinite" restart="never" nodeType="tmRoot"/>
+      </p:par>
+    </p:tnLst>
+  </p:timing>
 </p:sld>
 </file>
 
@@ -10864,7 +11943,7 @@
           <p:cNvPr id="2" name="Slide Number Placeholder 1">
             <a:extLst>
               <a:ext uri="{FF2B5EF4-FFF2-40B4-BE49-F238E27FC236}">
-                <a16:creationId xmlns:a16="http://schemas.microsoft.com/office/drawing/2014/main" id="{1B15144E-FC2F-48B2-816C-9AD7A3CE941F}"/>
+                <a16:creationId xmlns:a16="http://schemas.microsoft.com/office/drawing/2014/main" xmlns="" id="{1B15144E-FC2F-48B2-816C-9AD7A3CE941F}"/>
               </a:ext>
             </a:extLst>
           </p:cNvPr>
@@ -10918,7 +11997,7 @@
           <p:cNvPr id="11" name="Title 1">
             <a:extLst>
               <a:ext uri="{FF2B5EF4-FFF2-40B4-BE49-F238E27FC236}">
-                <a16:creationId xmlns:a16="http://schemas.microsoft.com/office/drawing/2014/main" id="{740BCBA7-717A-47A2-8477-5DFA1EB7879C}"/>
+                <a16:creationId xmlns:a16="http://schemas.microsoft.com/office/drawing/2014/main" xmlns="" id="{740BCBA7-717A-47A2-8477-5DFA1EB7879C}"/>
               </a:ext>
             </a:extLst>
           </p:cNvPr>
@@ -10961,7 +12040,7 @@
           </a:lstStyle>
           <a:p>
             <a:r>
-              <a:rPr lang="en-US" sz="3000" b="1" spc="200" dirty="0">
+              <a:rPr lang="en-US" sz="3200" b="1" spc="200" dirty="0">
                 <a:solidFill>
                   <a:srgbClr val="00B0F0"/>
                 </a:solidFill>
@@ -10969,7 +12048,7 @@
               </a:rPr>
               <a:t>Housing First</a:t>
             </a:r>
-            <a:endParaRPr lang="en-US" sz="3000" spc="200" dirty="0">
+            <a:endParaRPr lang="en-US" sz="3200" spc="200" dirty="0">
               <a:latin typeface="Raleway SemiBold" panose="020B0703030101060003" pitchFamily="34" charset="0"/>
             </a:endParaRPr>
           </a:p>
@@ -10977,10 +12056,10 @@
       </p:sp>
       <p:grpSp>
         <p:nvGrpSpPr>
-          <p:cNvPr id="5" name="Group 4">
+          <p:cNvPr id="3" name="Group 4">
             <a:extLst>
               <a:ext uri="{FF2B5EF4-FFF2-40B4-BE49-F238E27FC236}">
-                <a16:creationId xmlns:a16="http://schemas.microsoft.com/office/drawing/2014/main" id="{89EE5C3C-1F39-4384-B1E0-453012FBCBA4}"/>
+                <a16:creationId xmlns:a16="http://schemas.microsoft.com/office/drawing/2014/main" xmlns="" id="{89EE5C3C-1F39-4384-B1E0-453012FBCBA4}"/>
               </a:ext>
             </a:extLst>
           </p:cNvPr>
@@ -10989,18 +12068,18 @@
         </p:nvGrpSpPr>
         <p:grpSpPr>
           <a:xfrm>
-            <a:off x="717527" y="1311519"/>
-            <a:ext cx="7677171" cy="4120823"/>
-            <a:chOff x="700028" y="1416022"/>
-            <a:chExt cx="7677171" cy="4120823"/>
+            <a:off x="717527" y="1300500"/>
+            <a:ext cx="7677171" cy="3327776"/>
+            <a:chOff x="700028" y="1405003"/>
+            <a:chExt cx="7677171" cy="3327776"/>
           </a:xfrm>
         </p:grpSpPr>
         <p:grpSp>
           <p:nvGrpSpPr>
-            <p:cNvPr id="6" name="Group 5">
+            <p:cNvPr id="4" name="Group 5">
               <a:extLst>
                 <a:ext uri="{FF2B5EF4-FFF2-40B4-BE49-F238E27FC236}">
-                  <a16:creationId xmlns:a16="http://schemas.microsoft.com/office/drawing/2014/main" id="{C21044FB-8486-482B-AD33-A23DBA541F68}"/>
+                  <a16:creationId xmlns:a16="http://schemas.microsoft.com/office/drawing/2014/main" xmlns="" id="{C21044FB-8486-482B-AD33-A23DBA541F68}"/>
                 </a:ext>
               </a:extLst>
             </p:cNvPr>
@@ -11010,9 +12089,9 @@
           <p:grpSpPr>
             <a:xfrm>
               <a:off x="700028" y="1416022"/>
-              <a:ext cx="7637143" cy="4118180"/>
+              <a:ext cx="7637143" cy="3314114"/>
               <a:chOff x="3539642" y="2006189"/>
-              <a:chExt cx="5147157" cy="2705033"/>
+              <a:chExt cx="5147157" cy="2176881"/>
             </a:xfrm>
           </p:grpSpPr>
           <p:sp>
@@ -11020,7 +12099,7 @@
               <p:cNvPr id="20" name="Shape 313">
                 <a:extLst>
                   <a:ext uri="{FF2B5EF4-FFF2-40B4-BE49-F238E27FC236}">
-                    <a16:creationId xmlns:a16="http://schemas.microsoft.com/office/drawing/2014/main" id="{7231F093-14D4-4C5F-9892-FC891C0CACBD}"/>
+                    <a16:creationId xmlns:a16="http://schemas.microsoft.com/office/drawing/2014/main" xmlns="" id="{7231F093-14D4-4C5F-9892-FC891C0CACBD}"/>
                   </a:ext>
                 </a:extLst>
               </p:cNvPr>
@@ -11102,7 +12181,7 @@
               <p:cNvPr id="21" name="Shape 317">
                 <a:extLst>
                   <a:ext uri="{FF2B5EF4-FFF2-40B4-BE49-F238E27FC236}">
-                    <a16:creationId xmlns:a16="http://schemas.microsoft.com/office/drawing/2014/main" id="{AD0C470D-0DD0-4844-95BE-674C66203599}"/>
+                    <a16:creationId xmlns:a16="http://schemas.microsoft.com/office/drawing/2014/main" xmlns="" id="{AD0C470D-0DD0-4844-95BE-674C66203599}"/>
                   </a:ext>
                 </a:extLst>
               </p:cNvPr>
@@ -11111,7 +12190,7 @@
             </p:nvSpPr>
             <p:spPr>
               <a:xfrm rot="5400000">
-                <a:off x="6547799" y="1161711"/>
+                <a:off x="6547799" y="1337762"/>
                 <a:ext cx="599468" cy="3678531"/>
               </a:xfrm>
               <a:prstGeom prst="rect">
@@ -11181,10 +12260,10 @@
           </p:sp>
           <p:sp>
             <p:nvSpPr>
-              <p:cNvPr id="22" name="Shape 321">
+              <p:cNvPr id="23" name="Shape 325">
                 <a:extLst>
                   <a:ext uri="{FF2B5EF4-FFF2-40B4-BE49-F238E27FC236}">
-                    <a16:creationId xmlns:a16="http://schemas.microsoft.com/office/drawing/2014/main" id="{43D2FBEC-3A77-46AC-8057-1BDAC1F48CFC}"/>
+                    <a16:creationId xmlns:a16="http://schemas.microsoft.com/office/drawing/2014/main" xmlns="" id="{AA78763D-6D85-4CFF-BA2F-1EAC183CFB18}"/>
                   </a:ext>
                 </a:extLst>
               </p:cNvPr>
@@ -11193,89 +12272,7 @@
             </p:nvSpPr>
             <p:spPr>
               <a:xfrm rot="5400000">
-                <a:off x="6517783" y="1826076"/>
-                <a:ext cx="599468" cy="3738565"/>
-              </a:xfrm>
-              <a:prstGeom prst="rect">
-                <a:avLst/>
-              </a:prstGeom>
-              <a:solidFill>
-                <a:schemeClr val="accent3">
-                  <a:lumMod val="20000"/>
-                  <a:lumOff val="80000"/>
-                </a:schemeClr>
-              </a:solidFill>
-              <a:ln w="25400" cap="flat" cmpd="sng">
-                <a:solidFill>
-                  <a:srgbClr val="D6D0D0">
-                    <a:alpha val="89803"/>
-                  </a:srgbClr>
-                </a:solidFill>
-                <a:prstDash val="solid"/>
-                <a:round/>
-                <a:headEnd type="none" w="med" len="med"/>
-                <a:tailEnd type="none" w="med" len="med"/>
-              </a:ln>
-              <a:effectLst>
-                <a:outerShdw blurRad="50800" dist="38100" algn="l" rotWithShape="0">
-                  <a:prstClr val="black">
-                    <a:alpha val="40000"/>
-                  </a:prstClr>
-                </a:outerShdw>
-              </a:effectLst>
-            </p:spPr>
-            <p:txBody>
-              <a:bodyPr wrap="square" lIns="91425" tIns="91425" rIns="91425" bIns="91425" anchor="ctr" anchorCtr="0">
-                <a:noAutofit/>
-              </a:bodyPr>
-              <a:lstStyle/>
-              <a:p>
-                <a:pPr marL="0" marR="0" lvl="0" indent="0" defTabSz="914400" eaLnBrk="1" fontAlgn="auto" latinLnBrk="0" hangingPunct="1">
-                  <a:lnSpc>
-                    <a:spcPct val="100000"/>
-                  </a:lnSpc>
-                  <a:spcBef>
-                    <a:spcPts val="0"/>
-                  </a:spcBef>
-                  <a:spcAft>
-                    <a:spcPts val="0"/>
-                  </a:spcAft>
-                  <a:buClrTx/>
-                  <a:buSzTx/>
-                  <a:buFontTx/>
-                  <a:buNone/>
-                  <a:tabLst/>
-                  <a:defRPr/>
-                </a:pPr>
-                <a:endParaRPr kumimoji="0" sz="1400" b="0" i="0" u="none" strike="noStrike" kern="0" cap="none" spc="0" normalizeH="0" baseline="0" noProof="0">
-                  <a:ln>
-                    <a:noFill/>
-                  </a:ln>
-                  <a:effectLst/>
-                  <a:uLnTx/>
-                  <a:uFillTx/>
-                  <a:latin typeface="Arial"/>
-                  <a:cs typeface="Arial"/>
-                  <a:sym typeface="Arial"/>
-                </a:endParaRPr>
-              </a:p>
-            </p:txBody>
-          </p:sp>
-          <p:sp>
-            <p:nvSpPr>
-              <p:cNvPr id="23" name="Shape 325">
-                <a:extLst>
-                  <a:ext uri="{FF2B5EF4-FFF2-40B4-BE49-F238E27FC236}">
-                    <a16:creationId xmlns:a16="http://schemas.microsoft.com/office/drawing/2014/main" id="{AA78763D-6D85-4CFF-BA2F-1EAC183CFB18}"/>
-                  </a:ext>
-                </a:extLst>
-              </p:cNvPr>
-              <p:cNvSpPr/>
-              <p:nvPr/>
-            </p:nvSpPr>
-            <p:spPr>
-              <a:xfrm rot="5400000">
-                <a:off x="6517783" y="2542205"/>
+                <a:off x="6517783" y="2014053"/>
                 <a:ext cx="599468" cy="3738565"/>
               </a:xfrm>
               <a:prstGeom prst="rect">
@@ -11349,7 +12346,7 @@
             <p:cNvPr id="8" name="Rectangle: Rounded Corners 7">
               <a:extLst>
                 <a:ext uri="{FF2B5EF4-FFF2-40B4-BE49-F238E27FC236}">
-                  <a16:creationId xmlns:a16="http://schemas.microsoft.com/office/drawing/2014/main" id="{C7C3052C-4547-421C-94FE-776156F489DF}"/>
+                  <a16:creationId xmlns:a16="http://schemas.microsoft.com/office/drawing/2014/main" xmlns="" id="{C7C3052C-4547-421C-94FE-776156F489DF}"/>
                 </a:ext>
               </a:extLst>
             </p:cNvPr>
@@ -11360,95 +12357,7 @@
           </p:nvSpPr>
           <p:spPr bwMode="auto">
             <a:xfrm>
-              <a:off x="771832" y="2484100"/>
-              <a:ext cx="2232211" cy="914400"/>
-            </a:xfrm>
-            <a:prstGeom prst="roundRect">
-              <a:avLst>
-                <a:gd name="adj" fmla="val 9960"/>
-              </a:avLst>
-            </a:prstGeom>
-            <a:solidFill>
-              <a:schemeClr val="accent5">
-                <a:lumMod val="40000"/>
-                <a:lumOff val="60000"/>
-              </a:schemeClr>
-            </a:solidFill>
-            <a:ln w="33338" cap="rnd">
-              <a:solidFill>
-                <a:schemeClr val="accent5">
-                  <a:lumMod val="75000"/>
-                </a:schemeClr>
-              </a:solidFill>
-              <a:prstDash val="solid"/>
-              <a:round/>
-              <a:headEnd/>
-              <a:tailEnd/>
-            </a:ln>
-            <a:effectLst>
-              <a:outerShdw blurRad="254000" dist="127000" dir="5400000" algn="t" rotWithShape="0">
-                <a:schemeClr val="tx1">
-                  <a:lumMod val="95000"/>
-                  <a:lumOff val="5000"/>
-                  <a:alpha val="20000"/>
-                </a:schemeClr>
-              </a:outerShdw>
-            </a:effectLst>
-          </p:spPr>
-          <p:txBody>
-            <a:bodyPr vert="horz" wrap="square" lIns="91440" tIns="45720" rIns="91440" bIns="45720" numCol="1" anchor="t" anchorCtr="0" compatLnSpc="1">
-              <a:prstTxWarp prst="textNoShape">
-                <a:avLst/>
-              </a:prstTxWarp>
-              <a:noAutofit/>
-            </a:bodyPr>
-            <a:lstStyle/>
-            <a:p>
-              <a:pPr marL="0" marR="0" lvl="0" indent="0" defTabSz="914400" eaLnBrk="1" fontAlgn="auto" latinLnBrk="0" hangingPunct="1">
-                <a:lnSpc>
-                  <a:spcPct val="100000"/>
-                </a:lnSpc>
-                <a:spcBef>
-                  <a:spcPts val="0"/>
-                </a:spcBef>
-                <a:spcAft>
-                  <a:spcPts val="0"/>
-                </a:spcAft>
-                <a:buClrTx/>
-                <a:buSzTx/>
-                <a:buFontTx/>
-                <a:buNone/>
-                <a:tabLst/>
-                <a:defRPr/>
-              </a:pPr>
-              <a:endParaRPr kumimoji="0" lang="en-US" sz="1500" b="0" i="0" u="none" strike="noStrike" kern="0" cap="none" spc="100" normalizeH="0" noProof="0" dirty="0">
-                <a:ln>
-                  <a:noFill/>
-                </a:ln>
-                <a:effectLst/>
-                <a:uLnTx/>
-                <a:uFillTx/>
-              </a:endParaRPr>
-            </a:p>
-          </p:txBody>
-        </p:sp>
-        <p:sp>
-          <p:nvSpPr>
-            <p:cNvPr id="9" name="Rectangle: Rounded Corners 8">
-              <a:extLst>
-                <a:ext uri="{FF2B5EF4-FFF2-40B4-BE49-F238E27FC236}">
-                  <a16:creationId xmlns:a16="http://schemas.microsoft.com/office/drawing/2014/main" id="{DD586DAA-D0BD-4C53-837E-041AB7E874B2}"/>
-                </a:ext>
-              </a:extLst>
-            </p:cNvPr>
-            <p:cNvSpPr>
-              <a:spLocks/>
-            </p:cNvSpPr>
-            <p:nvPr/>
-          </p:nvSpPr>
-          <p:spPr bwMode="auto">
-            <a:xfrm>
-              <a:off x="771833" y="3537226"/>
+              <a:off x="771832" y="2752122"/>
               <a:ext cx="2232211" cy="914400"/>
             </a:xfrm>
             <a:prstGeom prst="roundRect">
@@ -11525,7 +12434,7 @@
             <p:cNvPr id="10" name="Rectangle: Rounded Corners 9">
               <a:extLst>
                 <a:ext uri="{FF2B5EF4-FFF2-40B4-BE49-F238E27FC236}">
-                  <a16:creationId xmlns:a16="http://schemas.microsoft.com/office/drawing/2014/main" id="{97456495-A1B7-4A4E-992A-9C87F0589E7B}"/>
+                  <a16:creationId xmlns:a16="http://schemas.microsoft.com/office/drawing/2014/main" xmlns="" id="{97456495-A1B7-4A4E-992A-9C87F0589E7B}"/>
                 </a:ext>
               </a:extLst>
             </p:cNvPr>
@@ -11536,7 +12445,7 @@
           </p:nvSpPr>
           <p:spPr bwMode="auto">
             <a:xfrm>
-              <a:off x="771833" y="4622445"/>
+              <a:off x="771833" y="3818379"/>
               <a:ext cx="2232211" cy="914400"/>
             </a:xfrm>
             <a:prstGeom prst="roundRect">
@@ -11613,7 +12522,7 @@
             <p:cNvPr id="13" name="Shape 320">
               <a:extLst>
                 <a:ext uri="{FF2B5EF4-FFF2-40B4-BE49-F238E27FC236}">
-                  <a16:creationId xmlns:a16="http://schemas.microsoft.com/office/drawing/2014/main" id="{F620058F-26BE-42C1-8150-A348CAE979BC}"/>
+                  <a16:creationId xmlns:a16="http://schemas.microsoft.com/office/drawing/2014/main" xmlns="" id="{F620058F-26BE-42C1-8150-A348CAE979BC}"/>
                 </a:ext>
               </a:extLst>
             </p:cNvPr>
@@ -11622,7 +12531,7 @@
           </p:nvSpPr>
           <p:spPr>
             <a:xfrm>
-              <a:off x="771833" y="2623311"/>
+              <a:off x="771833" y="2891333"/>
               <a:ext cx="2232209" cy="676175"/>
             </a:xfrm>
             <a:prstGeom prst="rect">
@@ -11659,28 +12568,12 @@
                 <a:defRPr/>
               </a:pPr>
               <a:r>
-                <a:rPr lang="en" sz="1500" b="1" kern="0" spc="100" dirty="0">
+                <a:rPr lang="en" sz="1500" b="1" kern="0" spc="100" dirty="0" smtClean="0">
                   <a:ea typeface="Architects Daughter"/>
                   <a:cs typeface="Architects Daughter"/>
                   <a:sym typeface="Architects Daughter"/>
                 </a:rPr>
-                <a:t>Homeless </a:t>
-              </a:r>
-              <a:r>
-                <a:rPr lang="en-US" sz="1500" b="1" kern="0" spc="100" dirty="0">
-                  <a:ea typeface="Architects Daughter"/>
-                  <a:cs typeface="Architects Daughter"/>
-                  <a:sym typeface="Architects Daughter"/>
-                </a:rPr>
-                <a:t>Count</a:t>
-              </a:r>
-              <a:r>
-                <a:rPr lang="en" sz="1500" b="1" kern="0" spc="100" dirty="0">
-                  <a:ea typeface="Architects Daughter"/>
-                  <a:cs typeface="Architects Daughter"/>
-                  <a:sym typeface="Architects Daughter"/>
-                </a:rPr>
-                <a:t>s</a:t>
+                <a:t>HOUSTON</a:t>
               </a:r>
               <a:endParaRPr kumimoji="0" lang="en" sz="1500" b="1" i="0" u="none" strike="noStrike" kern="0" cap="none" spc="100" normalizeH="0" noProof="0" dirty="0">
                 <a:ln>
@@ -11698,10 +12591,10 @@
         </p:sp>
         <p:sp>
           <p:nvSpPr>
-            <p:cNvPr id="14" name="Shape 324">
+            <p:cNvPr id="15" name="Shape 328">
               <a:extLst>
                 <a:ext uri="{FF2B5EF4-FFF2-40B4-BE49-F238E27FC236}">
-                  <a16:creationId xmlns:a16="http://schemas.microsoft.com/office/drawing/2014/main" id="{9241850F-0705-41A4-8D4F-BCAA636B8FFB}"/>
+                  <a16:creationId xmlns:a16="http://schemas.microsoft.com/office/drawing/2014/main" xmlns="" id="{6D495623-8B72-4586-B171-3C56FAC45B58}"/>
                 </a:ext>
               </a:extLst>
             </p:cNvPr>
@@ -11710,7 +12603,7 @@
           </p:nvSpPr>
           <p:spPr>
             <a:xfrm>
-              <a:off x="771833" y="3661802"/>
+              <a:off x="771833" y="3934278"/>
               <a:ext cx="2232209" cy="676175"/>
             </a:xfrm>
             <a:prstGeom prst="rect">
@@ -11747,84 +12640,12 @@
                 <a:defRPr/>
               </a:pPr>
               <a:r>
-                <a:rPr lang="en-US" sz="1500" b="1" kern="0" spc="100" dirty="0">
+                <a:rPr lang="en-US" sz="1500" b="1" kern="0" spc="100" dirty="0" smtClean="0">
                   <a:ea typeface="Architects Daughter"/>
                   <a:cs typeface="Architects Daughter"/>
                   <a:sym typeface="Architects Daughter"/>
                 </a:rPr>
-                <a:t>Other Factors</a:t>
-              </a:r>
-              <a:endParaRPr kumimoji="0" lang="en" sz="1500" b="1" i="0" u="none" strike="noStrike" kern="0" cap="none" spc="100" normalizeH="0" noProof="0" dirty="0">
-                <a:ln>
-                  <a:noFill/>
-                </a:ln>
-                <a:effectLst/>
-                <a:uLnTx/>
-                <a:uFillTx/>
-                <a:ea typeface="Architects Daughter"/>
-                <a:cs typeface="Architects Daughter"/>
-                <a:sym typeface="Architects Daughter"/>
-              </a:endParaRPr>
-            </a:p>
-          </p:txBody>
-        </p:sp>
-        <p:sp>
-          <p:nvSpPr>
-            <p:cNvPr id="15" name="Shape 328">
-              <a:extLst>
-                <a:ext uri="{FF2B5EF4-FFF2-40B4-BE49-F238E27FC236}">
-                  <a16:creationId xmlns:a16="http://schemas.microsoft.com/office/drawing/2014/main" id="{6D495623-8B72-4586-B171-3C56FAC45B58}"/>
-                </a:ext>
-              </a:extLst>
-            </p:cNvPr>
-            <p:cNvSpPr txBox="1"/>
-            <p:nvPr/>
-          </p:nvSpPr>
-          <p:spPr>
-            <a:xfrm>
-              <a:off x="771833" y="4738344"/>
-              <a:ext cx="2232209" cy="676175"/>
-            </a:xfrm>
-            <a:prstGeom prst="rect">
-              <a:avLst/>
-            </a:prstGeom>
-            <a:noFill/>
-            <a:ln>
-              <a:noFill/>
-            </a:ln>
-          </p:spPr>
-          <p:txBody>
-            <a:bodyPr wrap="square" lIns="76200" tIns="38100" rIns="76200" bIns="38100" anchor="ctr" anchorCtr="0">
-              <a:noAutofit/>
-            </a:bodyPr>
-            <a:lstStyle/>
-            <a:p>
-              <a:pPr marL="0" marR="0" lvl="0" indent="0" algn="ctr" defTabSz="914400" eaLnBrk="1" fontAlgn="auto" latinLnBrk="0" hangingPunct="1">
-                <a:lnSpc>
-                  <a:spcPct val="90000"/>
-                </a:lnSpc>
-                <a:spcBef>
-                  <a:spcPts val="0"/>
-                </a:spcBef>
-                <a:spcAft>
-                  <a:spcPts val="0"/>
-                </a:spcAft>
-                <a:buClr>
-                  <a:srgbClr val="FFFFFF"/>
-                </a:buClr>
-                <a:buSzPct val="25000"/>
-                <a:buFont typeface="Architects Daughter"/>
-                <a:buNone/>
-                <a:tabLst/>
-                <a:defRPr/>
-              </a:pPr>
-              <a:r>
-                <a:rPr lang="en-US" sz="1500" b="1" kern="0" spc="100" dirty="0">
-                  <a:ea typeface="Architects Daughter"/>
-                  <a:cs typeface="Architects Daughter"/>
-                  <a:sym typeface="Architects Daughter"/>
-                </a:rPr>
-                <a:t>Innovative Approach</a:t>
+                <a:t>ORLANDO</a:t>
               </a:r>
               <a:endParaRPr kumimoji="0" lang="en" sz="1500" b="1" i="0" u="none" strike="noStrike" kern="0" cap="none" spc="100" normalizeH="0" noProof="0" dirty="0">
                 <a:ln>
@@ -11845,7 +12666,7 @@
             <p:cNvPr id="16" name="Rectangle 15">
               <a:extLst>
                 <a:ext uri="{FF2B5EF4-FFF2-40B4-BE49-F238E27FC236}">
-                  <a16:creationId xmlns:a16="http://schemas.microsoft.com/office/drawing/2014/main" id="{113E4927-F72E-46B9-AF08-12B530DBADCE}"/>
+                  <a16:creationId xmlns:a16="http://schemas.microsoft.com/office/drawing/2014/main" xmlns="" id="{113E4927-F72E-46B9-AF08-12B530DBADCE}"/>
                 </a:ext>
               </a:extLst>
             </p:cNvPr>
@@ -11854,8 +12675,8 @@
           </p:nvSpPr>
           <p:spPr>
             <a:xfrm>
-              <a:off x="1163601" y="1625721"/>
-              <a:ext cx="6808803" cy="523220"/>
+              <a:off x="1132070" y="1405003"/>
+              <a:ext cx="6808803" cy="954107"/>
             </a:xfrm>
             <a:prstGeom prst="rect">
               <a:avLst/>
@@ -11867,16 +12688,33 @@
             </a:bodyPr>
             <a:lstStyle/>
             <a:p>
-              <a:pPr>
+              <a:pPr algn="ctr">
                 <a:buClr>
                   <a:srgbClr val="002060"/>
                 </a:buClr>
                 <a:buSzPct val="120000"/>
               </a:pPr>
               <a:r>
-                <a:rPr lang="en-US" sz="2800" b="1" spc="90" dirty="0"/>
-                <a:t>New York – strategies adopted</a:t>
+                <a:rPr lang="en-US" sz="2800" b="1" spc="90" dirty="0" smtClean="0"/>
+                <a:t>Strategy – Offer Affordable Housing</a:t>
               </a:r>
+            </a:p>
+            <a:p>
+              <a:pPr algn="ctr">
+                <a:buClr>
+                  <a:srgbClr val="002060"/>
+                </a:buClr>
+                <a:buSzPct val="120000"/>
+              </a:pPr>
+              <a:r>
+                <a:rPr lang="en-US" sz="2800" b="1" spc="90" dirty="0" smtClean="0"/>
+                <a:t>&amp;</a:t>
+              </a:r>
+              <a:r>
+                <a:rPr lang="en-US" sz="2800" b="1" spc="90" dirty="0" smtClean="0"/>
+                <a:t> Supportive Services</a:t>
+              </a:r>
+              <a:endParaRPr lang="en-US" sz="2800" b="1" spc="90" dirty="0"/>
             </a:p>
           </p:txBody>
         </p:sp>
@@ -11885,7 +12723,7 @@
             <p:cNvPr id="17" name="Rectangle 16">
               <a:extLst>
                 <a:ext uri="{FF2B5EF4-FFF2-40B4-BE49-F238E27FC236}">
-                  <a16:creationId xmlns:a16="http://schemas.microsoft.com/office/drawing/2014/main" id="{F6B5CFF3-54E6-45E3-8EBC-850F8C99CBB8}"/>
+                  <a16:creationId xmlns:a16="http://schemas.microsoft.com/office/drawing/2014/main" xmlns="" id="{F6B5CFF3-54E6-45E3-8EBC-850F8C99CBB8}"/>
                 </a:ext>
               </a:extLst>
             </p:cNvPr>
@@ -11894,7 +12732,7 @@
           </p:nvSpPr>
           <p:spPr>
             <a:xfrm>
-              <a:off x="3197776" y="2597101"/>
+              <a:off x="3197776" y="2865123"/>
               <a:ext cx="5179423" cy="646331"/>
             </a:xfrm>
             <a:prstGeom prst="rect">
@@ -11916,8 +12754,8 @@
                 <a:buChar char="§"/>
               </a:pPr>
               <a:r>
-                <a:rPr lang="en-US" spc="90" dirty="0"/>
-                <a:t>Largest homeless population (77,000)</a:t>
+                <a:rPr lang="en-US" spc="90" dirty="0" smtClean="0"/>
+                <a:t>Provide affordable housing</a:t>
               </a:r>
             </a:p>
             <a:p>
@@ -11930,18 +12768,19 @@
                 <a:buChar char="§"/>
               </a:pPr>
               <a:r>
-                <a:rPr lang="en-US" spc="90" dirty="0"/>
-                <a:t>Exploded by over 100% since 1994</a:t>
+                <a:rPr lang="en-US" spc="90" dirty="0" smtClean="0"/>
+                <a:t>Reduction in Unsheltered counts</a:t>
               </a:r>
+              <a:endParaRPr lang="en-US" spc="90" dirty="0"/>
             </a:p>
           </p:txBody>
         </p:sp>
         <p:sp>
           <p:nvSpPr>
-            <p:cNvPr id="18" name="Rectangle 17">
+            <p:cNvPr id="19" name="Rectangle 18">
               <a:extLst>
                 <a:ext uri="{FF2B5EF4-FFF2-40B4-BE49-F238E27FC236}">
-                  <a16:creationId xmlns:a16="http://schemas.microsoft.com/office/drawing/2014/main" id="{66A6A2DB-CC85-4C8F-A05B-97E4DA67BB5F}"/>
+                  <a16:creationId xmlns:a16="http://schemas.microsoft.com/office/drawing/2014/main" xmlns="" id="{46631439-14E2-4984-8489-575F895D4BFF}"/>
                 </a:ext>
               </a:extLst>
             </p:cNvPr>
@@ -11950,63 +12789,7 @@
           </p:nvSpPr>
           <p:spPr>
             <a:xfrm>
-              <a:off x="3140749" y="3670779"/>
-              <a:ext cx="5124618" cy="646331"/>
-            </a:xfrm>
-            <a:prstGeom prst="rect">
-              <a:avLst/>
-            </a:prstGeom>
-          </p:spPr>
-          <p:txBody>
-            <a:bodyPr wrap="square">
-              <a:spAutoFit/>
-            </a:bodyPr>
-            <a:lstStyle/>
-            <a:p>
-              <a:pPr marL="285750" indent="-285750">
-                <a:buClr>
-                  <a:srgbClr val="002060"/>
-                </a:buClr>
-                <a:buSzPct val="120000"/>
-                <a:buFont typeface="Wingdings" panose="05000000000000000000" pitchFamily="2" charset="2"/>
-                <a:buChar char="§"/>
-              </a:pPr>
-              <a:r>
-                <a:rPr lang="en-US" spc="90" dirty="0"/>
-                <a:t>Rents gone up around 19%</a:t>
-              </a:r>
-            </a:p>
-            <a:p>
-              <a:pPr marL="285750" indent="-285750">
-                <a:buClr>
-                  <a:srgbClr val="002060"/>
-                </a:buClr>
-                <a:buSzPct val="120000"/>
-                <a:buFont typeface="Wingdings" panose="05000000000000000000" pitchFamily="2" charset="2"/>
-                <a:buChar char="§"/>
-              </a:pPr>
-              <a:r>
-                <a:rPr lang="en-US" spc="90" dirty="0"/>
-                <a:t>Income gone down 6.3%</a:t>
-              </a:r>
-            </a:p>
-          </p:txBody>
-        </p:sp>
-        <p:sp>
-          <p:nvSpPr>
-            <p:cNvPr id="19" name="Rectangle 18">
-              <a:extLst>
-                <a:ext uri="{FF2B5EF4-FFF2-40B4-BE49-F238E27FC236}">
-                  <a16:creationId xmlns:a16="http://schemas.microsoft.com/office/drawing/2014/main" id="{46631439-14E2-4984-8489-575F895D4BFF}"/>
-                </a:ext>
-              </a:extLst>
-            </p:cNvPr>
-            <p:cNvSpPr/>
-            <p:nvPr/>
-          </p:nvSpPr>
-          <p:spPr>
-            <a:xfrm>
-              <a:off x="3157746" y="4748994"/>
+              <a:off x="3157746" y="3944928"/>
               <a:ext cx="5179423" cy="646331"/>
             </a:xfrm>
             <a:prstGeom prst="rect">
@@ -12028,9 +12811,10 @@
                 <a:buChar char="§"/>
               </a:pPr>
               <a:r>
-                <a:rPr lang="en-US" spc="90" dirty="0"/>
-                <a:t>Close down low-quality shelters</a:t>
+                <a:rPr lang="en-US" spc="90" dirty="0" smtClean="0"/>
+                <a:t>Housing First – shown positive results</a:t>
               </a:r>
+              <a:endParaRPr lang="en-US" spc="90" dirty="0"/>
             </a:p>
             <a:p>
               <a:pPr marL="285750" indent="-285750">
@@ -12042,9 +12826,10 @@
                 <a:buChar char="§"/>
               </a:pPr>
               <a:r>
-                <a:rPr lang="en-US" spc="90" dirty="0"/>
-                <a:t>Build new shelters + affordable housing units</a:t>
+                <a:rPr lang="en-US" spc="90" dirty="0" smtClean="0"/>
+                <a:t>Reduction in Chronically homeless </a:t>
               </a:r>
+              <a:endParaRPr lang="en-US" spc="90" dirty="0"/>
             </a:p>
           </p:txBody>
         </p:sp>
@@ -12052,13 +12837,20 @@
     </p:spTree>
     <p:extLst>
       <p:ext uri="{BB962C8B-B14F-4D97-AF65-F5344CB8AC3E}">
-        <p14:creationId xmlns:p14="http://schemas.microsoft.com/office/powerpoint/2010/main" val="3305591718"/>
+        <p14:creationId xmlns:p14="http://schemas.microsoft.com/office/powerpoint/2010/main" xmlns="" val="3305591718"/>
       </p:ext>
     </p:extLst>
   </p:cSld>
   <p:clrMapOvr>
     <a:masterClrMapping/>
   </p:clrMapOvr>
+  <p:timing>
+    <p:tnLst>
+      <p:par>
+        <p:cTn id="1" dur="indefinite" restart="never" nodeType="tmRoot"/>
+      </p:par>
+    </p:tnLst>
+  </p:timing>
 </p:sld>
 </file>
 
@@ -12081,10 +12873,914 @@
       </p:grpSpPr>
       <p:pic>
         <p:nvPicPr>
+          <p:cNvPr id="1026" name="Picture 2"/>
+          <p:cNvPicPr>
+            <a:picLocks noChangeAspect="1" noChangeArrowheads="1"/>
+          </p:cNvPicPr>
+          <p:nvPr/>
+        </p:nvPicPr>
+        <p:blipFill>
+          <a:blip r:embed="rId3" cstate="print"/>
+          <a:srcRect/>
+          <a:stretch>
+            <a:fillRect/>
+          </a:stretch>
+        </p:blipFill>
+        <p:spPr bwMode="auto">
+          <a:xfrm>
+            <a:off x="425668" y="2002221"/>
+            <a:ext cx="8418787" cy="3336370"/>
+          </a:xfrm>
+          <a:prstGeom prst="rect">
+            <a:avLst/>
+          </a:prstGeom>
+          <a:noFill/>
+          <a:ln w="9525">
+            <a:noFill/>
+            <a:miter lim="800000"/>
+            <a:headEnd/>
+            <a:tailEnd/>
+          </a:ln>
+          <a:effectLst/>
+        </p:spPr>
+      </p:pic>
+      <p:sp>
+        <p:nvSpPr>
+          <p:cNvPr id="2" name="Slide Number Placeholder 1">
+            <a:extLst>
+              <a:ext uri="{FF2B5EF4-FFF2-40B4-BE49-F238E27FC236}">
+                <a16:creationId xmlns:a16="http://schemas.microsoft.com/office/drawing/2014/main" xmlns="" id="{1B15144E-FC2F-48B2-816C-9AD7A3CE941F}"/>
+              </a:ext>
+            </a:extLst>
+          </p:cNvPr>
+          <p:cNvSpPr>
+            <a:spLocks noGrp="1"/>
+          </p:cNvSpPr>
+          <p:nvPr>
+            <p:ph type="sldNum" sz="quarter" idx="12"/>
+          </p:nvPr>
+        </p:nvSpPr>
+        <p:spPr>
+          <a:xfrm>
+            <a:off x="3543300" y="6128104"/>
+            <a:ext cx="2057400" cy="365125"/>
+          </a:xfrm>
+        </p:spPr>
+        <p:txBody>
+          <a:bodyPr/>
+          <a:lstStyle/>
+          <a:p>
+            <a:r>
+              <a:rPr lang="en-GB" dirty="0">
+                <a:solidFill>
+                  <a:schemeClr val="tx1"/>
+                </a:solidFill>
+              </a:rPr>
+              <a:t>-</a:t>
+            </a:r>
+            <a:fld id="{639C7060-0A1E-4265-8BBE-17D58E27BD54}" type="slidenum">
+              <a:rPr lang="en-GB" smtClean="0">
+                <a:solidFill>
+                  <a:schemeClr val="tx1"/>
+                </a:solidFill>
+              </a:rPr>
+              <a:pPr/>
+              <a:t>6</a:t>
+            </a:fld>
+            <a:r>
+              <a:rPr lang="en-GB" dirty="0">
+                <a:solidFill>
+                  <a:schemeClr val="tx1"/>
+                </a:solidFill>
+              </a:rPr>
+              <a:t>-</a:t>
+            </a:r>
+          </a:p>
+        </p:txBody>
+      </p:sp>
+      <p:sp>
+        <p:nvSpPr>
+          <p:cNvPr id="11" name="Title 1">
+            <a:extLst>
+              <a:ext uri="{FF2B5EF4-FFF2-40B4-BE49-F238E27FC236}">
+                <a16:creationId xmlns:a16="http://schemas.microsoft.com/office/drawing/2014/main" xmlns="" id="{740BCBA7-717A-47A2-8477-5DFA1EB7879C}"/>
+              </a:ext>
+            </a:extLst>
+          </p:cNvPr>
+          <p:cNvSpPr txBox="1">
+            <a:spLocks/>
+          </p:cNvSpPr>
+          <p:nvPr/>
+        </p:nvSpPr>
+        <p:spPr>
+          <a:xfrm>
+            <a:off x="677916" y="294320"/>
+            <a:ext cx="7716781" cy="703366"/>
+          </a:xfrm>
+          <a:prstGeom prst="rect">
+            <a:avLst/>
+          </a:prstGeom>
+        </p:spPr>
+        <p:txBody>
+          <a:bodyPr>
+            <a:normAutofit/>
+          </a:bodyPr>
+          <a:lstStyle>
+            <a:lvl1pPr algn="l" defTabSz="914400" rtl="0" eaLnBrk="1" latinLnBrk="0" hangingPunct="1">
+              <a:lnSpc>
+                <a:spcPct val="90000"/>
+              </a:lnSpc>
+              <a:spcBef>
+                <a:spcPct val="0"/>
+              </a:spcBef>
+              <a:buNone/>
+              <a:defRPr sz="4400" kern="1200">
+                <a:solidFill>
+                  <a:schemeClr val="tx1"/>
+                </a:solidFill>
+                <a:latin typeface="Open Sans" panose="020B0606030504020204" pitchFamily="34" charset="0"/>
+                <a:ea typeface="Open Sans" panose="020B0606030504020204" pitchFamily="34" charset="0"/>
+                <a:cs typeface="Open Sans" panose="020B0606030504020204" pitchFamily="34" charset="0"/>
+              </a:defRPr>
+            </a:lvl1pPr>
+          </a:lstStyle>
+          <a:p>
+            <a:r>
+              <a:rPr lang="en-US" sz="3200" b="1" spc="200" dirty="0" smtClean="0">
+                <a:solidFill>
+                  <a:srgbClr val="00B0F0"/>
+                </a:solidFill>
+                <a:latin typeface="Raleway SemiBold" panose="020B0703030101060003" pitchFamily="34" charset="0"/>
+              </a:rPr>
+              <a:t>Houston</a:t>
+            </a:r>
+            <a:endParaRPr lang="en-US" sz="3200" spc="200" dirty="0">
+              <a:latin typeface="Raleway SemiBold" panose="020B0703030101060003" pitchFamily="34" charset="0"/>
+            </a:endParaRPr>
+          </a:p>
+        </p:txBody>
+      </p:sp>
+      <p:grpSp>
+        <p:nvGrpSpPr>
+          <p:cNvPr id="5" name="Group 4">
+            <a:extLst>
+              <a:ext uri="{FF2B5EF4-FFF2-40B4-BE49-F238E27FC236}">
+                <a16:creationId xmlns:a16="http://schemas.microsoft.com/office/drawing/2014/main" xmlns="" id="{89EE5C3C-1F39-4384-B1E0-453012FBCBA4}"/>
+              </a:ext>
+            </a:extLst>
+          </p:cNvPr>
+          <p:cNvGrpSpPr/>
+          <p:nvPr/>
+        </p:nvGrpSpPr>
+        <p:grpSpPr>
+          <a:xfrm>
+            <a:off x="717527" y="977461"/>
+            <a:ext cx="7764320" cy="1418968"/>
+            <a:chOff x="700028" y="1507646"/>
+            <a:chExt cx="7764320" cy="1418968"/>
+          </a:xfrm>
+        </p:grpSpPr>
+        <p:sp>
+          <p:nvSpPr>
+            <p:cNvPr id="20" name="Shape 313">
+              <a:extLst>
+                <a:ext uri="{FF2B5EF4-FFF2-40B4-BE49-F238E27FC236}">
+                  <a16:creationId xmlns:a16="http://schemas.microsoft.com/office/drawing/2014/main" xmlns="" id="{7231F093-14D4-4C5F-9892-FC891C0CACBD}"/>
+                </a:ext>
+              </a:extLst>
+            </p:cNvPr>
+            <p:cNvSpPr/>
+            <p:nvPr/>
+          </p:nvSpPr>
+          <p:spPr>
+            <a:xfrm rot="5400000">
+              <a:off x="4167388" y="-1959714"/>
+              <a:ext cx="630619" cy="7565340"/>
+            </a:xfrm>
+            <a:prstGeom prst="rect">
+              <a:avLst/>
+            </a:prstGeom>
+            <a:solidFill>
+              <a:schemeClr val="accent3">
+                <a:lumMod val="20000"/>
+                <a:lumOff val="80000"/>
+              </a:schemeClr>
+            </a:solidFill>
+            <a:ln w="25400" cap="flat" cmpd="sng">
+              <a:solidFill>
+                <a:srgbClr val="CBCBCB">
+                  <a:alpha val="89803"/>
+                </a:srgbClr>
+              </a:solidFill>
+              <a:prstDash val="solid"/>
+              <a:round/>
+              <a:headEnd type="none" w="med" len="med"/>
+              <a:tailEnd type="none" w="med" len="med"/>
+            </a:ln>
+            <a:effectLst>
+              <a:outerShdw blurRad="50800" dist="38100" algn="l" rotWithShape="0">
+                <a:prstClr val="black">
+                  <a:alpha val="40000"/>
+                </a:prstClr>
+              </a:outerShdw>
+            </a:effectLst>
+          </p:spPr>
+          <p:txBody>
+            <a:bodyPr wrap="square" lIns="91425" tIns="91425" rIns="91425" bIns="91425" anchor="ctr" anchorCtr="0">
+              <a:noAutofit/>
+            </a:bodyPr>
+            <a:lstStyle/>
+            <a:p>
+              <a:pPr marL="0" marR="0" lvl="0" indent="0" defTabSz="914400" eaLnBrk="1" fontAlgn="auto" latinLnBrk="0" hangingPunct="1">
+                <a:lnSpc>
+                  <a:spcPct val="100000"/>
+                </a:lnSpc>
+                <a:spcBef>
+                  <a:spcPts val="0"/>
+                </a:spcBef>
+                <a:spcAft>
+                  <a:spcPts val="0"/>
+                </a:spcAft>
+                <a:buClrTx/>
+                <a:buSzTx/>
+                <a:buFontTx/>
+                <a:buNone/>
+                <a:tabLst/>
+                <a:defRPr/>
+              </a:pPr>
+              <a:endParaRPr kumimoji="0" sz="1400" b="0" i="0" u="none" strike="noStrike" kern="0" cap="none" spc="0" normalizeH="0" baseline="0" noProof="0">
+                <a:ln>
+                  <a:noFill/>
+                </a:ln>
+                <a:effectLst/>
+                <a:uLnTx/>
+                <a:uFillTx/>
+                <a:latin typeface="Arial"/>
+                <a:cs typeface="Arial"/>
+                <a:sym typeface="Arial"/>
+              </a:endParaRPr>
+            </a:p>
+          </p:txBody>
+        </p:sp>
+        <p:sp>
+          <p:nvSpPr>
+            <p:cNvPr id="16" name="Rectangle 15">
+              <a:extLst>
+                <a:ext uri="{FF2B5EF4-FFF2-40B4-BE49-F238E27FC236}">
+                  <a16:creationId xmlns:a16="http://schemas.microsoft.com/office/drawing/2014/main" xmlns="" id="{113E4927-F72E-46B9-AF08-12B530DBADCE}"/>
+                </a:ext>
+              </a:extLst>
+            </p:cNvPr>
+            <p:cNvSpPr/>
+            <p:nvPr/>
+          </p:nvSpPr>
+          <p:spPr>
+            <a:xfrm>
+              <a:off x="1147835" y="1609954"/>
+              <a:ext cx="6808803" cy="461665"/>
+            </a:xfrm>
+            <a:prstGeom prst="rect">
+              <a:avLst/>
+            </a:prstGeom>
+          </p:spPr>
+          <p:txBody>
+            <a:bodyPr wrap="square">
+              <a:spAutoFit/>
+            </a:bodyPr>
+            <a:lstStyle/>
+            <a:p>
+              <a:pPr algn="ctr">
+                <a:buClr>
+                  <a:srgbClr val="002060"/>
+                </a:buClr>
+                <a:buSzPct val="120000"/>
+              </a:pPr>
+              <a:r>
+                <a:rPr lang="en-US" sz="2400" b="1" spc="90" dirty="0" smtClean="0"/>
+                <a:t>Unsheltered counts down by 75% since 2011</a:t>
+              </a:r>
+              <a:endParaRPr lang="en-US" sz="2800" b="1" spc="90" dirty="0"/>
+            </a:p>
+          </p:txBody>
+        </p:sp>
+        <p:sp>
+          <p:nvSpPr>
+            <p:cNvPr id="17" name="Rectangle 16">
+              <a:extLst>
+                <a:ext uri="{FF2B5EF4-FFF2-40B4-BE49-F238E27FC236}">
+                  <a16:creationId xmlns:a16="http://schemas.microsoft.com/office/drawing/2014/main" xmlns="" id="{F6B5CFF3-54E6-45E3-8EBC-850F8C99CBB8}"/>
+                </a:ext>
+              </a:extLst>
+            </p:cNvPr>
+            <p:cNvSpPr/>
+            <p:nvPr/>
+          </p:nvSpPr>
+          <p:spPr>
+            <a:xfrm>
+              <a:off x="4570266" y="2218728"/>
+              <a:ext cx="3894082" cy="707886"/>
+            </a:xfrm>
+            <a:prstGeom prst="rect">
+              <a:avLst/>
+            </a:prstGeom>
+          </p:spPr>
+          <p:txBody>
+            <a:bodyPr wrap="square">
+              <a:spAutoFit/>
+            </a:bodyPr>
+            <a:lstStyle/>
+            <a:p>
+              <a:pPr marL="285750" indent="-285750">
+                <a:buClr>
+                  <a:srgbClr val="002060"/>
+                </a:buClr>
+                <a:buSzPct val="120000"/>
+                <a:buFont typeface="Wingdings" panose="05000000000000000000" pitchFamily="2" charset="2"/>
+                <a:buChar char="§"/>
+              </a:pPr>
+              <a:r>
+                <a:rPr lang="en-US" sz="2000" spc="90" dirty="0" smtClean="0"/>
+                <a:t>4418 – Unsheltered in 2011</a:t>
+              </a:r>
+            </a:p>
+            <a:p>
+              <a:pPr marL="285750" indent="-285750">
+                <a:buClr>
+                  <a:srgbClr val="002060"/>
+                </a:buClr>
+                <a:buSzPct val="120000"/>
+                <a:buFont typeface="Wingdings" panose="05000000000000000000" pitchFamily="2" charset="2"/>
+                <a:buChar char="§"/>
+              </a:pPr>
+              <a:r>
+                <a:rPr lang="en-US" sz="2000" spc="90" dirty="0" smtClean="0"/>
+                <a:t>1050 – Unsheltered in 2016</a:t>
+              </a:r>
+              <a:endParaRPr lang="en-US" sz="2000" spc="90" dirty="0"/>
+            </a:p>
+          </p:txBody>
+        </p:sp>
+      </p:grpSp>
+      <p:sp>
+        <p:nvSpPr>
+          <p:cNvPr id="25" name="Rectangle 24">
+            <a:extLst>
+              <a:ext uri="{FF2B5EF4-FFF2-40B4-BE49-F238E27FC236}">
+                <a16:creationId xmlns:a16="http://schemas.microsoft.com/office/drawing/2014/main" xmlns="" id="{16A3167B-8E0B-42E2-9C5E-B252E303E834}"/>
+              </a:ext>
+            </a:extLst>
+          </p:cNvPr>
+          <p:cNvSpPr/>
+          <p:nvPr/>
+        </p:nvSpPr>
+        <p:spPr>
+          <a:xfrm>
+            <a:off x="5581006" y="5340257"/>
+            <a:ext cx="3028949" cy="307777"/>
+          </a:xfrm>
+          <a:prstGeom prst="rect">
+            <a:avLst/>
+          </a:prstGeom>
+        </p:spPr>
+        <p:txBody>
+          <a:bodyPr wrap="square">
+            <a:spAutoFit/>
+          </a:bodyPr>
+          <a:lstStyle/>
+          <a:p>
+            <a:pPr algn="r">
+              <a:buClr>
+                <a:srgbClr val="002060"/>
+              </a:buClr>
+              <a:buSzPct val="120000"/>
+            </a:pPr>
+            <a:r>
+              <a:rPr lang="en-US" sz="1400" b="1" spc="90" dirty="0" smtClean="0">
+                <a:solidFill>
+                  <a:srgbClr val="C00000"/>
+                </a:solidFill>
+              </a:rPr>
+              <a:t>Seattle </a:t>
+            </a:r>
+            <a:r>
+              <a:rPr lang="en-US" sz="1400" b="1" spc="90" dirty="0">
+                <a:solidFill>
+                  <a:srgbClr val="C00000"/>
+                </a:solidFill>
+              </a:rPr>
+              <a:t>Times – </a:t>
+            </a:r>
+            <a:r>
+              <a:rPr lang="en-US" sz="1400" b="1" spc="90" dirty="0" smtClean="0">
+                <a:solidFill>
+                  <a:srgbClr val="C00000"/>
+                </a:solidFill>
+              </a:rPr>
+              <a:t>October 2017 </a:t>
+            </a:r>
+            <a:endParaRPr lang="en-US" sz="1400" b="1" spc="90" dirty="0">
+              <a:solidFill>
+                <a:srgbClr val="C00000"/>
+              </a:solidFill>
+            </a:endParaRPr>
+          </a:p>
+        </p:txBody>
+      </p:sp>
+    </p:spTree>
+    <p:extLst>
+      <p:ext uri="{BB962C8B-B14F-4D97-AF65-F5344CB8AC3E}">
+        <p14:creationId xmlns:p14="http://schemas.microsoft.com/office/powerpoint/2010/main" xmlns="" val="3305591718"/>
+      </p:ext>
+    </p:extLst>
+  </p:cSld>
+  <p:clrMapOvr>
+    <a:masterClrMapping/>
+  </p:clrMapOvr>
+  <p:timing>
+    <p:tnLst>
+      <p:par>
+        <p:cTn id="1" dur="indefinite" restart="never" nodeType="tmRoot"/>
+      </p:par>
+    </p:tnLst>
+  </p:timing>
+</p:sld>
+</file>
+
+<file path=ppt/slides/slide7.xml><?xml version="1.0" encoding="utf-8"?>
+<p:sld xmlns:a="http://schemas.openxmlformats.org/drawingml/2006/main" xmlns:r="http://schemas.openxmlformats.org/officeDocument/2006/relationships" xmlns:p="http://schemas.openxmlformats.org/presentationml/2006/main">
+  <p:cSld>
+    <p:spTree>
+      <p:nvGrpSpPr>
+        <p:cNvPr id="1" name=""/>
+        <p:cNvGrpSpPr/>
+        <p:nvPr/>
+      </p:nvGrpSpPr>
+      <p:grpSpPr>
+        <a:xfrm>
+          <a:off x="0" y="0"/>
+          <a:ext cx="0" cy="0"/>
+          <a:chOff x="0" y="0"/>
+          <a:chExt cx="0" cy="0"/>
+        </a:xfrm>
+      </p:grpSpPr>
+      <p:sp>
+        <p:nvSpPr>
+          <p:cNvPr id="2" name="Slide Number Placeholder 1">
+            <a:extLst>
+              <a:ext uri="{FF2B5EF4-FFF2-40B4-BE49-F238E27FC236}">
+                <a16:creationId xmlns:a16="http://schemas.microsoft.com/office/drawing/2014/main" xmlns="" id="{1B15144E-FC2F-48B2-816C-9AD7A3CE941F}"/>
+              </a:ext>
+            </a:extLst>
+          </p:cNvPr>
+          <p:cNvSpPr>
+            <a:spLocks noGrp="1"/>
+          </p:cNvSpPr>
+          <p:nvPr>
+            <p:ph type="sldNum" sz="quarter" idx="12"/>
+          </p:nvPr>
+        </p:nvSpPr>
+        <p:spPr>
+          <a:xfrm>
+            <a:off x="3543300" y="6128104"/>
+            <a:ext cx="2057400" cy="365125"/>
+          </a:xfrm>
+        </p:spPr>
+        <p:txBody>
+          <a:bodyPr/>
+          <a:lstStyle/>
+          <a:p>
+            <a:r>
+              <a:rPr lang="en-GB" dirty="0">
+                <a:solidFill>
+                  <a:schemeClr val="tx1"/>
+                </a:solidFill>
+              </a:rPr>
+              <a:t>-</a:t>
+            </a:r>
+            <a:fld id="{639C7060-0A1E-4265-8BBE-17D58E27BD54}" type="slidenum">
+              <a:rPr lang="en-GB" smtClean="0">
+                <a:solidFill>
+                  <a:schemeClr val="tx1"/>
+                </a:solidFill>
+              </a:rPr>
+              <a:pPr/>
+              <a:t>7</a:t>
+            </a:fld>
+            <a:r>
+              <a:rPr lang="en-GB" dirty="0">
+                <a:solidFill>
+                  <a:schemeClr val="tx1"/>
+                </a:solidFill>
+              </a:rPr>
+              <a:t>-</a:t>
+            </a:r>
+          </a:p>
+        </p:txBody>
+      </p:sp>
+      <p:sp>
+        <p:nvSpPr>
+          <p:cNvPr id="11" name="Title 1">
+            <a:extLst>
+              <a:ext uri="{FF2B5EF4-FFF2-40B4-BE49-F238E27FC236}">
+                <a16:creationId xmlns:a16="http://schemas.microsoft.com/office/drawing/2014/main" xmlns="" id="{740BCBA7-717A-47A2-8477-5DFA1EB7879C}"/>
+              </a:ext>
+            </a:extLst>
+          </p:cNvPr>
+          <p:cNvSpPr txBox="1">
+            <a:spLocks/>
+          </p:cNvSpPr>
+          <p:nvPr/>
+        </p:nvSpPr>
+        <p:spPr>
+          <a:xfrm>
+            <a:off x="677916" y="294320"/>
+            <a:ext cx="7716781" cy="703366"/>
+          </a:xfrm>
+          <a:prstGeom prst="rect">
+            <a:avLst/>
+          </a:prstGeom>
+        </p:spPr>
+        <p:txBody>
+          <a:bodyPr>
+            <a:normAutofit/>
+          </a:bodyPr>
+          <a:lstStyle>
+            <a:lvl1pPr algn="l" defTabSz="914400" rtl="0" eaLnBrk="1" latinLnBrk="0" hangingPunct="1">
+              <a:lnSpc>
+                <a:spcPct val="90000"/>
+              </a:lnSpc>
+              <a:spcBef>
+                <a:spcPct val="0"/>
+              </a:spcBef>
+              <a:buNone/>
+              <a:defRPr sz="4400" kern="1200">
+                <a:solidFill>
+                  <a:schemeClr val="tx1"/>
+                </a:solidFill>
+                <a:latin typeface="Open Sans" panose="020B0606030504020204" pitchFamily="34" charset="0"/>
+                <a:ea typeface="Open Sans" panose="020B0606030504020204" pitchFamily="34" charset="0"/>
+                <a:cs typeface="Open Sans" panose="020B0606030504020204" pitchFamily="34" charset="0"/>
+              </a:defRPr>
+            </a:lvl1pPr>
+          </a:lstStyle>
+          <a:p>
+            <a:r>
+              <a:rPr lang="en-US" sz="3200" b="1" spc="200" dirty="0" smtClean="0">
+                <a:solidFill>
+                  <a:srgbClr val="00B0F0"/>
+                </a:solidFill>
+                <a:latin typeface="Raleway SemiBold" panose="020B0703030101060003" pitchFamily="34" charset="0"/>
+              </a:rPr>
+              <a:t>Orlando</a:t>
+            </a:r>
+            <a:endParaRPr lang="en-US" sz="3200" spc="200" dirty="0">
+              <a:latin typeface="Raleway SemiBold" panose="020B0703030101060003" pitchFamily="34" charset="0"/>
+            </a:endParaRPr>
+          </a:p>
+        </p:txBody>
+      </p:sp>
+      <p:sp>
+        <p:nvSpPr>
+          <p:cNvPr id="20" name="Shape 313">
+            <a:extLst>
+              <a:ext uri="{FF2B5EF4-FFF2-40B4-BE49-F238E27FC236}">
+                <a16:creationId xmlns:a16="http://schemas.microsoft.com/office/drawing/2014/main" xmlns="" id="{7231F093-14D4-4C5F-9892-FC891C0CACBD}"/>
+              </a:ext>
+            </a:extLst>
+          </p:cNvPr>
+          <p:cNvSpPr/>
+          <p:nvPr/>
+        </p:nvSpPr>
+        <p:spPr>
+          <a:xfrm rot="5400000">
+            <a:off x="4184887" y="-2647559"/>
+            <a:ext cx="630619" cy="7565340"/>
+          </a:xfrm>
+          <a:prstGeom prst="rect">
+            <a:avLst/>
+          </a:prstGeom>
+          <a:solidFill>
+            <a:schemeClr val="accent3">
+              <a:lumMod val="20000"/>
+              <a:lumOff val="80000"/>
+            </a:schemeClr>
+          </a:solidFill>
+          <a:ln w="25400" cap="flat" cmpd="sng">
+            <a:solidFill>
+              <a:srgbClr val="CBCBCB">
+                <a:alpha val="89803"/>
+              </a:srgbClr>
+            </a:solidFill>
+            <a:prstDash val="solid"/>
+            <a:round/>
+            <a:headEnd type="none" w="med" len="med"/>
+            <a:tailEnd type="none" w="med" len="med"/>
+          </a:ln>
+          <a:effectLst>
+            <a:outerShdw blurRad="50800" dist="38100" algn="l" rotWithShape="0">
+              <a:prstClr val="black">
+                <a:alpha val="40000"/>
+              </a:prstClr>
+            </a:outerShdw>
+          </a:effectLst>
+        </p:spPr>
+        <p:txBody>
+          <a:bodyPr wrap="square" lIns="91425" tIns="91425" rIns="91425" bIns="91425" anchor="ctr" anchorCtr="0">
+            <a:noAutofit/>
+          </a:bodyPr>
+          <a:lstStyle/>
+          <a:p>
+            <a:pPr marL="0" marR="0" lvl="0" indent="0" defTabSz="914400" eaLnBrk="1" fontAlgn="auto" latinLnBrk="0" hangingPunct="1">
+              <a:lnSpc>
+                <a:spcPct val="100000"/>
+              </a:lnSpc>
+              <a:spcBef>
+                <a:spcPts val="0"/>
+              </a:spcBef>
+              <a:spcAft>
+                <a:spcPts val="0"/>
+              </a:spcAft>
+              <a:buClrTx/>
+              <a:buSzTx/>
+              <a:buFontTx/>
+              <a:buNone/>
+              <a:tabLst/>
+              <a:defRPr/>
+            </a:pPr>
+            <a:endParaRPr kumimoji="0" sz="1400" b="0" i="0" u="none" strike="noStrike" kern="0" cap="none" spc="0" normalizeH="0" baseline="0" noProof="0">
+              <a:ln>
+                <a:noFill/>
+              </a:ln>
+              <a:effectLst/>
+              <a:uLnTx/>
+              <a:uFillTx/>
+              <a:latin typeface="Arial"/>
+              <a:cs typeface="Arial"/>
+              <a:sym typeface="Arial"/>
+            </a:endParaRPr>
+          </a:p>
+        </p:txBody>
+      </p:sp>
+      <p:sp>
+        <p:nvSpPr>
+          <p:cNvPr id="16" name="Rectangle 15">
+            <a:extLst>
+              <a:ext uri="{FF2B5EF4-FFF2-40B4-BE49-F238E27FC236}">
+                <a16:creationId xmlns:a16="http://schemas.microsoft.com/office/drawing/2014/main" xmlns="" id="{113E4927-F72E-46B9-AF08-12B530DBADCE}"/>
+              </a:ext>
+            </a:extLst>
+          </p:cNvPr>
+          <p:cNvSpPr/>
+          <p:nvPr/>
+        </p:nvSpPr>
+        <p:spPr>
+          <a:xfrm>
+            <a:off x="1165334" y="922109"/>
+            <a:ext cx="6808803" cy="461665"/>
+          </a:xfrm>
+          <a:prstGeom prst="rect">
+            <a:avLst/>
+          </a:prstGeom>
+        </p:spPr>
+        <p:txBody>
+          <a:bodyPr wrap="square">
+            <a:spAutoFit/>
+          </a:bodyPr>
+          <a:lstStyle/>
+          <a:p>
+            <a:pPr algn="ctr">
+              <a:buClr>
+                <a:srgbClr val="002060"/>
+              </a:buClr>
+              <a:buSzPct val="120000"/>
+            </a:pPr>
+            <a:r>
+              <a:rPr lang="en-US" sz="2400" b="1" spc="90" dirty="0" smtClean="0"/>
+              <a:t>Reduction in chronically homeless counts</a:t>
+            </a:r>
+            <a:endParaRPr lang="en-US" sz="2800" b="1" spc="90" dirty="0"/>
+          </a:p>
+        </p:txBody>
+      </p:sp>
+      <p:sp>
+        <p:nvSpPr>
+          <p:cNvPr id="17" name="Rectangle 16">
+            <a:extLst>
+              <a:ext uri="{FF2B5EF4-FFF2-40B4-BE49-F238E27FC236}">
+                <a16:creationId xmlns:a16="http://schemas.microsoft.com/office/drawing/2014/main" xmlns="" id="{F6B5CFF3-54E6-45E3-8EBC-850F8C99CBB8}"/>
+              </a:ext>
+            </a:extLst>
+          </p:cNvPr>
+          <p:cNvSpPr/>
+          <p:nvPr/>
+        </p:nvSpPr>
+        <p:spPr>
+          <a:xfrm>
+            <a:off x="867104" y="4116435"/>
+            <a:ext cx="7677806" cy="1631216"/>
+          </a:xfrm>
+          <a:prstGeom prst="rect">
+            <a:avLst/>
+          </a:prstGeom>
+        </p:spPr>
+        <p:txBody>
+          <a:bodyPr wrap="square">
+            <a:spAutoFit/>
+          </a:bodyPr>
+          <a:lstStyle/>
+          <a:p>
+            <a:pPr marL="285750" indent="-285750">
+              <a:buClr>
+                <a:srgbClr val="002060"/>
+              </a:buClr>
+              <a:buSzPct val="120000"/>
+              <a:buFont typeface="Wingdings" panose="05000000000000000000" pitchFamily="2" charset="2"/>
+              <a:buChar char="§"/>
+            </a:pPr>
+            <a:r>
+              <a:rPr lang="en-US" sz="2000" spc="90" dirty="0" smtClean="0"/>
+              <a:t>Goal in 2014 – </a:t>
+            </a:r>
+            <a:r>
+              <a:rPr lang="en-US" sz="2000" dirty="0" smtClean="0"/>
+              <a:t>move </a:t>
+            </a:r>
+            <a:r>
+              <a:rPr lang="en-US" sz="2000" dirty="0" smtClean="0"/>
+              <a:t>300 chronically homeless individuals </a:t>
+            </a:r>
+            <a:r>
+              <a:rPr lang="en-US" sz="2000" dirty="0" smtClean="0"/>
+              <a:t>/ </a:t>
+            </a:r>
+            <a:r>
+              <a:rPr lang="en-US" sz="2000" dirty="0" smtClean="0"/>
+              <a:t>veterans into </a:t>
+            </a:r>
+            <a:r>
+              <a:rPr lang="en-US" sz="2000" dirty="0" smtClean="0"/>
+              <a:t>permanent / </a:t>
+            </a:r>
+            <a:r>
+              <a:rPr lang="en-US" sz="2000" dirty="0" smtClean="0"/>
+              <a:t>supportive housing by 2017</a:t>
+            </a:r>
+            <a:r>
+              <a:rPr lang="en-US" sz="2000" dirty="0" smtClean="0"/>
+              <a:t>.</a:t>
+            </a:r>
+          </a:p>
+          <a:p>
+            <a:pPr marL="285750" indent="-285750">
+              <a:buClr>
+                <a:srgbClr val="002060"/>
+              </a:buClr>
+              <a:buSzPct val="120000"/>
+            </a:pPr>
+            <a:endParaRPr lang="en-US" sz="2000" spc="90" dirty="0" smtClean="0"/>
+          </a:p>
+          <a:p>
+            <a:pPr marL="285750" indent="-285750">
+              <a:buClr>
+                <a:srgbClr val="002060"/>
+              </a:buClr>
+              <a:buSzPct val="120000"/>
+              <a:buFont typeface="Wingdings" panose="05000000000000000000" pitchFamily="2" charset="2"/>
+              <a:buChar char="§"/>
+            </a:pPr>
+            <a:r>
+              <a:rPr lang="en-US" sz="2000" spc="90" dirty="0" smtClean="0"/>
+              <a:t>2017 – 385 chronically homeless individuals moved into permanent / supportive housing</a:t>
+            </a:r>
+            <a:endParaRPr lang="en-US" sz="2000" spc="90" dirty="0"/>
+          </a:p>
+        </p:txBody>
+      </p:sp>
+      <p:sp>
+        <p:nvSpPr>
+          <p:cNvPr id="25" name="Rectangle 24">
+            <a:extLst>
+              <a:ext uri="{FF2B5EF4-FFF2-40B4-BE49-F238E27FC236}">
+                <a16:creationId xmlns:a16="http://schemas.microsoft.com/office/drawing/2014/main" xmlns="" id="{16A3167B-8E0B-42E2-9C5E-B252E303E834}"/>
+              </a:ext>
+            </a:extLst>
+          </p:cNvPr>
+          <p:cNvSpPr/>
+          <p:nvPr/>
+        </p:nvSpPr>
+        <p:spPr>
+          <a:xfrm>
+            <a:off x="3468416" y="3590279"/>
+            <a:ext cx="4369031" cy="307777"/>
+          </a:xfrm>
+          <a:prstGeom prst="rect">
+            <a:avLst/>
+          </a:prstGeom>
+        </p:spPr>
+        <p:txBody>
+          <a:bodyPr wrap="square">
+            <a:spAutoFit/>
+          </a:bodyPr>
+          <a:lstStyle/>
+          <a:p>
+            <a:pPr algn="r">
+              <a:buClr>
+                <a:srgbClr val="002060"/>
+              </a:buClr>
+              <a:buSzPct val="120000"/>
+            </a:pPr>
+            <a:r>
+              <a:rPr lang="en-US" sz="1400" b="1" spc="90" dirty="0" smtClean="0">
+                <a:solidFill>
+                  <a:srgbClr val="C00000"/>
+                </a:solidFill>
+              </a:rPr>
+              <a:t>City of Orlando – Mayor (Housing First) website </a:t>
+            </a:r>
+            <a:endParaRPr lang="en-US" sz="1400" b="1" spc="90" dirty="0">
+              <a:solidFill>
+                <a:srgbClr val="C00000"/>
+              </a:solidFill>
+            </a:endParaRPr>
+          </a:p>
+        </p:txBody>
+      </p:sp>
+      <p:pic>
+        <p:nvPicPr>
+          <p:cNvPr id="2051" name="Picture 3"/>
+          <p:cNvPicPr>
+            <a:picLocks noChangeAspect="1" noChangeArrowheads="1"/>
+          </p:cNvPicPr>
+          <p:nvPr/>
+        </p:nvPicPr>
+        <p:blipFill>
+          <a:blip r:embed="rId3" cstate="print"/>
+          <a:srcRect/>
+          <a:stretch>
+            <a:fillRect/>
+          </a:stretch>
+        </p:blipFill>
+        <p:spPr bwMode="auto">
+          <a:xfrm>
+            <a:off x="1518800" y="1723034"/>
+            <a:ext cx="6230937" cy="1866900"/>
+          </a:xfrm>
+          <a:prstGeom prst="rect">
+            <a:avLst/>
+          </a:prstGeom>
+          <a:noFill/>
+          <a:ln w="9525">
+            <a:noFill/>
+            <a:miter lim="800000"/>
+            <a:headEnd/>
+            <a:tailEnd/>
+          </a:ln>
+          <a:effectLst/>
+        </p:spPr>
+      </p:pic>
+    </p:spTree>
+    <p:extLst>
+      <p:ext uri="{BB962C8B-B14F-4D97-AF65-F5344CB8AC3E}">
+        <p14:creationId xmlns:p14="http://schemas.microsoft.com/office/powerpoint/2010/main" xmlns="" val="3305591718"/>
+      </p:ext>
+    </p:extLst>
+  </p:cSld>
+  <p:clrMapOvr>
+    <a:masterClrMapping/>
+  </p:clrMapOvr>
+  <p:timing>
+    <p:tnLst>
+      <p:par>
+        <p:cTn id="1" dur="indefinite" restart="never" nodeType="tmRoot"/>
+      </p:par>
+    </p:tnLst>
+  </p:timing>
+</p:sld>
+</file>
+
+<file path=ppt/slides/slide8.xml><?xml version="1.0" encoding="utf-8"?>
+<p:sld xmlns:a="http://schemas.openxmlformats.org/drawingml/2006/main" xmlns:r="http://schemas.openxmlformats.org/officeDocument/2006/relationships" xmlns:p="http://schemas.openxmlformats.org/presentationml/2006/main">
+  <p:cSld>
+    <p:spTree>
+      <p:nvGrpSpPr>
+        <p:cNvPr id="1" name=""/>
+        <p:cNvGrpSpPr/>
+        <p:nvPr/>
+      </p:nvGrpSpPr>
+      <p:grpSpPr>
+        <a:xfrm>
+          <a:off x="0" y="0"/>
+          <a:ext cx="0" cy="0"/>
+          <a:chOff x="0" y="0"/>
+          <a:chExt cx="0" cy="0"/>
+        </a:xfrm>
+      </p:grpSpPr>
+      <p:pic>
+        <p:nvPicPr>
           <p:cNvPr id="16" name="Picture 15">
             <a:extLst>
               <a:ext uri="{FF2B5EF4-FFF2-40B4-BE49-F238E27FC236}">
-                <a16:creationId xmlns:a16="http://schemas.microsoft.com/office/drawing/2014/main" id="{17E7F52D-E7FD-43CF-945D-A23535FE0C50}"/>
+                <a16:creationId xmlns:a16="http://schemas.microsoft.com/office/drawing/2014/main" xmlns="" id="{17E7F52D-E7FD-43CF-945D-A23535FE0C50}"/>
               </a:ext>
             </a:extLst>
           </p:cNvPr>
@@ -12094,7 +13790,7 @@
           <p:nvPr/>
         </p:nvPicPr>
         <p:blipFill>
-          <a:blip r:embed="rId3"/>
+          <a:blip r:embed="rId3" cstate="print"/>
           <a:stretch>
             <a:fillRect/>
           </a:stretch>
@@ -12114,7 +13810,7 @@
           <p:cNvPr id="17" name="Picture 16">
             <a:extLst>
               <a:ext uri="{FF2B5EF4-FFF2-40B4-BE49-F238E27FC236}">
-                <a16:creationId xmlns:a16="http://schemas.microsoft.com/office/drawing/2014/main" id="{23C205E7-57FB-4288-8048-CF759D6D0C30}"/>
+                <a16:creationId xmlns:a16="http://schemas.microsoft.com/office/drawing/2014/main" xmlns="" id="{23C205E7-57FB-4288-8048-CF759D6D0C30}"/>
               </a:ext>
             </a:extLst>
           </p:cNvPr>
@@ -12124,7 +13820,7 @@
           <p:nvPr/>
         </p:nvPicPr>
         <p:blipFill>
-          <a:blip r:embed="rId4"/>
+          <a:blip r:embed="rId4" cstate="print"/>
           <a:stretch>
             <a:fillRect/>
           </a:stretch>
@@ -12144,7 +13840,7 @@
           <p:cNvPr id="2" name="Slide Number Placeholder 1">
             <a:extLst>
               <a:ext uri="{FF2B5EF4-FFF2-40B4-BE49-F238E27FC236}">
-                <a16:creationId xmlns:a16="http://schemas.microsoft.com/office/drawing/2014/main" id="{1B15144E-FC2F-48B2-816C-9AD7A3CE941F}"/>
+                <a16:creationId xmlns:a16="http://schemas.microsoft.com/office/drawing/2014/main" xmlns="" id="{1B15144E-FC2F-48B2-816C-9AD7A3CE941F}"/>
               </a:ext>
             </a:extLst>
           </p:cNvPr>
@@ -12180,7 +13876,7 @@
                 </a:solidFill>
               </a:rPr>
               <a:pPr/>
-              <a:t>6</a:t>
+              <a:t>8</a:t>
             </a:fld>
             <a:r>
               <a:rPr lang="en-GB" dirty="0">
@@ -12198,7 +13894,7 @@
           <p:cNvPr id="11" name="Title 1">
             <a:extLst>
               <a:ext uri="{FF2B5EF4-FFF2-40B4-BE49-F238E27FC236}">
-                <a16:creationId xmlns:a16="http://schemas.microsoft.com/office/drawing/2014/main" id="{740BCBA7-717A-47A2-8477-5DFA1EB7879C}"/>
+                <a16:creationId xmlns:a16="http://schemas.microsoft.com/office/drawing/2014/main" xmlns="" id="{740BCBA7-717A-47A2-8477-5DFA1EB7879C}"/>
               </a:ext>
             </a:extLst>
           </p:cNvPr>
@@ -12271,7 +13967,7 @@
           <p:cNvPr id="5" name="TextBox 4">
             <a:extLst>
               <a:ext uri="{FF2B5EF4-FFF2-40B4-BE49-F238E27FC236}">
-                <a16:creationId xmlns:a16="http://schemas.microsoft.com/office/drawing/2014/main" id="{86153F4A-D657-4078-AA55-DB57F370FD95}"/>
+                <a16:creationId xmlns:a16="http://schemas.microsoft.com/office/drawing/2014/main" xmlns="" id="{86153F4A-D657-4078-AA55-DB57F370FD95}"/>
               </a:ext>
             </a:extLst>
           </p:cNvPr>
@@ -12307,7 +14003,7 @@
           <p:cNvPr id="9" name="TextBox 8">
             <a:extLst>
               <a:ext uri="{FF2B5EF4-FFF2-40B4-BE49-F238E27FC236}">
-                <a16:creationId xmlns:a16="http://schemas.microsoft.com/office/drawing/2014/main" id="{C3B665B4-E852-406A-A720-1C16493677DF}"/>
+                <a16:creationId xmlns:a16="http://schemas.microsoft.com/office/drawing/2014/main" xmlns="" id="{C3B665B4-E852-406A-A720-1C16493677DF}"/>
               </a:ext>
             </a:extLst>
           </p:cNvPr>
@@ -12343,7 +14039,7 @@
           <p:cNvPr id="12" name="TextBox 11">
             <a:extLst>
               <a:ext uri="{FF2B5EF4-FFF2-40B4-BE49-F238E27FC236}">
-                <a16:creationId xmlns:a16="http://schemas.microsoft.com/office/drawing/2014/main" id="{845D8CFA-0B65-4CB0-B5D3-AB3DEAFD5174}"/>
+                <a16:creationId xmlns:a16="http://schemas.microsoft.com/office/drawing/2014/main" xmlns="" id="{845D8CFA-0B65-4CB0-B5D3-AB3DEAFD5174}"/>
               </a:ext>
             </a:extLst>
           </p:cNvPr>
@@ -12379,7 +14075,7 @@
           <p:cNvPr id="13" name="TextBox 12">
             <a:extLst>
               <a:ext uri="{FF2B5EF4-FFF2-40B4-BE49-F238E27FC236}">
-                <a16:creationId xmlns:a16="http://schemas.microsoft.com/office/drawing/2014/main" id="{EAB763F2-2520-4E25-9927-67FE857F4CEC}"/>
+                <a16:creationId xmlns:a16="http://schemas.microsoft.com/office/drawing/2014/main" xmlns="" id="{EAB763F2-2520-4E25-9927-67FE857F4CEC}"/>
               </a:ext>
             </a:extLst>
           </p:cNvPr>
@@ -12415,7 +14111,7 @@
           <p:cNvPr id="15" name="Picture 14">
             <a:extLst>
               <a:ext uri="{FF2B5EF4-FFF2-40B4-BE49-F238E27FC236}">
-                <a16:creationId xmlns:a16="http://schemas.microsoft.com/office/drawing/2014/main" id="{9FF5EE9E-8EB5-4608-870C-5916F30EC9B6}"/>
+                <a16:creationId xmlns:a16="http://schemas.microsoft.com/office/drawing/2014/main" xmlns="" id="{9FF5EE9E-8EB5-4608-870C-5916F30EC9B6}"/>
               </a:ext>
             </a:extLst>
           </p:cNvPr>
@@ -12425,7 +14121,7 @@
           <p:nvPr/>
         </p:nvPicPr>
         <p:blipFill>
-          <a:blip r:embed="rId5"/>
+          <a:blip r:embed="rId5" cstate="print"/>
           <a:stretch>
             <a:fillRect/>
           </a:stretch>
@@ -12445,7 +14141,7 @@
           <p:cNvPr id="7" name="Picture 6">
             <a:extLst>
               <a:ext uri="{FF2B5EF4-FFF2-40B4-BE49-F238E27FC236}">
-                <a16:creationId xmlns:a16="http://schemas.microsoft.com/office/drawing/2014/main" id="{B918F7E4-679B-4F12-9932-34AF7DBB8AE0}"/>
+                <a16:creationId xmlns:a16="http://schemas.microsoft.com/office/drawing/2014/main" xmlns="" id="{B918F7E4-679B-4F12-9932-34AF7DBB8AE0}"/>
               </a:ext>
             </a:extLst>
           </p:cNvPr>
@@ -12455,7 +14151,7 @@
           <p:nvPr/>
         </p:nvPicPr>
         <p:blipFill>
-          <a:blip r:embed="rId6"/>
+          <a:blip r:embed="rId6" cstate="print"/>
           <a:stretch>
             <a:fillRect/>
           </a:stretch>
@@ -12475,7 +14171,7 @@
           <p:cNvPr id="14" name="Picture 13">
             <a:extLst>
               <a:ext uri="{FF2B5EF4-FFF2-40B4-BE49-F238E27FC236}">
-                <a16:creationId xmlns:a16="http://schemas.microsoft.com/office/drawing/2014/main" id="{8C705430-D1EC-4D6F-BD37-934B2C512879}"/>
+                <a16:creationId xmlns:a16="http://schemas.microsoft.com/office/drawing/2014/main" xmlns="" id="{8C705430-D1EC-4D6F-BD37-934B2C512879}"/>
               </a:ext>
             </a:extLst>
           </p:cNvPr>
@@ -12485,7 +14181,7 @@
           <p:nvPr/>
         </p:nvPicPr>
         <p:blipFill>
-          <a:blip r:embed="rId7"/>
+          <a:blip r:embed="rId7" cstate="print"/>
           <a:stretch>
             <a:fillRect/>
           </a:stretch>
@@ -12503,18 +14199,25 @@
     </p:spTree>
     <p:extLst>
       <p:ext uri="{BB962C8B-B14F-4D97-AF65-F5344CB8AC3E}">
-        <p14:creationId xmlns:p14="http://schemas.microsoft.com/office/powerpoint/2010/main" val="1329459886"/>
+        <p14:creationId xmlns:p14="http://schemas.microsoft.com/office/powerpoint/2010/main" xmlns="" val="1329459886"/>
       </p:ext>
     </p:extLst>
   </p:cSld>
   <p:clrMapOvr>
     <a:masterClrMapping/>
   </p:clrMapOvr>
+  <p:timing>
+    <p:tnLst>
+      <p:par>
+        <p:cTn id="1" dur="indefinite" restart="never" nodeType="tmRoot"/>
+      </p:par>
+    </p:tnLst>
+  </p:timing>
 </p:sld>
 </file>
 
-<file path=ppt/slides/slide7.xml><?xml version="1.0" encoding="utf-8"?>
-<p:sld xmlns:a="http://schemas.openxmlformats.org/drawingml/2006/main" xmlns:r="http://schemas.openxmlformats.org/officeDocument/2006/relationships" xmlns:p="http://schemas.openxmlformats.org/presentationml/2006/main">
+<file path=ppt/slides/slide9.xml><?xml version="1.0" encoding="utf-8"?>
+<p:sld xmlns:a="http://schemas.openxmlformats.org/drawingml/2006/main" xmlns:r="http://schemas.openxmlformats.org/officeDocument/2006/relationships" xmlns:p="http://schemas.openxmlformats.org/presentationml/2006/main" show="0">
   <p:cSld>
     <p:spTree>
       <p:nvGrpSpPr>
@@ -12535,7 +14238,7 @@
           <p:cNvPr id="2" name="Slide Number Placeholder 1">
             <a:extLst>
               <a:ext uri="{FF2B5EF4-FFF2-40B4-BE49-F238E27FC236}">
-                <a16:creationId xmlns:a16="http://schemas.microsoft.com/office/drawing/2014/main" id="{1B15144E-FC2F-48B2-816C-9AD7A3CE941F}"/>
+                <a16:creationId xmlns:a16="http://schemas.microsoft.com/office/drawing/2014/main" xmlns="" id="{1B15144E-FC2F-48B2-816C-9AD7A3CE941F}"/>
               </a:ext>
             </a:extLst>
           </p:cNvPr>
@@ -12571,7 +14274,7 @@
                 </a:solidFill>
               </a:rPr>
               <a:pPr/>
-              <a:t>7</a:t>
+              <a:t>9</a:t>
             </a:fld>
             <a:r>
               <a:rPr lang="en-GB" dirty="0">
@@ -12589,7 +14292,7 @@
           <p:cNvPr id="11" name="Title 1">
             <a:extLst>
               <a:ext uri="{FF2B5EF4-FFF2-40B4-BE49-F238E27FC236}">
-                <a16:creationId xmlns:a16="http://schemas.microsoft.com/office/drawing/2014/main" id="{740BCBA7-717A-47A2-8477-5DFA1EB7879C}"/>
+                <a16:creationId xmlns:a16="http://schemas.microsoft.com/office/drawing/2014/main" xmlns="" id="{740BCBA7-717A-47A2-8477-5DFA1EB7879C}"/>
               </a:ext>
             </a:extLst>
           </p:cNvPr>
@@ -12638,20 +14341,9 @@
                 </a:solidFill>
                 <a:latin typeface="Raleway SemiBold" panose="020B0703030101060003" pitchFamily="34" charset="0"/>
               </a:rPr>
-              <a:t>Total Homeless vs. Bed Counts </a:t>
-            </a:r>
-          </a:p>
-          <a:p>
-            <a:r>
-              <a:rPr lang="en-US" sz="1400" b="1" spc="200" dirty="0">
-                <a:solidFill>
-                  <a:srgbClr val="00B0F0"/>
-                </a:solidFill>
-                <a:latin typeface="Raleway SemiBold" panose="020B0703030101060003" pitchFamily="34" charset="0"/>
-              </a:rPr>
-              <a:t>(2013 to 2017)</a:t>
-            </a:r>
-            <a:endParaRPr lang="en-US" sz="1400" spc="200" dirty="0">
+              <a:t>Change in Bed Counts (2013 to 2017):</a:t>
+            </a:r>
+            <a:endParaRPr lang="en-US" sz="3000" spc="200" dirty="0">
               <a:latin typeface="Raleway SemiBold" panose="020B0703030101060003" pitchFamily="34" charset="0"/>
             </a:endParaRPr>
           </a:p>
@@ -12659,10 +14351,10 @@
       </p:sp>
       <p:pic>
         <p:nvPicPr>
-          <p:cNvPr id="4" name="Picture 3">
+          <p:cNvPr id="3" name="Picture 2">
             <a:extLst>
               <a:ext uri="{FF2B5EF4-FFF2-40B4-BE49-F238E27FC236}">
-                <a16:creationId xmlns:a16="http://schemas.microsoft.com/office/drawing/2014/main" id="{79AD64B7-4D07-4BF6-83E8-58468B4C7F75}"/>
+                <a16:creationId xmlns:a16="http://schemas.microsoft.com/office/drawing/2014/main" xmlns="" id="{F64F1485-1F42-45E3-8BFA-548D4CAD94F1}"/>
               </a:ext>
             </a:extLst>
           </p:cNvPr>
@@ -12672,602 +14364,7 @@
           <p:nvPr/>
         </p:nvPicPr>
         <p:blipFill>
-          <a:blip r:embed="rId3"/>
-          <a:stretch>
-            <a:fillRect/>
-          </a:stretch>
-        </p:blipFill>
-        <p:spPr>
-          <a:xfrm>
-            <a:off x="1071074" y="1299865"/>
-            <a:ext cx="7001852" cy="4258269"/>
-          </a:xfrm>
-          <a:prstGeom prst="rect">
-            <a:avLst/>
-          </a:prstGeom>
-        </p:spPr>
-      </p:pic>
-    </p:spTree>
-    <p:extLst>
-      <p:ext uri="{BB962C8B-B14F-4D97-AF65-F5344CB8AC3E}">
-        <p14:creationId xmlns:p14="http://schemas.microsoft.com/office/powerpoint/2010/main" val="1081123762"/>
-      </p:ext>
-    </p:extLst>
-  </p:cSld>
-  <p:clrMapOvr>
-    <a:masterClrMapping/>
-  </p:clrMapOvr>
-</p:sld>
-</file>
-
-<file path=ppt/slides/slide8.xml><?xml version="1.0" encoding="utf-8"?>
-<p:sld xmlns:a="http://schemas.openxmlformats.org/drawingml/2006/main" xmlns:r="http://schemas.openxmlformats.org/officeDocument/2006/relationships" xmlns:p="http://schemas.openxmlformats.org/presentationml/2006/main">
-  <p:cSld>
-    <p:spTree>
-      <p:nvGrpSpPr>
-        <p:cNvPr id="1" name=""/>
-        <p:cNvGrpSpPr/>
-        <p:nvPr/>
-      </p:nvGrpSpPr>
-      <p:grpSpPr>
-        <a:xfrm>
-          <a:off x="0" y="0"/>
-          <a:ext cx="0" cy="0"/>
-          <a:chOff x="0" y="0"/>
-          <a:chExt cx="0" cy="0"/>
-        </a:xfrm>
-      </p:grpSpPr>
-      <p:pic>
-        <p:nvPicPr>
-          <p:cNvPr id="10" name="Picture 9">
-            <a:extLst>
-              <a:ext uri="{FF2B5EF4-FFF2-40B4-BE49-F238E27FC236}">
-                <a16:creationId xmlns:a16="http://schemas.microsoft.com/office/drawing/2014/main" id="{9707C8E5-4A42-42CA-AE38-CD56648D413D}"/>
-              </a:ext>
-            </a:extLst>
-          </p:cNvPr>
-          <p:cNvPicPr>
-            <a:picLocks noChangeAspect="1"/>
-          </p:cNvPicPr>
-          <p:nvPr/>
-        </p:nvPicPr>
-        <p:blipFill>
-          <a:blip r:embed="rId3"/>
-          <a:stretch>
-            <a:fillRect/>
-          </a:stretch>
-        </p:blipFill>
-        <p:spPr>
-          <a:xfrm>
-            <a:off x="4572000" y="3487369"/>
-            <a:ext cx="3466853" cy="2375436"/>
-          </a:xfrm>
-          <a:prstGeom prst="rect">
-            <a:avLst/>
-          </a:prstGeom>
-        </p:spPr>
-      </p:pic>
-      <p:pic>
-        <p:nvPicPr>
-          <p:cNvPr id="3" name="Picture 2">
-            <a:extLst>
-              <a:ext uri="{FF2B5EF4-FFF2-40B4-BE49-F238E27FC236}">
-                <a16:creationId xmlns:a16="http://schemas.microsoft.com/office/drawing/2014/main" id="{5AF08603-7FEB-4AFC-82F6-4E8A0A93818E}"/>
-              </a:ext>
-            </a:extLst>
-          </p:cNvPr>
-          <p:cNvPicPr>
-            <a:picLocks noChangeAspect="1"/>
-          </p:cNvPicPr>
-          <p:nvPr/>
-        </p:nvPicPr>
-        <p:blipFill rotWithShape="1">
-          <a:blip r:embed="rId4"/>
-          <a:srcRect t="2969"/>
-          <a:stretch/>
-        </p:blipFill>
-        <p:spPr>
-          <a:xfrm>
-            <a:off x="555870" y="1104899"/>
-            <a:ext cx="3466853" cy="2304922"/>
-          </a:xfrm>
-          <a:prstGeom prst="rect">
-            <a:avLst/>
-          </a:prstGeom>
-        </p:spPr>
-      </p:pic>
-      <p:pic>
-        <p:nvPicPr>
-          <p:cNvPr id="8" name="Picture 7">
-            <a:extLst>
-              <a:ext uri="{FF2B5EF4-FFF2-40B4-BE49-F238E27FC236}">
-                <a16:creationId xmlns:a16="http://schemas.microsoft.com/office/drawing/2014/main" id="{B3E14265-E850-4A4A-A8A6-959D96A3336A}"/>
-              </a:ext>
-            </a:extLst>
-          </p:cNvPr>
-          <p:cNvPicPr>
-            <a:picLocks noChangeAspect="1"/>
-          </p:cNvPicPr>
-          <p:nvPr/>
-        </p:nvPicPr>
-        <p:blipFill>
-          <a:blip r:embed="rId5"/>
-          <a:stretch>
-            <a:fillRect/>
-          </a:stretch>
-        </p:blipFill>
-        <p:spPr>
-          <a:xfrm>
-            <a:off x="600322" y="3539479"/>
-            <a:ext cx="3466853" cy="2375436"/>
-          </a:xfrm>
-          <a:prstGeom prst="rect">
-            <a:avLst/>
-          </a:prstGeom>
-        </p:spPr>
-      </p:pic>
-      <p:sp>
-        <p:nvSpPr>
-          <p:cNvPr id="2" name="Slide Number Placeholder 1">
-            <a:extLst>
-              <a:ext uri="{FF2B5EF4-FFF2-40B4-BE49-F238E27FC236}">
-                <a16:creationId xmlns:a16="http://schemas.microsoft.com/office/drawing/2014/main" id="{1B15144E-FC2F-48B2-816C-9AD7A3CE941F}"/>
-              </a:ext>
-            </a:extLst>
-          </p:cNvPr>
-          <p:cNvSpPr>
-            <a:spLocks noGrp="1"/>
-          </p:cNvSpPr>
-          <p:nvPr>
-            <p:ph type="sldNum" sz="quarter" idx="12"/>
-          </p:nvPr>
-        </p:nvSpPr>
-        <p:spPr>
-          <a:xfrm>
-            <a:off x="3543300" y="6128104"/>
-            <a:ext cx="2057400" cy="365125"/>
-          </a:xfrm>
-        </p:spPr>
-        <p:txBody>
-          <a:bodyPr/>
-          <a:lstStyle/>
-          <a:p>
-            <a:r>
-              <a:rPr lang="en-GB" dirty="0">
-                <a:solidFill>
-                  <a:schemeClr val="tx1"/>
-                </a:solidFill>
-              </a:rPr>
-              <a:t>-</a:t>
-            </a:r>
-            <a:fld id="{639C7060-0A1E-4265-8BBE-17D58E27BD54}" type="slidenum">
-              <a:rPr lang="en-GB" smtClean="0">
-                <a:solidFill>
-                  <a:schemeClr val="tx1"/>
-                </a:solidFill>
-              </a:rPr>
-              <a:pPr/>
-              <a:t>8</a:t>
-            </a:fld>
-            <a:r>
-              <a:rPr lang="en-GB" dirty="0">
-                <a:solidFill>
-                  <a:schemeClr val="tx1"/>
-                </a:solidFill>
-              </a:rPr>
-              <a:t>-</a:t>
-            </a:r>
-          </a:p>
-        </p:txBody>
-      </p:sp>
-      <p:sp>
-        <p:nvSpPr>
-          <p:cNvPr id="11" name="Title 1">
-            <a:extLst>
-              <a:ext uri="{FF2B5EF4-FFF2-40B4-BE49-F238E27FC236}">
-                <a16:creationId xmlns:a16="http://schemas.microsoft.com/office/drawing/2014/main" id="{740BCBA7-717A-47A2-8477-5DFA1EB7879C}"/>
-              </a:ext>
-            </a:extLst>
-          </p:cNvPr>
-          <p:cNvSpPr txBox="1">
-            <a:spLocks/>
-          </p:cNvSpPr>
-          <p:nvPr/>
-        </p:nvSpPr>
-        <p:spPr>
-          <a:xfrm>
-            <a:off x="507998" y="294320"/>
-            <a:ext cx="7886700" cy="703366"/>
-          </a:xfrm>
-          <a:prstGeom prst="rect">
-            <a:avLst/>
-          </a:prstGeom>
-        </p:spPr>
-        <p:txBody>
-          <a:bodyPr>
-            <a:normAutofit fontScale="92500" lnSpcReduction="10000"/>
-          </a:bodyPr>
-          <a:lstStyle>
-            <a:lvl1pPr algn="l" defTabSz="914400" rtl="0" eaLnBrk="1" latinLnBrk="0" hangingPunct="1">
-              <a:lnSpc>
-                <a:spcPct val="90000"/>
-              </a:lnSpc>
-              <a:spcBef>
-                <a:spcPct val="0"/>
-              </a:spcBef>
-              <a:buNone/>
-              <a:defRPr sz="4400" kern="1200">
-                <a:solidFill>
-                  <a:schemeClr val="tx1"/>
-                </a:solidFill>
-                <a:latin typeface="Open Sans" panose="020B0606030504020204" pitchFamily="34" charset="0"/>
-                <a:ea typeface="Open Sans" panose="020B0606030504020204" pitchFamily="34" charset="0"/>
-                <a:cs typeface="Open Sans" panose="020B0606030504020204" pitchFamily="34" charset="0"/>
-              </a:defRPr>
-            </a:lvl1pPr>
-          </a:lstStyle>
-          <a:p>
-            <a:r>
-              <a:rPr lang="en-US" sz="3000" b="1" spc="200" dirty="0">
-                <a:solidFill>
-                  <a:srgbClr val="00B0F0"/>
-                </a:solidFill>
-                <a:latin typeface="Raleway SemiBold" panose="020B0703030101060003" pitchFamily="34" charset="0"/>
-              </a:rPr>
-              <a:t>Homeless vs. Bed Counts </a:t>
-            </a:r>
-          </a:p>
-          <a:p>
-            <a:r>
-              <a:rPr lang="en-US" sz="1900" b="1" spc="200" dirty="0">
-                <a:solidFill>
-                  <a:srgbClr val="00B0F0"/>
-                </a:solidFill>
-                <a:latin typeface="Raleway SemiBold" panose="020B0703030101060003" pitchFamily="34" charset="0"/>
-              </a:rPr>
-              <a:t>(2013 to 2016):</a:t>
-            </a:r>
-            <a:endParaRPr lang="en-US" sz="3000" spc="200" dirty="0">
-              <a:latin typeface="Raleway SemiBold" panose="020B0703030101060003" pitchFamily="34" charset="0"/>
-            </a:endParaRPr>
-          </a:p>
-        </p:txBody>
-      </p:sp>
-      <p:sp>
-        <p:nvSpPr>
-          <p:cNvPr id="5" name="TextBox 4">
-            <a:extLst>
-              <a:ext uri="{FF2B5EF4-FFF2-40B4-BE49-F238E27FC236}">
-                <a16:creationId xmlns:a16="http://schemas.microsoft.com/office/drawing/2014/main" id="{86153F4A-D657-4078-AA55-DB57F370FD95}"/>
-              </a:ext>
-            </a:extLst>
-          </p:cNvPr>
-          <p:cNvSpPr txBox="1"/>
-          <p:nvPr/>
-        </p:nvSpPr>
-        <p:spPr>
-          <a:xfrm>
-            <a:off x="1219200" y="961253"/>
-            <a:ext cx="1819275" cy="369332"/>
-          </a:xfrm>
-          <a:prstGeom prst="rect">
-            <a:avLst/>
-          </a:prstGeom>
-          <a:noFill/>
-        </p:spPr>
-        <p:txBody>
-          <a:bodyPr wrap="square" rtlCol="0">
-            <a:spAutoFit/>
-          </a:bodyPr>
-          <a:lstStyle/>
-          <a:p>
-            <a:pPr algn="ctr"/>
-            <a:r>
-              <a:rPr lang="en-US" dirty="0"/>
-              <a:t>California</a:t>
-            </a:r>
-          </a:p>
-        </p:txBody>
-      </p:sp>
-      <p:sp>
-        <p:nvSpPr>
-          <p:cNvPr id="12" name="TextBox 11">
-            <a:extLst>
-              <a:ext uri="{FF2B5EF4-FFF2-40B4-BE49-F238E27FC236}">
-                <a16:creationId xmlns:a16="http://schemas.microsoft.com/office/drawing/2014/main" id="{845D8CFA-0B65-4CB0-B5D3-AB3DEAFD5174}"/>
-              </a:ext>
-            </a:extLst>
-          </p:cNvPr>
-          <p:cNvSpPr txBox="1"/>
-          <p:nvPr/>
-        </p:nvSpPr>
-        <p:spPr>
-          <a:xfrm>
-            <a:off x="1379658" y="3516132"/>
-            <a:ext cx="1819275" cy="369332"/>
-          </a:xfrm>
-          <a:prstGeom prst="rect">
-            <a:avLst/>
-          </a:prstGeom>
-          <a:noFill/>
-        </p:spPr>
-        <p:txBody>
-          <a:bodyPr wrap="square" rtlCol="0">
-            <a:spAutoFit/>
-          </a:bodyPr>
-          <a:lstStyle/>
-          <a:p>
-            <a:pPr algn="ctr"/>
-            <a:r>
-              <a:rPr lang="en-US" dirty="0"/>
-              <a:t>Washington</a:t>
-            </a:r>
-          </a:p>
-        </p:txBody>
-      </p:sp>
-      <p:sp>
-        <p:nvSpPr>
-          <p:cNvPr id="13" name="TextBox 12">
-            <a:extLst>
-              <a:ext uri="{FF2B5EF4-FFF2-40B4-BE49-F238E27FC236}">
-                <a16:creationId xmlns:a16="http://schemas.microsoft.com/office/drawing/2014/main" id="{EAB763F2-2520-4E25-9927-67FE857F4CEC}"/>
-              </a:ext>
-            </a:extLst>
-          </p:cNvPr>
-          <p:cNvSpPr txBox="1"/>
-          <p:nvPr/>
-        </p:nvSpPr>
-        <p:spPr>
-          <a:xfrm>
-            <a:off x="5362572" y="3475759"/>
-            <a:ext cx="1819275" cy="369332"/>
-          </a:xfrm>
-          <a:prstGeom prst="rect">
-            <a:avLst/>
-          </a:prstGeom>
-          <a:noFill/>
-        </p:spPr>
-        <p:txBody>
-          <a:bodyPr wrap="square" rtlCol="0">
-            <a:spAutoFit/>
-          </a:bodyPr>
-          <a:lstStyle/>
-          <a:p>
-            <a:pPr algn="ctr"/>
-            <a:r>
-              <a:rPr lang="en-US" dirty="0"/>
-              <a:t>Florida</a:t>
-            </a:r>
-          </a:p>
-        </p:txBody>
-      </p:sp>
-      <p:pic>
-        <p:nvPicPr>
-          <p:cNvPr id="4" name="Picture 3">
-            <a:extLst>
-              <a:ext uri="{FF2B5EF4-FFF2-40B4-BE49-F238E27FC236}">
-                <a16:creationId xmlns:a16="http://schemas.microsoft.com/office/drawing/2014/main" id="{C9EBCE02-82BB-4C9C-8013-6508FE7C5226}"/>
-              </a:ext>
-            </a:extLst>
-          </p:cNvPr>
-          <p:cNvPicPr>
-            <a:picLocks noChangeAspect="1"/>
-          </p:cNvPicPr>
-          <p:nvPr/>
-        </p:nvPicPr>
-        <p:blipFill rotWithShape="1">
-          <a:blip r:embed="rId6"/>
-          <a:srcRect t="2969"/>
-          <a:stretch/>
-        </p:blipFill>
-        <p:spPr>
-          <a:xfrm>
-            <a:off x="4572000" y="1104899"/>
-            <a:ext cx="3466853" cy="2304921"/>
-          </a:xfrm>
-          <a:prstGeom prst="rect">
-            <a:avLst/>
-          </a:prstGeom>
-        </p:spPr>
-      </p:pic>
-      <p:sp>
-        <p:nvSpPr>
-          <p:cNvPr id="9" name="TextBox 8">
-            <a:extLst>
-              <a:ext uri="{FF2B5EF4-FFF2-40B4-BE49-F238E27FC236}">
-                <a16:creationId xmlns:a16="http://schemas.microsoft.com/office/drawing/2014/main" id="{C3B665B4-E852-406A-A720-1C16493677DF}"/>
-              </a:ext>
-            </a:extLst>
-          </p:cNvPr>
-          <p:cNvSpPr txBox="1"/>
-          <p:nvPr/>
-        </p:nvSpPr>
-        <p:spPr>
-          <a:xfrm>
-            <a:off x="5362573" y="961253"/>
-            <a:ext cx="1819275" cy="369332"/>
-          </a:xfrm>
-          <a:prstGeom prst="rect">
-            <a:avLst/>
-          </a:prstGeom>
-          <a:noFill/>
-        </p:spPr>
-        <p:txBody>
-          <a:bodyPr wrap="square" rtlCol="0">
-            <a:spAutoFit/>
-          </a:bodyPr>
-          <a:lstStyle/>
-          <a:p>
-            <a:pPr algn="ctr"/>
-            <a:r>
-              <a:rPr lang="en-US" dirty="0"/>
-              <a:t>New York</a:t>
-            </a:r>
-          </a:p>
-        </p:txBody>
-      </p:sp>
-    </p:spTree>
-    <p:extLst>
-      <p:ext uri="{BB962C8B-B14F-4D97-AF65-F5344CB8AC3E}">
-        <p14:creationId xmlns:p14="http://schemas.microsoft.com/office/powerpoint/2010/main" val="1583683054"/>
-      </p:ext>
-    </p:extLst>
-  </p:cSld>
-  <p:clrMapOvr>
-    <a:masterClrMapping/>
-  </p:clrMapOvr>
-</p:sld>
-</file>
-
-<file path=ppt/slides/slide9.xml><?xml version="1.0" encoding="utf-8"?>
-<p:sld xmlns:a="http://schemas.openxmlformats.org/drawingml/2006/main" xmlns:r="http://schemas.openxmlformats.org/officeDocument/2006/relationships" xmlns:p="http://schemas.openxmlformats.org/presentationml/2006/main">
-  <p:cSld>
-    <p:spTree>
-      <p:nvGrpSpPr>
-        <p:cNvPr id="1" name=""/>
-        <p:cNvGrpSpPr/>
-        <p:nvPr/>
-      </p:nvGrpSpPr>
-      <p:grpSpPr>
-        <a:xfrm>
-          <a:off x="0" y="0"/>
-          <a:ext cx="0" cy="0"/>
-          <a:chOff x="0" y="0"/>
-          <a:chExt cx="0" cy="0"/>
-        </a:xfrm>
-      </p:grpSpPr>
-      <p:sp>
-        <p:nvSpPr>
-          <p:cNvPr id="2" name="Slide Number Placeholder 1">
-            <a:extLst>
-              <a:ext uri="{FF2B5EF4-FFF2-40B4-BE49-F238E27FC236}">
-                <a16:creationId xmlns:a16="http://schemas.microsoft.com/office/drawing/2014/main" id="{1B15144E-FC2F-48B2-816C-9AD7A3CE941F}"/>
-              </a:ext>
-            </a:extLst>
-          </p:cNvPr>
-          <p:cNvSpPr>
-            <a:spLocks noGrp="1"/>
-          </p:cNvSpPr>
-          <p:nvPr>
-            <p:ph type="sldNum" sz="quarter" idx="12"/>
-          </p:nvPr>
-        </p:nvSpPr>
-        <p:spPr>
-          <a:xfrm>
-            <a:off x="3543300" y="6128104"/>
-            <a:ext cx="2057400" cy="365125"/>
-          </a:xfrm>
-        </p:spPr>
-        <p:txBody>
-          <a:bodyPr/>
-          <a:lstStyle/>
-          <a:p>
-            <a:r>
-              <a:rPr lang="en-GB" dirty="0">
-                <a:solidFill>
-                  <a:schemeClr val="tx1"/>
-                </a:solidFill>
-              </a:rPr>
-              <a:t>-</a:t>
-            </a:r>
-            <a:fld id="{639C7060-0A1E-4265-8BBE-17D58E27BD54}" type="slidenum">
-              <a:rPr lang="en-GB" smtClean="0">
-                <a:solidFill>
-                  <a:schemeClr val="tx1"/>
-                </a:solidFill>
-              </a:rPr>
-              <a:pPr/>
-              <a:t>9</a:t>
-            </a:fld>
-            <a:r>
-              <a:rPr lang="en-GB" dirty="0">
-                <a:solidFill>
-                  <a:schemeClr val="tx1"/>
-                </a:solidFill>
-              </a:rPr>
-              <a:t>-</a:t>
-            </a:r>
-          </a:p>
-        </p:txBody>
-      </p:sp>
-      <p:sp>
-        <p:nvSpPr>
-          <p:cNvPr id="11" name="Title 1">
-            <a:extLst>
-              <a:ext uri="{FF2B5EF4-FFF2-40B4-BE49-F238E27FC236}">
-                <a16:creationId xmlns:a16="http://schemas.microsoft.com/office/drawing/2014/main" id="{740BCBA7-717A-47A2-8477-5DFA1EB7879C}"/>
-              </a:ext>
-            </a:extLst>
-          </p:cNvPr>
-          <p:cNvSpPr txBox="1">
-            <a:spLocks/>
-          </p:cNvSpPr>
-          <p:nvPr/>
-        </p:nvSpPr>
-        <p:spPr>
-          <a:xfrm>
-            <a:off x="507998" y="294320"/>
-            <a:ext cx="7886700" cy="703366"/>
-          </a:xfrm>
-          <a:prstGeom prst="rect">
-            <a:avLst/>
-          </a:prstGeom>
-        </p:spPr>
-        <p:txBody>
-          <a:bodyPr>
-            <a:normAutofit/>
-          </a:bodyPr>
-          <a:lstStyle>
-            <a:lvl1pPr algn="l" defTabSz="914400" rtl="0" eaLnBrk="1" latinLnBrk="0" hangingPunct="1">
-              <a:lnSpc>
-                <a:spcPct val="90000"/>
-              </a:lnSpc>
-              <a:spcBef>
-                <a:spcPct val="0"/>
-              </a:spcBef>
-              <a:buNone/>
-              <a:defRPr sz="4400" kern="1200">
-                <a:solidFill>
-                  <a:schemeClr val="tx1"/>
-                </a:solidFill>
-                <a:latin typeface="Open Sans" panose="020B0606030504020204" pitchFamily="34" charset="0"/>
-                <a:ea typeface="Open Sans" panose="020B0606030504020204" pitchFamily="34" charset="0"/>
-                <a:cs typeface="Open Sans" panose="020B0606030504020204" pitchFamily="34" charset="0"/>
-              </a:defRPr>
-            </a:lvl1pPr>
-          </a:lstStyle>
-          <a:p>
-            <a:r>
-              <a:rPr lang="en-US" sz="3000" b="1" spc="200" dirty="0">
-                <a:solidFill>
-                  <a:srgbClr val="00B0F0"/>
-                </a:solidFill>
-                <a:latin typeface="Raleway SemiBold" panose="020B0703030101060003" pitchFamily="34" charset="0"/>
-              </a:rPr>
-              <a:t>Change in Bed Counts (2013 to 2017):</a:t>
-            </a:r>
-            <a:endParaRPr lang="en-US" sz="3000" spc="200" dirty="0">
-              <a:latin typeface="Raleway SemiBold" panose="020B0703030101060003" pitchFamily="34" charset="0"/>
-            </a:endParaRPr>
-          </a:p>
-        </p:txBody>
-      </p:sp>
-      <p:pic>
-        <p:nvPicPr>
-          <p:cNvPr id="3" name="Picture 2">
-            <a:extLst>
-              <a:ext uri="{FF2B5EF4-FFF2-40B4-BE49-F238E27FC236}">
-                <a16:creationId xmlns:a16="http://schemas.microsoft.com/office/drawing/2014/main" id="{F64F1485-1F42-45E3-8BFA-548D4CAD94F1}"/>
-              </a:ext>
-            </a:extLst>
-          </p:cNvPr>
-          <p:cNvPicPr>
-            <a:picLocks noChangeAspect="1"/>
-          </p:cNvPicPr>
-          <p:nvPr/>
-        </p:nvPicPr>
-        <p:blipFill>
-          <a:blip r:embed="rId3"/>
+          <a:blip r:embed="rId3" cstate="print"/>
           <a:stretch>
             <a:fillRect/>
           </a:stretch>
@@ -13285,13 +14382,14 @@
     </p:spTree>
     <p:extLst>
       <p:ext uri="{BB962C8B-B14F-4D97-AF65-F5344CB8AC3E}">
-        <p14:creationId xmlns:p14="http://schemas.microsoft.com/office/powerpoint/2010/main" val="1876688726"/>
+        <p14:creationId xmlns:p14="http://schemas.microsoft.com/office/powerpoint/2010/main" xmlns="" val="1876688726"/>
       </p:ext>
     </p:extLst>
   </p:cSld>
   <p:clrMapOvr>
     <a:masterClrMapping/>
   </p:clrMapOvr>
+  <p:transition/>
 </p:sld>
 </file>
 
@@ -13338,7 +14436,7 @@
     </a:clrScheme>
     <a:fontScheme name="Office Theme">
       <a:majorFont>
-        <a:latin typeface="Calibri Light" panose="020F0302020204030204"/>
+        <a:latin typeface="Calibri Light"/>
         <a:ea typeface=""/>
         <a:cs typeface=""/>
         <a:font script="Jpan" typeface="ＭＳ Ｐゴシック"/>
@@ -13373,7 +14471,7 @@
         <a:font script="Geor" typeface="Sylfaen"/>
       </a:majorFont>
       <a:minorFont>
-        <a:latin typeface="Calibri" panose="020F0502020204030204"/>
+        <a:latin typeface="Calibri"/>
         <a:ea typeface=""/>
         <a:cs typeface=""/>
         <a:font script="Jpan" typeface="ＭＳ Ｐゴシック"/>
@@ -13550,7 +14648,7 @@
   <a:extraClrSchemeLst/>
   <a:extLst>
     <a:ext uri="{05A4C25C-085E-4340-85A3-A5531E510DB2}">
-      <thm15:themeFamily xmlns:thm15="http://schemas.microsoft.com/office/thememl/2012/main" name="EARL-Powerpoint-Template-2018.potx [Autosaved]" id="{4E4EF361-1876-4E03-B6B9-582959FFC978}" vid="{2FA0FC57-7A45-44E8-829B-248E44AABB15}"/>
+      <thm15:themeFamily xmlns:thm15="http://schemas.microsoft.com/office/thememl/2012/main" xmlns="" name="EARL-Powerpoint-Template-2018.potx [Autosaved]" id="{4E4EF361-1876-4E03-B6B9-582959FFC978}" vid="{2FA0FC57-7A45-44E8-829B-248E44AABB15}"/>
     </a:ext>
   </a:extLst>
 </a:theme>
@@ -13599,7 +14697,7 @@
     </a:clrScheme>
     <a:fontScheme name="Office">
       <a:majorFont>
-        <a:latin typeface="Calibri Light" panose="020F0302020204030204"/>
+        <a:latin typeface="Calibri Light"/>
         <a:ea typeface=""/>
         <a:cs typeface=""/>
         <a:font script="Jpan" typeface="游ゴシック Light"/>
@@ -13651,7 +14749,7 @@
         <a:font script="Tfng" typeface="Ebrima"/>
       </a:majorFont>
       <a:minorFont>
-        <a:latin typeface="Calibri" panose="020F0502020204030204"/>
+        <a:latin typeface="Calibri"/>
         <a:ea typeface=""/>
         <a:cs typeface=""/>
         <a:font script="Jpan" typeface="游ゴシック"/>
@@ -13845,7 +14943,7 @@
   <a:extraClrSchemeLst/>
   <a:extLst>
     <a:ext uri="{05A4C25C-085E-4340-85A3-A5531E510DB2}">
-      <thm15:themeFamily xmlns:thm15="http://schemas.microsoft.com/office/thememl/2012/main" name="Office Theme" id="{62F939B6-93AF-4DB8-9C6B-D6C7DFDC589F}" vid="{4A3C46E8-61CC-4603-A589-7422A47A8E4A}"/>
+      <thm15:themeFamily xmlns:thm15="http://schemas.microsoft.com/office/thememl/2012/main" xmlns="" name="Office Theme" id="{62F939B6-93AF-4DB8-9C6B-D6C7DFDC589F}" vid="{4A3C46E8-61CC-4603-A589-7422A47A8E4A}"/>
     </a:ext>
   </a:extLst>
 </a:theme>
@@ -13894,7 +14992,7 @@
     </a:clrScheme>
     <a:fontScheme name="Office">
       <a:majorFont>
-        <a:latin typeface="Calibri Light" panose="020F0302020204030204"/>
+        <a:latin typeface="Calibri Light"/>
         <a:ea typeface=""/>
         <a:cs typeface=""/>
         <a:font script="Jpan" typeface="ＭＳ Ｐゴシック"/>
@@ -13929,7 +15027,7 @@
         <a:font script="Geor" typeface="Sylfaen"/>
       </a:majorFont>
       <a:minorFont>
-        <a:latin typeface="Calibri" panose="020F0502020204030204"/>
+        <a:latin typeface="Calibri"/>
         <a:ea typeface=""/>
         <a:cs typeface=""/>
         <a:font script="Jpan" typeface="ＭＳ Ｐゴシック"/>
@@ -14106,7 +15204,7 @@
   <a:extraClrSchemeLst/>
   <a:extLst>
     <a:ext uri="{05A4C25C-085E-4340-85A3-A5531E510DB2}">
-      <thm15:themeFamily xmlns:thm15="http://schemas.microsoft.com/office/thememl/2012/main" name="Office Theme" id="{62F939B6-93AF-4DB8-9C6B-D6C7DFDC589F}" vid="{4A3C46E8-61CC-4603-A589-7422A47A8E4A}"/>
+      <thm15:themeFamily xmlns:thm15="http://schemas.microsoft.com/office/thememl/2012/main" xmlns="" name="Office Theme" id="{62F939B6-93AF-4DB8-9C6B-D6C7DFDC589F}" vid="{4A3C46E8-61CC-4603-A589-7422A47A8E4A}"/>
     </a:ext>
   </a:extLst>
 </a:theme>
